--- a/docs/using-quarto-ppt.pptx
+++ b/docs/using-quarto-ppt.pptx
@@ -10,6 +10,16 @@
     <p:sldId id="258" r:id="rId4"/>
     <p:sldId id="259" r:id="rId5"/>
     <p:sldId id="260" r:id="rId6"/>
+    <p:sldId id="261" r:id="rId7"/>
+    <p:sldId id="262" r:id="rId8"/>
+    <p:sldId id="263" r:id="rId9"/>
+    <p:sldId id="264" r:id="rId10"/>
+    <p:sldId id="265" r:id="rId11"/>
+    <p:sldId id="266" r:id="rId12"/>
+    <p:sldId id="267" r:id="rId13"/>
+    <p:sldId id="268" r:id="rId14"/>
+    <p:sldId id="269" r:id="rId15"/>
+    <p:sldId id="270" r:id="rId16"/>
   </p:sldIdLst>
   <p:sldSz cx="9144000" cy="5143500" type="screen16x9"/>
   <p:notesSz cx="6858000" cy="9144000"/>
@@ -123,6 +133,9 @@
         </p15:guide>
       </p15:sldGuideLst>
     </p:ext>
+    <p:ext uri="{2D200454-40CA-4A62-9FC3-DE9A4176ACB9}">
+      <p15:notesGuideLst xmlns:p15="http://schemas.microsoft.com/office/powerpoint/2012/main"/>
+    </p:ext>
   </p:extLst>
 </p:presentation>
 </file>
@@ -166,7 +179,10 @@
           </a:bodyPr>
           <a:lstStyle>
             <a:lvl1pPr>
-              <a:defRPr sz="2000"/>
+              <a:defRPr sz="2000">
+                <a:latin typeface="Segoe UI Semilight" panose="020B0402040204020203" pitchFamily="34" charset="0"/>
+                <a:cs typeface="Segoe UI Semilight" panose="020B0402040204020203" pitchFamily="34" charset="0"/>
+              </a:defRPr>
             </a:lvl1pPr>
           </a:lstStyle>
           <a:p>
@@ -206,6 +222,8 @@
                     <a:tint val="75000"/>
                   </a:schemeClr>
                 </a:solidFill>
+                <a:latin typeface="Segoe UI Semilight" panose="020B0402040204020203" pitchFamily="34" charset="0"/>
+                <a:cs typeface="Segoe UI Semilight" panose="020B0402040204020203" pitchFamily="34" charset="0"/>
               </a:defRPr>
             </a:lvl1pPr>
             <a:lvl2pPr marL="342900" indent="0" algn="ctr">
@@ -310,11 +328,19 @@
         <p:spPr/>
         <p:txBody>
           <a:bodyPr/>
-          <a:lstStyle/>
+          <a:lstStyle>
+            <a:lvl1pPr>
+              <a:defRPr>
+                <a:latin typeface="Segoe UI Semilight" panose="020B0402040204020203" pitchFamily="34" charset="0"/>
+                <a:cs typeface="Segoe UI Semilight" panose="020B0402040204020203" pitchFamily="34" charset="0"/>
+              </a:defRPr>
+            </a:lvl1pPr>
+          </a:lstStyle>
           <a:p>
             <a:fld id="{241EB5C9-1307-BA42-ABA2-0BC069CD8E7F}" type="datetimeFigureOut">
               <a:rPr lang="en-US" smtClean="0"/>
-              <a:t>6/9/2022</a:t>
+              <a:pPr/>
+              <a:t>6/15/2022</a:t>
             </a:fld>
             <a:endParaRPr lang="en-US"/>
           </a:p>
@@ -333,7 +359,14 @@
         <p:spPr/>
         <p:txBody>
           <a:bodyPr/>
-          <a:lstStyle/>
+          <a:lstStyle>
+            <a:lvl1pPr>
+              <a:defRPr>
+                <a:latin typeface="Segoe UI Semilight" panose="020B0402040204020203" pitchFamily="34" charset="0"/>
+                <a:cs typeface="Segoe UI Semilight" panose="020B0402040204020203" pitchFamily="34" charset="0"/>
+              </a:defRPr>
+            </a:lvl1pPr>
+          </a:lstStyle>
           <a:p>
             <a:endParaRPr lang="en-US"/>
           </a:p>
@@ -360,10 +393,18 @@
         </p:spPr>
         <p:txBody>
           <a:bodyPr/>
-          <a:lstStyle/>
+          <a:lstStyle>
+            <a:lvl1pPr>
+              <a:defRPr>
+                <a:latin typeface="Segoe UI Semilight" panose="020B0402040204020203" pitchFamily="34" charset="0"/>
+                <a:cs typeface="Segoe UI Semilight" panose="020B0402040204020203" pitchFamily="34" charset="0"/>
+              </a:defRPr>
+            </a:lvl1pPr>
+          </a:lstStyle>
           <a:p>
             <a:fld id="{C5EF2332-01BF-834F-8236-50238282D533}" type="slidenum">
               <a:rPr lang="en-US" smtClean="0"/>
+              <a:pPr/>
               <a:t>‹#›</a:t>
             </a:fld>
             <a:endParaRPr lang="en-US"/>
@@ -456,6 +497,266 @@
 </file>
 
 <file path=ppt/slideLayouts/slideLayout10.xml><?xml version="1.0" encoding="utf-8"?>
+<p:sldLayout xmlns:a="http://schemas.openxmlformats.org/drawingml/2006/main" xmlns:r="http://schemas.openxmlformats.org/officeDocument/2006/relationships" xmlns:p="http://schemas.openxmlformats.org/presentationml/2006/main" type="picTx" preserve="1">
+  <p:cSld name="Picture with Caption">
+    <p:spTree>
+      <p:nvGrpSpPr>
+        <p:cNvPr id="1" name=""/>
+        <p:cNvGrpSpPr/>
+        <p:nvPr/>
+      </p:nvGrpSpPr>
+      <p:grpSpPr>
+        <a:xfrm>
+          <a:off x="0" y="0"/>
+          <a:ext cx="0" cy="0"/>
+          <a:chOff x="0" y="0"/>
+          <a:chExt cx="0" cy="0"/>
+        </a:xfrm>
+      </p:grpSpPr>
+      <p:sp>
+        <p:nvSpPr>
+          <p:cNvPr id="2" name="Title 1"/>
+          <p:cNvSpPr>
+            <a:spLocks noGrp="1"/>
+          </p:cNvSpPr>
+          <p:nvPr>
+            <p:ph type="title"/>
+          </p:nvPr>
+        </p:nvSpPr>
+        <p:spPr>
+          <a:xfrm>
+            <a:off x="1792288" y="3600450"/>
+            <a:ext cx="5486400" cy="425054"/>
+          </a:xfrm>
+        </p:spPr>
+        <p:txBody>
+          <a:bodyPr anchor="b"/>
+          <a:lstStyle>
+            <a:lvl1pPr algn="l">
+              <a:defRPr sz="1500" b="1"/>
+            </a:lvl1pPr>
+          </a:lstStyle>
+          <a:p>
+            <a:r>
+              <a:rPr lang="en-US"/>
+              <a:t>Click to edit Master title style</a:t>
+            </a:r>
+          </a:p>
+        </p:txBody>
+      </p:sp>
+      <p:sp>
+        <p:nvSpPr>
+          <p:cNvPr id="3" name="Picture Placeholder 2"/>
+          <p:cNvSpPr>
+            <a:spLocks noGrp="1"/>
+          </p:cNvSpPr>
+          <p:nvPr>
+            <p:ph type="pic" idx="1"/>
+          </p:nvPr>
+        </p:nvSpPr>
+        <p:spPr>
+          <a:xfrm>
+            <a:off x="1792288" y="459581"/>
+            <a:ext cx="5486400" cy="3086100"/>
+          </a:xfrm>
+        </p:spPr>
+        <p:txBody>
+          <a:bodyPr/>
+          <a:lstStyle>
+            <a:lvl1pPr marL="0" indent="0">
+              <a:buNone/>
+              <a:defRPr sz="2400"/>
+            </a:lvl1pPr>
+            <a:lvl2pPr marL="342900" indent="0">
+              <a:buNone/>
+              <a:defRPr sz="2100"/>
+            </a:lvl2pPr>
+            <a:lvl3pPr marL="685800" indent="0">
+              <a:buNone/>
+              <a:defRPr sz="1800"/>
+            </a:lvl3pPr>
+            <a:lvl4pPr marL="1028700" indent="0">
+              <a:buNone/>
+              <a:defRPr sz="1500"/>
+            </a:lvl4pPr>
+            <a:lvl5pPr marL="1371600" indent="0">
+              <a:buNone/>
+              <a:defRPr sz="1500"/>
+            </a:lvl5pPr>
+            <a:lvl6pPr marL="1714500" indent="0">
+              <a:buNone/>
+              <a:defRPr sz="1500"/>
+            </a:lvl6pPr>
+            <a:lvl7pPr marL="2057400" indent="0">
+              <a:buNone/>
+              <a:defRPr sz="1500"/>
+            </a:lvl7pPr>
+            <a:lvl8pPr marL="2400300" indent="0">
+              <a:buNone/>
+              <a:defRPr sz="1500"/>
+            </a:lvl8pPr>
+            <a:lvl9pPr marL="2743200" indent="0">
+              <a:buNone/>
+              <a:defRPr sz="1500"/>
+            </a:lvl9pPr>
+          </a:lstStyle>
+          <a:p>
+            <a:endParaRPr lang="en-US"/>
+          </a:p>
+        </p:txBody>
+      </p:sp>
+      <p:sp>
+        <p:nvSpPr>
+          <p:cNvPr id="4" name="Text Placeholder 3"/>
+          <p:cNvSpPr>
+            <a:spLocks noGrp="1"/>
+          </p:cNvSpPr>
+          <p:nvPr>
+            <p:ph type="body" sz="half" idx="2"/>
+          </p:nvPr>
+        </p:nvSpPr>
+        <p:spPr>
+          <a:xfrm>
+            <a:off x="1792288" y="4025503"/>
+            <a:ext cx="5486400" cy="603647"/>
+          </a:xfrm>
+        </p:spPr>
+        <p:txBody>
+          <a:bodyPr/>
+          <a:lstStyle>
+            <a:lvl1pPr marL="0" indent="0">
+              <a:buNone/>
+              <a:defRPr sz="1050"/>
+            </a:lvl1pPr>
+            <a:lvl2pPr marL="342900" indent="0">
+              <a:buNone/>
+              <a:defRPr sz="900"/>
+            </a:lvl2pPr>
+            <a:lvl3pPr marL="685800" indent="0">
+              <a:buNone/>
+              <a:defRPr sz="750"/>
+            </a:lvl3pPr>
+            <a:lvl4pPr marL="1028700" indent="0">
+              <a:buNone/>
+              <a:defRPr sz="675"/>
+            </a:lvl4pPr>
+            <a:lvl5pPr marL="1371600" indent="0">
+              <a:buNone/>
+              <a:defRPr sz="675"/>
+            </a:lvl5pPr>
+            <a:lvl6pPr marL="1714500" indent="0">
+              <a:buNone/>
+              <a:defRPr sz="675"/>
+            </a:lvl6pPr>
+            <a:lvl7pPr marL="2057400" indent="0">
+              <a:buNone/>
+              <a:defRPr sz="675"/>
+            </a:lvl7pPr>
+            <a:lvl8pPr marL="2400300" indent="0">
+              <a:buNone/>
+              <a:defRPr sz="675"/>
+            </a:lvl8pPr>
+            <a:lvl9pPr marL="2743200" indent="0">
+              <a:buNone/>
+              <a:defRPr sz="675"/>
+            </a:lvl9pPr>
+          </a:lstStyle>
+          <a:p>
+            <a:pPr lvl="0"/>
+            <a:r>
+              <a:rPr lang="en-US"/>
+              <a:t>Click to edit Master text styles</a:t>
+            </a:r>
+          </a:p>
+        </p:txBody>
+      </p:sp>
+      <p:sp>
+        <p:nvSpPr>
+          <p:cNvPr id="5" name="Date Placeholder 4"/>
+          <p:cNvSpPr>
+            <a:spLocks noGrp="1"/>
+          </p:cNvSpPr>
+          <p:nvPr>
+            <p:ph type="dt" sz="half" idx="10"/>
+          </p:nvPr>
+        </p:nvSpPr>
+        <p:spPr/>
+        <p:txBody>
+          <a:bodyPr/>
+          <a:lstStyle/>
+          <a:p>
+            <a:fld id="{241EB5C9-1307-BA42-ABA2-0BC069CD8E7F}" type="datetimeFigureOut">
+              <a:rPr lang="en-US" smtClean="0"/>
+              <a:t>6/15/2022</a:t>
+            </a:fld>
+            <a:endParaRPr lang="en-US"/>
+          </a:p>
+        </p:txBody>
+      </p:sp>
+      <p:sp>
+        <p:nvSpPr>
+          <p:cNvPr id="6" name="Footer Placeholder 5"/>
+          <p:cNvSpPr>
+            <a:spLocks noGrp="1"/>
+          </p:cNvSpPr>
+          <p:nvPr>
+            <p:ph type="ftr" sz="quarter" idx="11"/>
+          </p:nvPr>
+        </p:nvSpPr>
+        <p:spPr/>
+        <p:txBody>
+          <a:bodyPr/>
+          <a:lstStyle/>
+          <a:p>
+            <a:endParaRPr lang="en-US"/>
+          </a:p>
+        </p:txBody>
+      </p:sp>
+      <p:sp>
+        <p:nvSpPr>
+          <p:cNvPr id="7" name="Slide Number Placeholder 6"/>
+          <p:cNvSpPr>
+            <a:spLocks noGrp="1"/>
+          </p:cNvSpPr>
+          <p:nvPr>
+            <p:ph type="sldNum" sz="quarter" idx="12"/>
+          </p:nvPr>
+        </p:nvSpPr>
+        <p:spPr>
+          <a:xfrm>
+            <a:off x="6553200" y="4767263"/>
+            <a:ext cx="2133600" cy="273844"/>
+          </a:xfrm>
+          <a:prstGeom prst="rect">
+            <a:avLst/>
+          </a:prstGeom>
+        </p:spPr>
+        <p:txBody>
+          <a:bodyPr/>
+          <a:lstStyle/>
+          <a:p>
+            <a:fld id="{C5EF2332-01BF-834F-8236-50238282D533}" type="slidenum">
+              <a:rPr lang="en-US" smtClean="0"/>
+              <a:t>‹#›</a:t>
+            </a:fld>
+            <a:endParaRPr lang="en-US"/>
+          </a:p>
+        </p:txBody>
+      </p:sp>
+    </p:spTree>
+    <p:extLst>
+      <p:ext uri="{BB962C8B-B14F-4D97-AF65-F5344CB8AC3E}">
+        <p14:creationId xmlns:p14="http://schemas.microsoft.com/office/powerpoint/2010/main" val="3566899855"/>
+      </p:ext>
+    </p:extLst>
+  </p:cSld>
+  <p:clrMapOvr>
+    <a:masterClrMapping/>
+  </p:clrMapOvr>
+</p:sldLayout>
+</file>
+
+<file path=ppt/slideLayouts/slideLayout11.xml><?xml version="1.0" encoding="utf-8"?>
 <p:sldLayout xmlns:a="http://schemas.openxmlformats.org/drawingml/2006/main" xmlns:r="http://schemas.openxmlformats.org/officeDocument/2006/relationships" xmlns:p="http://schemas.openxmlformats.org/presentationml/2006/main" type="vertTx" preserve="1">
   <p:cSld name="Title and Vertical Text">
     <p:spTree>
@@ -562,7 +863,7 @@
           <a:p>
             <a:fld id="{241EB5C9-1307-BA42-ABA2-0BC069CD8E7F}" type="datetimeFigureOut">
               <a:rPr lang="en-US" smtClean="0"/>
-              <a:t>6/9/2022</a:t>
+              <a:t>6/15/2022</a:t>
             </a:fld>
             <a:endParaRPr lang="en-US"/>
           </a:p>
@@ -631,7 +932,7 @@
 </p:sldLayout>
 </file>
 
-<file path=ppt/slideLayouts/slideLayout11.xml><?xml version="1.0" encoding="utf-8"?>
+<file path=ppt/slideLayouts/slideLayout12.xml><?xml version="1.0" encoding="utf-8"?>
 <p:sldLayout xmlns:a="http://schemas.openxmlformats.org/drawingml/2006/main" xmlns:r="http://schemas.openxmlformats.org/officeDocument/2006/relationships" xmlns:p="http://schemas.openxmlformats.org/presentationml/2006/main" type="vertTitleAndTx" preserve="1">
   <p:cSld name="Vertical Title and Text">
     <p:spTree>
@@ -748,7 +1049,7 @@
           <a:p>
             <a:fld id="{241EB5C9-1307-BA42-ABA2-0BC069CD8E7F}" type="datetimeFigureOut">
               <a:rPr lang="en-US" smtClean="0"/>
-              <a:t>6/9/2022</a:t>
+              <a:t>6/15/2022</a:t>
             </a:fld>
             <a:endParaRPr lang="en-US"/>
           </a:p>
@@ -849,7 +1150,10 @@
           <a:bodyPr/>
           <a:lstStyle>
             <a:lvl1pPr algn="l">
-              <a:defRPr/>
+              <a:defRPr>
+                <a:latin typeface="Segoe UI Semilight" panose="020B0402040204020203" pitchFamily="34" charset="0"/>
+                <a:cs typeface="Segoe UI Semilight" panose="020B0402040204020203" pitchFamily="34" charset="0"/>
+              </a:defRPr>
             </a:lvl1pPr>
           </a:lstStyle>
           <a:p>
@@ -872,40 +1176,73 @@
         </p:nvSpPr>
         <p:spPr/>
         <p:txBody>
-          <a:bodyPr/>
-          <a:lstStyle/>
+          <a:bodyPr>
+            <a:normAutofit/>
+          </a:bodyPr>
+          <a:lstStyle>
+            <a:lvl1pPr>
+              <a:defRPr sz="1800">
+                <a:latin typeface="Segoe UI Semilight" panose="020B0402040204020203" pitchFamily="34" charset="0"/>
+                <a:cs typeface="Segoe UI Semilight" panose="020B0402040204020203" pitchFamily="34" charset="0"/>
+              </a:defRPr>
+            </a:lvl1pPr>
+            <a:lvl2pPr>
+              <a:defRPr sz="1800">
+                <a:latin typeface="Segoe UI Semilight" panose="020B0402040204020203" pitchFamily="34" charset="0"/>
+                <a:cs typeface="Segoe UI Semilight" panose="020B0402040204020203" pitchFamily="34" charset="0"/>
+              </a:defRPr>
+            </a:lvl2pPr>
+            <a:lvl3pPr>
+              <a:defRPr sz="1400">
+                <a:latin typeface="Segoe UI Semilight" panose="020B0402040204020203" pitchFamily="34" charset="0"/>
+                <a:cs typeface="Segoe UI Semilight" panose="020B0402040204020203" pitchFamily="34" charset="0"/>
+              </a:defRPr>
+            </a:lvl3pPr>
+            <a:lvl4pPr>
+              <a:defRPr sz="1200">
+                <a:latin typeface="Segoe UI Semilight" panose="020B0402040204020203" pitchFamily="34" charset="0"/>
+                <a:cs typeface="Segoe UI Semilight" panose="020B0402040204020203" pitchFamily="34" charset="0"/>
+              </a:defRPr>
+            </a:lvl4pPr>
+            <a:lvl5pPr>
+              <a:defRPr sz="1200">
+                <a:latin typeface="Segoe UI Semilight" panose="020B0402040204020203" pitchFamily="34" charset="0"/>
+                <a:cs typeface="Segoe UI Semilight" panose="020B0402040204020203" pitchFamily="34" charset="0"/>
+              </a:defRPr>
+            </a:lvl5pPr>
+          </a:lstStyle>
           <a:p>
             <a:pPr lvl="0"/>
             <a:r>
-              <a:rPr lang="en-US"/>
+              <a:rPr lang="en-US" dirty="0"/>
               <a:t>Click to edit Master text styles</a:t>
             </a:r>
           </a:p>
           <a:p>
             <a:pPr lvl="1"/>
             <a:r>
-              <a:rPr lang="en-US"/>
+              <a:rPr lang="en-US" dirty="0"/>
               <a:t>Second level</a:t>
             </a:r>
           </a:p>
           <a:p>
             <a:pPr lvl="2"/>
             <a:r>
-              <a:rPr lang="en-US"/>
+              <a:rPr lang="en-US" dirty="0"/>
               <a:t>Third level</a:t>
             </a:r>
           </a:p>
           <a:p>
             <a:pPr lvl="3"/>
             <a:r>
-              <a:rPr lang="en-US"/>
+              <a:rPr lang="en-US" dirty="0"/>
               <a:t>Fourth level</a:t>
             </a:r>
           </a:p>
           <a:p>
             <a:pPr lvl="4"/>
             <a:r>
-              <a:rPr lang="en-US"/>
+              <a:rPr lang="en-US" dirty="0"/>
               <a:t>Fifth level</a:t>
             </a:r>
           </a:p>
@@ -924,11 +1261,19 @@
         <p:spPr/>
         <p:txBody>
           <a:bodyPr/>
-          <a:lstStyle/>
+          <a:lstStyle>
+            <a:lvl1pPr>
+              <a:defRPr>
+                <a:latin typeface="Segoe UI Semilight" panose="020B0402040204020203" pitchFamily="34" charset="0"/>
+                <a:cs typeface="Segoe UI Semilight" panose="020B0402040204020203" pitchFamily="34" charset="0"/>
+              </a:defRPr>
+            </a:lvl1pPr>
+          </a:lstStyle>
           <a:p>
             <a:fld id="{241EB5C9-1307-BA42-ABA2-0BC069CD8E7F}" type="datetimeFigureOut">
               <a:rPr lang="en-US" smtClean="0"/>
-              <a:t>6/9/2022</a:t>
+              <a:pPr/>
+              <a:t>6/15/2022</a:t>
             </a:fld>
             <a:endParaRPr lang="en-US"/>
           </a:p>
@@ -947,7 +1292,14 @@
         <p:spPr/>
         <p:txBody>
           <a:bodyPr/>
-          <a:lstStyle/>
+          <a:lstStyle>
+            <a:lvl1pPr>
+              <a:defRPr>
+                <a:latin typeface="Segoe UI Semilight" panose="020B0402040204020203" pitchFamily="34" charset="0"/>
+                <a:cs typeface="Segoe UI Semilight" panose="020B0402040204020203" pitchFamily="34" charset="0"/>
+              </a:defRPr>
+            </a:lvl1pPr>
+          </a:lstStyle>
           <a:p>
             <a:endParaRPr lang="en-US"/>
           </a:p>
@@ -974,10 +1326,18 @@
         </p:spPr>
         <p:txBody>
           <a:bodyPr/>
-          <a:lstStyle/>
+          <a:lstStyle>
+            <a:lvl1pPr>
+              <a:defRPr>
+                <a:latin typeface="Segoe UI Semilight" panose="020B0402040204020203" pitchFamily="34" charset="0"/>
+                <a:cs typeface="Segoe UI Semilight" panose="020B0402040204020203" pitchFamily="34" charset="0"/>
+              </a:defRPr>
+            </a:lvl1pPr>
+          </a:lstStyle>
           <a:p>
             <a:fld id="{C5EF2332-01BF-834F-8236-50238282D533}" type="slidenum">
               <a:rPr lang="en-US" smtClean="0"/>
+              <a:pPr/>
               <a:t>‹#›</a:t>
             </a:fld>
             <a:endParaRPr lang="en-US"/>
@@ -1032,7 +1392,10 @@
           <a:lstStyle/>
           <a:p>
             <a:pPr algn="ctr"/>
-            <a:endParaRPr lang="en-US" sz="1350"/>
+            <a:endParaRPr lang="en-US" sz="1350">
+              <a:latin typeface="Segoe UI Semilight" panose="020B0402040204020203" pitchFamily="34" charset="0"/>
+              <a:cs typeface="Segoe UI Semilight" panose="020B0402040204020203" pitchFamily="34" charset="0"/>
+            </a:endParaRPr>
           </a:p>
         </p:txBody>
       </p:sp>
@@ -1091,7 +1454,7 @@
           </a:lstStyle>
           <a:p>
             <a:r>
-              <a:rPr lang="en-US"/>
+              <a:rPr lang="en-US" dirty="0"/>
               <a:t>Click to edit Master title style</a:t>
             </a:r>
           </a:p>
@@ -1233,7 +1596,7 @@
           <a:p>
             <a:fld id="{241EB5C9-1307-BA42-ABA2-0BC069CD8E7F}" type="datetimeFigureOut">
               <a:rPr lang="en-US" smtClean="0"/>
-              <a:t>6/9/2022</a:t>
+              <a:t>6/15/2022</a:t>
             </a:fld>
             <a:endParaRPr lang="en-US"/>
           </a:p>
@@ -1433,8 +1796,17 @@
         </p:nvSpPr>
         <p:spPr/>
         <p:txBody>
-          <a:bodyPr/>
-          <a:lstStyle/>
+          <a:bodyPr>
+            <a:normAutofit/>
+          </a:bodyPr>
+          <a:lstStyle>
+            <a:lvl1pPr>
+              <a:defRPr sz="2800">
+                <a:latin typeface="Segoe UI Semilight" panose="020B0402040204020203" pitchFamily="34" charset="0"/>
+                <a:cs typeface="Segoe UI Semilight" panose="020B0402040204020203" pitchFamily="34" charset="0"/>
+              </a:defRPr>
+            </a:lvl1pPr>
+          </a:lstStyle>
           <a:p>
             <a:r>
               <a:rPr lang="en-US" dirty="0"/>
@@ -1460,22 +1832,39 @@
           </a:xfrm>
         </p:spPr>
         <p:txBody>
-          <a:bodyPr/>
+          <a:bodyPr>
+            <a:normAutofit/>
+          </a:bodyPr>
           <a:lstStyle>
             <a:lvl1pPr>
-              <a:defRPr sz="2100"/>
+              <a:defRPr sz="1800">
+                <a:latin typeface="Segoe UI Semilight" panose="020B0402040204020203" pitchFamily="34" charset="0"/>
+                <a:cs typeface="Segoe UI Semilight" panose="020B0402040204020203" pitchFamily="34" charset="0"/>
+              </a:defRPr>
             </a:lvl1pPr>
             <a:lvl2pPr>
-              <a:defRPr sz="1800"/>
+              <a:defRPr sz="1400">
+                <a:latin typeface="Segoe UI Semilight" panose="020B0402040204020203" pitchFamily="34" charset="0"/>
+                <a:cs typeface="Segoe UI Semilight" panose="020B0402040204020203" pitchFamily="34" charset="0"/>
+              </a:defRPr>
             </a:lvl2pPr>
             <a:lvl3pPr>
-              <a:defRPr sz="1500"/>
+              <a:defRPr sz="1200">
+                <a:latin typeface="Segoe UI Semilight" panose="020B0402040204020203" pitchFamily="34" charset="0"/>
+                <a:cs typeface="Segoe UI Semilight" panose="020B0402040204020203" pitchFamily="34" charset="0"/>
+              </a:defRPr>
             </a:lvl3pPr>
             <a:lvl4pPr>
-              <a:defRPr sz="1350"/>
+              <a:defRPr sz="1100">
+                <a:latin typeface="Segoe UI Semilight" panose="020B0402040204020203" pitchFamily="34" charset="0"/>
+                <a:cs typeface="Segoe UI Semilight" panose="020B0402040204020203" pitchFamily="34" charset="0"/>
+              </a:defRPr>
             </a:lvl4pPr>
             <a:lvl5pPr>
-              <a:defRPr sz="1350"/>
+              <a:defRPr sz="1100">
+                <a:latin typeface="Segoe UI Semilight" panose="020B0402040204020203" pitchFamily="34" charset="0"/>
+                <a:cs typeface="Segoe UI Semilight" panose="020B0402040204020203" pitchFamily="34" charset="0"/>
+              </a:defRPr>
             </a:lvl5pPr>
             <a:lvl6pPr>
               <a:defRPr sz="1350"/>
@@ -1544,22 +1933,39 @@
           </a:xfrm>
         </p:spPr>
         <p:txBody>
-          <a:bodyPr/>
+          <a:bodyPr>
+            <a:normAutofit/>
+          </a:bodyPr>
           <a:lstStyle>
             <a:lvl1pPr>
-              <a:defRPr sz="2100"/>
+              <a:defRPr sz="1800">
+                <a:latin typeface="Segoe UI Semilight" panose="020B0402040204020203" pitchFamily="34" charset="0"/>
+                <a:cs typeface="Segoe UI Semilight" panose="020B0402040204020203" pitchFamily="34" charset="0"/>
+              </a:defRPr>
             </a:lvl1pPr>
             <a:lvl2pPr>
-              <a:defRPr sz="1800"/>
+              <a:defRPr sz="1400">
+                <a:latin typeface="Segoe UI Semilight" panose="020B0402040204020203" pitchFamily="34" charset="0"/>
+                <a:cs typeface="Segoe UI Semilight" panose="020B0402040204020203" pitchFamily="34" charset="0"/>
+              </a:defRPr>
             </a:lvl2pPr>
             <a:lvl3pPr>
-              <a:defRPr sz="1500"/>
+              <a:defRPr sz="1200">
+                <a:latin typeface="Segoe UI Semilight" panose="020B0402040204020203" pitchFamily="34" charset="0"/>
+                <a:cs typeface="Segoe UI Semilight" panose="020B0402040204020203" pitchFamily="34" charset="0"/>
+              </a:defRPr>
             </a:lvl3pPr>
             <a:lvl4pPr>
-              <a:defRPr sz="1350"/>
+              <a:defRPr sz="1100">
+                <a:latin typeface="Segoe UI Semilight" panose="020B0402040204020203" pitchFamily="34" charset="0"/>
+                <a:cs typeface="Segoe UI Semilight" panose="020B0402040204020203" pitchFamily="34" charset="0"/>
+              </a:defRPr>
             </a:lvl4pPr>
             <a:lvl5pPr>
-              <a:defRPr sz="1350"/>
+              <a:defRPr sz="1100">
+                <a:latin typeface="Segoe UI Semilight" panose="020B0402040204020203" pitchFamily="34" charset="0"/>
+                <a:cs typeface="Segoe UI Semilight" panose="020B0402040204020203" pitchFamily="34" charset="0"/>
+              </a:defRPr>
             </a:lvl5pPr>
             <a:lvl6pPr>
               <a:defRPr sz="1350"/>
@@ -1624,11 +2030,19 @@
         <p:spPr/>
         <p:txBody>
           <a:bodyPr/>
-          <a:lstStyle/>
+          <a:lstStyle>
+            <a:lvl1pPr>
+              <a:defRPr>
+                <a:latin typeface="Segoe UI Semilight" panose="020B0402040204020203" pitchFamily="34" charset="0"/>
+                <a:cs typeface="Segoe UI Semilight" panose="020B0402040204020203" pitchFamily="34" charset="0"/>
+              </a:defRPr>
+            </a:lvl1pPr>
+          </a:lstStyle>
           <a:p>
             <a:fld id="{241EB5C9-1307-BA42-ABA2-0BC069CD8E7F}" type="datetimeFigureOut">
               <a:rPr lang="en-US" smtClean="0"/>
-              <a:t>6/9/2022</a:t>
+              <a:pPr/>
+              <a:t>6/15/2022</a:t>
             </a:fld>
             <a:endParaRPr lang="en-US"/>
           </a:p>
@@ -1647,7 +2061,14 @@
         <p:spPr/>
         <p:txBody>
           <a:bodyPr/>
-          <a:lstStyle/>
+          <a:lstStyle>
+            <a:lvl1pPr>
+              <a:defRPr>
+                <a:latin typeface="Segoe UI Semilight" panose="020B0402040204020203" pitchFamily="34" charset="0"/>
+                <a:cs typeface="Segoe UI Semilight" panose="020B0402040204020203" pitchFamily="34" charset="0"/>
+              </a:defRPr>
+            </a:lvl1pPr>
+          </a:lstStyle>
           <a:p>
             <a:endParaRPr lang="en-US"/>
           </a:p>
@@ -1674,10 +2095,18 @@
         </p:spPr>
         <p:txBody>
           <a:bodyPr/>
-          <a:lstStyle/>
+          <a:lstStyle>
+            <a:lvl1pPr>
+              <a:defRPr>
+                <a:latin typeface="Segoe UI Semilight" panose="020B0402040204020203" pitchFamily="34" charset="0"/>
+                <a:cs typeface="Segoe UI Semilight" panose="020B0402040204020203" pitchFamily="34" charset="0"/>
+              </a:defRPr>
+            </a:lvl1pPr>
+          </a:lstStyle>
           <a:p>
             <a:fld id="{C5EF2332-01BF-834F-8236-50238282D533}" type="slidenum">
               <a:rPr lang="en-US" smtClean="0"/>
+              <a:pPr/>
               <a:t>‹#›</a:t>
             </a:fld>
             <a:endParaRPr lang="en-US"/>
@@ -1729,7 +2158,10 @@
           <a:bodyPr/>
           <a:lstStyle>
             <a:lvl1pPr>
-              <a:defRPr/>
+              <a:defRPr>
+                <a:latin typeface="Segoe UI Semilight" panose="020B0402040204020203" pitchFamily="34" charset="0"/>
+                <a:cs typeface="Segoe UI Semilight" panose="020B0402040204020203" pitchFamily="34" charset="0"/>
+              </a:defRPr>
             </a:lvl1pPr>
           </a:lstStyle>
           <a:p>
@@ -1761,7 +2193,10 @@
           <a:lstStyle>
             <a:lvl1pPr marL="0" indent="0">
               <a:buNone/>
-              <a:defRPr sz="1800" b="1"/>
+              <a:defRPr sz="1800" b="1">
+                <a:latin typeface="Segoe UI Semilight" panose="020B0402040204020203" pitchFamily="34" charset="0"/>
+                <a:cs typeface="Segoe UI Semilight" panose="020B0402040204020203" pitchFamily="34" charset="0"/>
+              </a:defRPr>
             </a:lvl1pPr>
             <a:lvl2pPr marL="342900" indent="0">
               <a:buNone/>
@@ -1825,19 +2260,34 @@
           <a:bodyPr/>
           <a:lstStyle>
             <a:lvl1pPr>
-              <a:defRPr sz="1800"/>
+              <a:defRPr sz="1800">
+                <a:latin typeface="Segoe UI Semilight" panose="020B0402040204020203" pitchFamily="34" charset="0"/>
+                <a:cs typeface="Segoe UI Semilight" panose="020B0402040204020203" pitchFamily="34" charset="0"/>
+              </a:defRPr>
             </a:lvl1pPr>
             <a:lvl2pPr>
-              <a:defRPr sz="1500"/>
+              <a:defRPr sz="1500">
+                <a:latin typeface="Segoe UI Semilight" panose="020B0402040204020203" pitchFamily="34" charset="0"/>
+                <a:cs typeface="Segoe UI Semilight" panose="020B0402040204020203" pitchFamily="34" charset="0"/>
+              </a:defRPr>
             </a:lvl2pPr>
             <a:lvl3pPr>
-              <a:defRPr sz="1350"/>
+              <a:defRPr sz="1350">
+                <a:latin typeface="Segoe UI Semilight" panose="020B0402040204020203" pitchFamily="34" charset="0"/>
+                <a:cs typeface="Segoe UI Semilight" panose="020B0402040204020203" pitchFamily="34" charset="0"/>
+              </a:defRPr>
             </a:lvl3pPr>
             <a:lvl4pPr>
-              <a:defRPr sz="1200"/>
+              <a:defRPr sz="1200">
+                <a:latin typeface="Segoe UI Semilight" panose="020B0402040204020203" pitchFamily="34" charset="0"/>
+                <a:cs typeface="Segoe UI Semilight" panose="020B0402040204020203" pitchFamily="34" charset="0"/>
+              </a:defRPr>
             </a:lvl4pPr>
             <a:lvl5pPr>
-              <a:defRPr sz="1200"/>
+              <a:defRPr sz="1200">
+                <a:latin typeface="Segoe UI Semilight" panose="020B0402040204020203" pitchFamily="34" charset="0"/>
+                <a:cs typeface="Segoe UI Semilight" panose="020B0402040204020203" pitchFamily="34" charset="0"/>
+              </a:defRPr>
             </a:lvl5pPr>
             <a:lvl6pPr>
               <a:defRPr sz="1200"/>
@@ -1855,35 +2305,35 @@
           <a:p>
             <a:pPr lvl="0"/>
             <a:r>
-              <a:rPr lang="en-US"/>
+              <a:rPr lang="en-US" dirty="0"/>
               <a:t>Click to edit Master text styles</a:t>
             </a:r>
           </a:p>
           <a:p>
             <a:pPr lvl="1"/>
             <a:r>
-              <a:rPr lang="en-US"/>
+              <a:rPr lang="en-US" dirty="0"/>
               <a:t>Second level</a:t>
             </a:r>
           </a:p>
           <a:p>
             <a:pPr lvl="2"/>
             <a:r>
-              <a:rPr lang="en-US"/>
+              <a:rPr lang="en-US" dirty="0"/>
               <a:t>Third level</a:t>
             </a:r>
           </a:p>
           <a:p>
             <a:pPr lvl="3"/>
             <a:r>
-              <a:rPr lang="en-US"/>
+              <a:rPr lang="en-US" dirty="0"/>
               <a:t>Fourth level</a:t>
             </a:r>
           </a:p>
           <a:p>
             <a:pPr lvl="4"/>
             <a:r>
-              <a:rPr lang="en-US"/>
+              <a:rPr lang="en-US" dirty="0"/>
               <a:t>Fifth level</a:t>
             </a:r>
           </a:p>
@@ -1910,7 +2360,10 @@
           <a:lstStyle>
             <a:lvl1pPr marL="0" indent="0">
               <a:buNone/>
-              <a:defRPr sz="1800" b="1"/>
+              <a:defRPr sz="1800" b="1">
+                <a:latin typeface="Segoe UI Semilight" panose="020B0402040204020203" pitchFamily="34" charset="0"/>
+                <a:cs typeface="Segoe UI Semilight" panose="020B0402040204020203" pitchFamily="34" charset="0"/>
+              </a:defRPr>
             </a:lvl1pPr>
             <a:lvl2pPr marL="342900" indent="0">
               <a:buNone/>
@@ -1974,19 +2427,34 @@
           <a:bodyPr/>
           <a:lstStyle>
             <a:lvl1pPr>
-              <a:defRPr sz="1800"/>
+              <a:defRPr sz="1800">
+                <a:latin typeface="Segoe UI Semilight" panose="020B0402040204020203" pitchFamily="34" charset="0"/>
+                <a:cs typeface="Segoe UI Semilight" panose="020B0402040204020203" pitchFamily="34" charset="0"/>
+              </a:defRPr>
             </a:lvl1pPr>
             <a:lvl2pPr>
-              <a:defRPr sz="1500"/>
+              <a:defRPr sz="1500">
+                <a:latin typeface="Segoe UI Semilight" panose="020B0402040204020203" pitchFamily="34" charset="0"/>
+                <a:cs typeface="Segoe UI Semilight" panose="020B0402040204020203" pitchFamily="34" charset="0"/>
+              </a:defRPr>
             </a:lvl2pPr>
             <a:lvl3pPr>
-              <a:defRPr sz="1350"/>
+              <a:defRPr sz="1350">
+                <a:latin typeface="Segoe UI Semilight" panose="020B0402040204020203" pitchFamily="34" charset="0"/>
+                <a:cs typeface="Segoe UI Semilight" panose="020B0402040204020203" pitchFamily="34" charset="0"/>
+              </a:defRPr>
             </a:lvl3pPr>
             <a:lvl4pPr>
-              <a:defRPr sz="1200"/>
+              <a:defRPr sz="1200">
+                <a:latin typeface="Segoe UI Semilight" panose="020B0402040204020203" pitchFamily="34" charset="0"/>
+                <a:cs typeface="Segoe UI Semilight" panose="020B0402040204020203" pitchFamily="34" charset="0"/>
+              </a:defRPr>
             </a:lvl4pPr>
             <a:lvl5pPr>
-              <a:defRPr sz="1200"/>
+              <a:defRPr sz="1200">
+                <a:latin typeface="Segoe UI Semilight" panose="020B0402040204020203" pitchFamily="34" charset="0"/>
+                <a:cs typeface="Segoe UI Semilight" panose="020B0402040204020203" pitchFamily="34" charset="0"/>
+              </a:defRPr>
             </a:lvl5pPr>
             <a:lvl6pPr>
               <a:defRPr sz="1200"/>
@@ -2051,11 +2519,19 @@
         <p:spPr/>
         <p:txBody>
           <a:bodyPr/>
-          <a:lstStyle/>
+          <a:lstStyle>
+            <a:lvl1pPr>
+              <a:defRPr>
+                <a:latin typeface="Segoe UI Semilight" panose="020B0402040204020203" pitchFamily="34" charset="0"/>
+                <a:cs typeface="Segoe UI Semilight" panose="020B0402040204020203" pitchFamily="34" charset="0"/>
+              </a:defRPr>
+            </a:lvl1pPr>
+          </a:lstStyle>
           <a:p>
             <a:fld id="{241EB5C9-1307-BA42-ABA2-0BC069CD8E7F}" type="datetimeFigureOut">
               <a:rPr lang="en-US" smtClean="0"/>
-              <a:t>6/9/2022</a:t>
+              <a:pPr/>
+              <a:t>6/15/2022</a:t>
             </a:fld>
             <a:endParaRPr lang="en-US"/>
           </a:p>
@@ -2074,7 +2550,14 @@
         <p:spPr/>
         <p:txBody>
           <a:bodyPr/>
-          <a:lstStyle/>
+          <a:lstStyle>
+            <a:lvl1pPr>
+              <a:defRPr>
+                <a:latin typeface="Segoe UI Semilight" panose="020B0402040204020203" pitchFamily="34" charset="0"/>
+                <a:cs typeface="Segoe UI Semilight" panose="020B0402040204020203" pitchFamily="34" charset="0"/>
+              </a:defRPr>
+            </a:lvl1pPr>
+          </a:lstStyle>
           <a:p>
             <a:endParaRPr lang="en-US"/>
           </a:p>
@@ -2101,10 +2584,18 @@
         </p:spPr>
         <p:txBody>
           <a:bodyPr/>
-          <a:lstStyle/>
+          <a:lstStyle>
+            <a:lvl1pPr>
+              <a:defRPr>
+                <a:latin typeface="Segoe UI Semilight" panose="020B0402040204020203" pitchFamily="34" charset="0"/>
+                <a:cs typeface="Segoe UI Semilight" panose="020B0402040204020203" pitchFamily="34" charset="0"/>
+              </a:defRPr>
+            </a:lvl1pPr>
+          </a:lstStyle>
           <a:p>
             <a:fld id="{C5EF2332-01BF-834F-8236-50238282D533}" type="slidenum">
               <a:rPr lang="en-US" smtClean="0"/>
+              <a:pPr/>
               <a:t>‹#›</a:t>
             </a:fld>
             <a:endParaRPr lang="en-US"/>
@@ -2180,7 +2671,7 @@
           <a:p>
             <a:fld id="{241EB5C9-1307-BA42-ABA2-0BC069CD8E7F}" type="datetimeFigureOut">
               <a:rPr lang="en-US" smtClean="0"/>
-              <a:t>6/9/2022</a:t>
+              <a:t>6/15/2022</a:t>
             </a:fld>
             <a:endParaRPr lang="en-US"/>
           </a:p>
@@ -2283,7 +2774,7 @@
           <a:p>
             <a:fld id="{241EB5C9-1307-BA42-ABA2-0BC069CD8E7F}" type="datetimeFigureOut">
               <a:rPr lang="en-US" smtClean="0"/>
-              <a:t>6/9/2022</a:t>
+              <a:t>6/15/2022</a:t>
             </a:fld>
             <a:endParaRPr lang="en-US"/>
           </a:p>
@@ -2354,7 +2845,7 @@
 
 <file path=ppt/slideLayouts/slideLayout8.xml><?xml version="1.0" encoding="utf-8"?>
 <p:sldLayout xmlns:a="http://schemas.openxmlformats.org/drawingml/2006/main" xmlns:r="http://schemas.openxmlformats.org/officeDocument/2006/relationships" xmlns:p="http://schemas.openxmlformats.org/presentationml/2006/main" type="objTx" preserve="1">
-  <p:cSld name="Content with Caption">
+  <p:cSld name="Weird Content with Caption">
     <p:spTree>
       <p:nvGrpSpPr>
         <p:cNvPr id="1" name=""/>
@@ -2566,7 +3057,7 @@
           <a:p>
             <a:fld id="{241EB5C9-1307-BA42-ABA2-0BC069CD8E7F}" type="datetimeFigureOut">
               <a:rPr lang="en-US" smtClean="0"/>
-              <a:t>6/9/2022</a:t>
+              <a:t>6/15/2022</a:t>
             </a:fld>
             <a:endParaRPr lang="en-US"/>
           </a:p>
@@ -2636,8 +3127,8 @@
 </file>
 
 <file path=ppt/slideLayouts/slideLayout9.xml><?xml version="1.0" encoding="utf-8"?>
-<p:sldLayout xmlns:a="http://schemas.openxmlformats.org/drawingml/2006/main" xmlns:r="http://schemas.openxmlformats.org/officeDocument/2006/relationships" xmlns:p="http://schemas.openxmlformats.org/presentationml/2006/main" type="picTx" preserve="1">
-  <p:cSld name="Picture with Caption">
+<p:sldLayout xmlns:a="http://schemas.openxmlformats.org/drawingml/2006/main" xmlns:r="http://schemas.openxmlformats.org/officeDocument/2006/relationships" xmlns:p="http://schemas.openxmlformats.org/presentationml/2006/main" preserve="1" userDrawn="1">
+  <p:cSld name="Content with Caption">
     <p:spTree>
       <p:nvGrpSpPr>
         <p:cNvPr id="1" name=""/>
@@ -2654,118 +3145,32 @@
       </p:grpSpPr>
       <p:sp>
         <p:nvSpPr>
-          <p:cNvPr id="2" name="Title 1"/>
-          <p:cNvSpPr>
-            <a:spLocks noGrp="1"/>
-          </p:cNvSpPr>
-          <p:nvPr>
-            <p:ph type="title"/>
+          <p:cNvPr id="4" name="Text Placeholder 3"/>
+          <p:cNvSpPr>
+            <a:spLocks noGrp="1"/>
+          </p:cNvSpPr>
+          <p:nvPr>
+            <p:ph type="body" sz="half" idx="2"/>
           </p:nvPr>
         </p:nvSpPr>
         <p:spPr>
           <a:xfrm>
-            <a:off x="1792288" y="3600450"/>
-            <a:ext cx="5486400" cy="425054"/>
+            <a:off x="457200" y="1075532"/>
+            <a:ext cx="8229600" cy="603647"/>
           </a:xfrm>
         </p:spPr>
         <p:txBody>
-          <a:bodyPr anchor="b"/>
-          <a:lstStyle>
-            <a:lvl1pPr algn="l">
-              <a:defRPr sz="1500" b="1"/>
-            </a:lvl1pPr>
-          </a:lstStyle>
-          <a:p>
-            <a:r>
-              <a:rPr lang="en-US"/>
-              <a:t>Click to edit Master title style</a:t>
-            </a:r>
-          </a:p>
-        </p:txBody>
-      </p:sp>
-      <p:sp>
-        <p:nvSpPr>
-          <p:cNvPr id="3" name="Picture Placeholder 2"/>
-          <p:cNvSpPr>
-            <a:spLocks noGrp="1"/>
-          </p:cNvSpPr>
-          <p:nvPr>
-            <p:ph type="pic" idx="1"/>
-          </p:nvPr>
-        </p:nvSpPr>
-        <p:spPr>
-          <a:xfrm>
-            <a:off x="1792288" y="459581"/>
-            <a:ext cx="5486400" cy="3086100"/>
-          </a:xfrm>
-        </p:spPr>
-        <p:txBody>
-          <a:bodyPr/>
+          <a:bodyPr>
+            <a:normAutofit/>
+          </a:bodyPr>
           <a:lstStyle>
             <a:lvl1pPr marL="0" indent="0">
-              <a:buNone/>
-              <a:defRPr sz="2400"/>
-            </a:lvl1pPr>
-            <a:lvl2pPr marL="342900" indent="0">
-              <a:buNone/>
-              <a:defRPr sz="2100"/>
-            </a:lvl2pPr>
-            <a:lvl3pPr marL="685800" indent="0">
-              <a:buNone/>
-              <a:defRPr sz="1800"/>
-            </a:lvl3pPr>
-            <a:lvl4pPr marL="1028700" indent="0">
-              <a:buNone/>
-              <a:defRPr sz="1500"/>
-            </a:lvl4pPr>
-            <a:lvl5pPr marL="1371600" indent="0">
-              <a:buNone/>
-              <a:defRPr sz="1500"/>
-            </a:lvl5pPr>
-            <a:lvl6pPr marL="1714500" indent="0">
-              <a:buNone/>
-              <a:defRPr sz="1500"/>
-            </a:lvl6pPr>
-            <a:lvl7pPr marL="2057400" indent="0">
-              <a:buNone/>
-              <a:defRPr sz="1500"/>
-            </a:lvl7pPr>
-            <a:lvl8pPr marL="2400300" indent="0">
-              <a:buNone/>
-              <a:defRPr sz="1500"/>
-            </a:lvl8pPr>
-            <a:lvl9pPr marL="2743200" indent="0">
-              <a:buNone/>
-              <a:defRPr sz="1500"/>
-            </a:lvl9pPr>
-          </a:lstStyle>
-          <a:p>
-            <a:endParaRPr lang="en-US"/>
-          </a:p>
-        </p:txBody>
-      </p:sp>
-      <p:sp>
-        <p:nvSpPr>
-          <p:cNvPr id="4" name="Text Placeholder 3"/>
-          <p:cNvSpPr>
-            <a:spLocks noGrp="1"/>
-          </p:cNvSpPr>
-          <p:nvPr>
-            <p:ph type="body" sz="half" idx="2"/>
-          </p:nvPr>
-        </p:nvSpPr>
-        <p:spPr>
-          <a:xfrm>
-            <a:off x="1792288" y="4025503"/>
-            <a:ext cx="5486400" cy="603647"/>
-          </a:xfrm>
-        </p:spPr>
-        <p:txBody>
-          <a:bodyPr/>
-          <a:lstStyle>
-            <a:lvl1pPr marL="0" indent="0">
-              <a:buNone/>
-              <a:defRPr sz="1050"/>
+              <a:buFont typeface="Arial" panose="020B0604020202020204" pitchFamily="34" charset="0"/>
+              <a:buNone/>
+              <a:defRPr sz="1600">
+                <a:latin typeface="Segoe UI Semilight" panose="020B0402040204020203" pitchFamily="34" charset="0"/>
+                <a:cs typeface="Segoe UI Semilight" panose="020B0402040204020203" pitchFamily="34" charset="0"/>
+              </a:defRPr>
             </a:lvl1pPr>
             <a:lvl2pPr marL="342900" indent="0">
               <a:buNone/>
@@ -2803,7 +3208,7 @@
           <a:p>
             <a:pPr lvl="0"/>
             <a:r>
-              <a:rPr lang="en-US"/>
+              <a:rPr lang="en-US" dirty="0"/>
               <a:t>Click to edit Master text styles</a:t>
             </a:r>
           </a:p>
@@ -2822,11 +3227,19 @@
         <p:spPr/>
         <p:txBody>
           <a:bodyPr/>
-          <a:lstStyle/>
+          <a:lstStyle>
+            <a:lvl1pPr>
+              <a:defRPr>
+                <a:latin typeface="Segoe UI Semilight" panose="020B0402040204020203" pitchFamily="34" charset="0"/>
+                <a:cs typeface="Segoe UI Semilight" panose="020B0402040204020203" pitchFamily="34" charset="0"/>
+              </a:defRPr>
+            </a:lvl1pPr>
+          </a:lstStyle>
           <a:p>
             <a:fld id="{241EB5C9-1307-BA42-ABA2-0BC069CD8E7F}" type="datetimeFigureOut">
               <a:rPr lang="en-US" smtClean="0"/>
-              <a:t>6/9/2022</a:t>
+              <a:pPr/>
+              <a:t>6/15/2022</a:t>
             </a:fld>
             <a:endParaRPr lang="en-US"/>
           </a:p>
@@ -2845,7 +3258,14 @@
         <p:spPr/>
         <p:txBody>
           <a:bodyPr/>
-          <a:lstStyle/>
+          <a:lstStyle>
+            <a:lvl1pPr>
+              <a:defRPr>
+                <a:latin typeface="Segoe UI Semilight" panose="020B0402040204020203" pitchFamily="34" charset="0"/>
+                <a:cs typeface="Segoe UI Semilight" panose="020B0402040204020203" pitchFamily="34" charset="0"/>
+              </a:defRPr>
+            </a:lvl1pPr>
+          </a:lstStyle>
           <a:p>
             <a:endParaRPr lang="en-US"/>
           </a:p>
@@ -2872,20 +3292,175 @@
         </p:spPr>
         <p:txBody>
           <a:bodyPr/>
-          <a:lstStyle/>
+          <a:lstStyle>
+            <a:lvl1pPr>
+              <a:defRPr>
+                <a:latin typeface="Segoe UI Semilight" panose="020B0402040204020203" pitchFamily="34" charset="0"/>
+                <a:cs typeface="Segoe UI Semilight" panose="020B0402040204020203" pitchFamily="34" charset="0"/>
+              </a:defRPr>
+            </a:lvl1pPr>
+          </a:lstStyle>
           <a:p>
             <a:fld id="{C5EF2332-01BF-834F-8236-50238282D533}" type="slidenum">
               <a:rPr lang="en-US" smtClean="0"/>
+              <a:pPr/>
               <a:t>‹#›</a:t>
             </a:fld>
             <a:endParaRPr lang="en-US"/>
           </a:p>
         </p:txBody>
       </p:sp>
+      <p:sp>
+        <p:nvSpPr>
+          <p:cNvPr id="8" name="Content Placeholder 2">
+            <a:extLst>
+              <a:ext uri="{FF2B5EF4-FFF2-40B4-BE49-F238E27FC236}">
+                <a16:creationId xmlns:a16="http://schemas.microsoft.com/office/drawing/2014/main" id="{92F35648-F604-0B76-EB1E-24F319A56510}"/>
+              </a:ext>
+            </a:extLst>
+          </p:cNvPr>
+          <p:cNvSpPr>
+            <a:spLocks noGrp="1"/>
+          </p:cNvSpPr>
+          <p:nvPr>
+            <p:ph idx="1"/>
+          </p:nvPr>
+        </p:nvSpPr>
+        <p:spPr>
+          <a:xfrm>
+            <a:off x="457200" y="1701681"/>
+            <a:ext cx="8229600" cy="2989847"/>
+          </a:xfrm>
+        </p:spPr>
+        <p:txBody>
+          <a:bodyPr>
+            <a:normAutofit/>
+          </a:bodyPr>
+          <a:lstStyle>
+            <a:lvl1pPr>
+              <a:defRPr sz="1800">
+                <a:latin typeface="Segoe UI Semilight" panose="020B0402040204020203" pitchFamily="34" charset="0"/>
+                <a:cs typeface="Segoe UI Semilight" panose="020B0402040204020203" pitchFamily="34" charset="0"/>
+              </a:defRPr>
+            </a:lvl1pPr>
+            <a:lvl2pPr>
+              <a:defRPr sz="1800">
+                <a:latin typeface="Segoe UI Semilight" panose="020B0402040204020203" pitchFamily="34" charset="0"/>
+                <a:cs typeface="Segoe UI Semilight" panose="020B0402040204020203" pitchFamily="34" charset="0"/>
+              </a:defRPr>
+            </a:lvl2pPr>
+            <a:lvl3pPr>
+              <a:defRPr sz="1400">
+                <a:latin typeface="Segoe UI Semilight" panose="020B0402040204020203" pitchFamily="34" charset="0"/>
+                <a:cs typeface="Segoe UI Semilight" panose="020B0402040204020203" pitchFamily="34" charset="0"/>
+              </a:defRPr>
+            </a:lvl3pPr>
+            <a:lvl4pPr>
+              <a:defRPr sz="1200">
+                <a:latin typeface="Segoe UI Semilight" panose="020B0402040204020203" pitchFamily="34" charset="0"/>
+                <a:cs typeface="Segoe UI Semilight" panose="020B0402040204020203" pitchFamily="34" charset="0"/>
+              </a:defRPr>
+            </a:lvl4pPr>
+            <a:lvl5pPr>
+              <a:defRPr sz="1200">
+                <a:latin typeface="Segoe UI Semilight" panose="020B0402040204020203" pitchFamily="34" charset="0"/>
+                <a:cs typeface="Segoe UI Semilight" panose="020B0402040204020203" pitchFamily="34" charset="0"/>
+              </a:defRPr>
+            </a:lvl5pPr>
+            <a:lvl6pPr>
+              <a:defRPr sz="1500"/>
+            </a:lvl6pPr>
+            <a:lvl7pPr>
+              <a:defRPr sz="1500"/>
+            </a:lvl7pPr>
+            <a:lvl8pPr>
+              <a:defRPr sz="1500"/>
+            </a:lvl8pPr>
+            <a:lvl9pPr>
+              <a:defRPr sz="1500"/>
+            </a:lvl9pPr>
+          </a:lstStyle>
+          <a:p>
+            <a:pPr lvl="0"/>
+            <a:r>
+              <a:rPr lang="en-US" dirty="0"/>
+              <a:t>Click to edit Master text styles</a:t>
+            </a:r>
+          </a:p>
+          <a:p>
+            <a:pPr lvl="1"/>
+            <a:r>
+              <a:rPr lang="en-US" dirty="0"/>
+              <a:t>Second level</a:t>
+            </a:r>
+          </a:p>
+          <a:p>
+            <a:pPr lvl="2"/>
+            <a:r>
+              <a:rPr lang="en-US" dirty="0"/>
+              <a:t>Third level</a:t>
+            </a:r>
+          </a:p>
+          <a:p>
+            <a:pPr lvl="3"/>
+            <a:r>
+              <a:rPr lang="en-US" dirty="0"/>
+              <a:t>Fourth level</a:t>
+            </a:r>
+          </a:p>
+          <a:p>
+            <a:pPr lvl="4"/>
+            <a:r>
+              <a:rPr lang="en-US" dirty="0"/>
+              <a:t>Fifth level</a:t>
+            </a:r>
+          </a:p>
+        </p:txBody>
+      </p:sp>
+      <p:sp>
+        <p:nvSpPr>
+          <p:cNvPr id="9" name="Title 1">
+            <a:extLst>
+              <a:ext uri="{FF2B5EF4-FFF2-40B4-BE49-F238E27FC236}">
+                <a16:creationId xmlns:a16="http://schemas.microsoft.com/office/drawing/2014/main" id="{039B6DB2-D068-C680-F293-31EEF2D13404}"/>
+              </a:ext>
+            </a:extLst>
+          </p:cNvPr>
+          <p:cNvSpPr>
+            <a:spLocks noGrp="1"/>
+          </p:cNvSpPr>
+          <p:nvPr>
+            <p:ph type="title"/>
+          </p:nvPr>
+        </p:nvSpPr>
+        <p:spPr>
+          <a:xfrm>
+            <a:off x="457200" y="205979"/>
+            <a:ext cx="8229600" cy="857250"/>
+          </a:xfrm>
+        </p:spPr>
+        <p:txBody>
+          <a:bodyPr/>
+          <a:lstStyle>
+            <a:lvl1pPr>
+              <a:defRPr>
+                <a:latin typeface="Segoe UI Semilight" panose="020B0402040204020203" pitchFamily="34" charset="0"/>
+                <a:cs typeface="Segoe UI Semilight" panose="020B0402040204020203" pitchFamily="34" charset="0"/>
+              </a:defRPr>
+            </a:lvl1pPr>
+          </a:lstStyle>
+          <a:p>
+            <a:r>
+              <a:rPr lang="en-US"/>
+              <a:t>Click to edit Master title style</a:t>
+            </a:r>
+          </a:p>
+        </p:txBody>
+      </p:sp>
     </p:spTree>
     <p:extLst>
       <p:ext uri="{BB962C8B-B14F-4D97-AF65-F5344CB8AC3E}">
-        <p14:creationId xmlns:p14="http://schemas.microsoft.com/office/powerpoint/2010/main" val="3566899855"/>
+        <p14:creationId xmlns:p14="http://schemas.microsoft.com/office/powerpoint/2010/main" val="2483056257"/>
       </p:ext>
     </p:extLst>
   </p:cSld>
@@ -3045,7 +3620,7 @@
           <a:p>
             <a:fld id="{241EB5C9-1307-BA42-ABA2-0BC069CD8E7F}" type="datetimeFigureOut">
               <a:rPr lang="en-US" smtClean="0"/>
-              <a:t>6/9/2022</a:t>
+              <a:t>6/15/2022</a:t>
             </a:fld>
             <a:endParaRPr lang="en-US"/>
           </a:p>
@@ -3142,9 +3717,10 @@
     <p:sldLayoutId id="2147483654" r:id="rId6"/>
     <p:sldLayoutId id="2147483655" r:id="rId7"/>
     <p:sldLayoutId id="2147483656" r:id="rId8"/>
-    <p:sldLayoutId id="2147483657" r:id="rId9"/>
-    <p:sldLayoutId id="2147483658" r:id="rId10"/>
-    <p:sldLayoutId id="2147483659" r:id="rId11"/>
+    <p:sldLayoutId id="2147483660" r:id="rId9"/>
+    <p:sldLayoutId id="2147483657" r:id="rId10"/>
+    <p:sldLayoutId id="2147483658" r:id="rId11"/>
+    <p:sldLayoutId id="2147483659" r:id="rId12"/>
   </p:sldLayoutIdLst>
   <p:txStyles>
     <p:titleStyle>
@@ -3441,7 +4017,7 @@
             </a:pPr>
             <a:r>
               <a:rPr/>
-              <a:t>Using Quarto for reproducible article writing</a:t>
+              <a:t>Using Quarto for everything</a:t>
             </a:r>
           </a:p>
         </p:txBody>
@@ -3503,6 +4079,966 @@
           </a:p>
         </p:txBody>
       </p:sp>
+    </p:spTree>
+  </p:cSld>
+</p:sld>
+</file>
+
+<file path=ppt/slides/slide10.xml><?xml version="1.0" encoding="utf-8"?>
+<p:sld xmlns:a="http://schemas.openxmlformats.org/drawingml/2006/main" xmlns:r="http://schemas.openxmlformats.org/officeDocument/2006/relationships" xmlns:p="http://schemas.openxmlformats.org/presentationml/2006/main">
+  <p:cSld>
+    <p:spTree>
+      <p:nvGrpSpPr>
+        <p:cNvPr id="1" name=""/>
+        <p:cNvGrpSpPr/>
+        <p:nvPr/>
+      </p:nvGrpSpPr>
+      <p:grpSpPr>
+        <a:xfrm>
+          <a:off x="0" y="0"/>
+          <a:ext cx="0" cy="0"/>
+          <a:chOff x="0" y="0"/>
+          <a:chExt cx="0" cy="0"/>
+        </a:xfrm>
+      </p:grpSpPr>
+      <p:sp>
+        <p:nvSpPr>
+          <p:cNvPr id="9" name="Title 1">
+            <a:extLst>
+              <a:ext uri="{FF2B5EF4-FFF2-40B4-BE49-F238E27FC236}">
+                <a16:creationId xmlns:a16="http://schemas.microsoft.com/office/drawing/2014/main" id="{039B6DB2-D068-C680-F293-31EEF2D13404}"/>
+              </a:ext>
+            </a:extLst>
+          </p:cNvPr>
+          <p:cNvSpPr>
+            <a:spLocks noGrp="1"/>
+          </p:cNvSpPr>
+          <p:nvPr>
+            <p:ph type="title"/>
+          </p:nvPr>
+        </p:nvSpPr>
+        <p:spPr>
+          <a:xfrm>
+            <a:off x="457200" y="205979"/>
+            <a:ext cx="8229600" cy="857250"/>
+          </a:xfrm>
+        </p:spPr>
+        <p:txBody>
+          <a:bodyPr/>
+          <a:lstStyle/>
+          <a:p>
+            <a:pPr lvl="0" indent="0" marL="0">
+              <a:buNone/>
+            </a:pPr>
+            <a:r>
+              <a:rPr/>
+              <a:t>What if I want to add code?</a:t>
+            </a:r>
+          </a:p>
+        </p:txBody>
+      </p:sp>
+      <p:sp>
+        <p:nvSpPr>
+          <p:cNvPr id="4" name="Text Placeholder 3"/>
+          <p:cNvSpPr>
+            <a:spLocks noGrp="1"/>
+          </p:cNvSpPr>
+          <p:nvPr>
+            <p:ph idx="2" sz="half" type="body"/>
+          </p:nvPr>
+        </p:nvSpPr>
+        <p:spPr/>
+        <p:txBody>
+          <a:bodyPr/>
+          <a:lstStyle/>
+          <a:p>
+            <a:pPr lvl="0" indent="0">
+              <a:buNone/>
+            </a:pPr>
+            <a:r>
+              <a:rPr>
+                <a:solidFill>
+                  <a:srgbClr val="00769E"/>
+                </a:solidFill>
+                <a:latin typeface="Courier"/>
+              </a:rPr>
+              <a:t>import</a:t>
+            </a:r>
+            <a:r>
+              <a:rPr>
+                <a:solidFill>
+                  <a:srgbClr val="003B4F"/>
+                </a:solidFill>
+                <a:latin typeface="Courier"/>
+              </a:rPr>
+              <a:t> numpy </a:t>
+            </a:r>
+            <a:r>
+              <a:rPr>
+                <a:solidFill>
+                  <a:srgbClr val="00769E"/>
+                </a:solidFill>
+                <a:latin typeface="Courier"/>
+              </a:rPr>
+              <a:t>as</a:t>
+            </a:r>
+            <a:r>
+              <a:rPr>
+                <a:solidFill>
+                  <a:srgbClr val="003B4F"/>
+                </a:solidFill>
+                <a:latin typeface="Courier"/>
+              </a:rPr>
+              <a:t> np</a:t>
+            </a:r>
+            <a:br/>
+            <a:r>
+              <a:rPr>
+                <a:solidFill>
+                  <a:srgbClr val="00769E"/>
+                </a:solidFill>
+                <a:latin typeface="Courier"/>
+              </a:rPr>
+              <a:t>import</a:t>
+            </a:r>
+            <a:r>
+              <a:rPr>
+                <a:solidFill>
+                  <a:srgbClr val="003B4F"/>
+                </a:solidFill>
+                <a:latin typeface="Courier"/>
+              </a:rPr>
+              <a:t> matplotlib.pyplot </a:t>
+            </a:r>
+            <a:r>
+              <a:rPr>
+                <a:solidFill>
+                  <a:srgbClr val="00769E"/>
+                </a:solidFill>
+                <a:latin typeface="Courier"/>
+              </a:rPr>
+              <a:t>as</a:t>
+            </a:r>
+            <a:r>
+              <a:rPr>
+                <a:solidFill>
+                  <a:srgbClr val="003B4F"/>
+                </a:solidFill>
+                <a:latin typeface="Courier"/>
+              </a:rPr>
+              <a:t> plt</a:t>
+            </a:r>
+            <a:br/>
+            <a:br/>
+            <a:r>
+              <a:rPr>
+                <a:solidFill>
+                  <a:srgbClr val="003B4F"/>
+                </a:solidFill>
+                <a:latin typeface="Courier"/>
+              </a:rPr>
+              <a:t>r </a:t>
+            </a:r>
+            <a:r>
+              <a:rPr>
+                <a:solidFill>
+                  <a:srgbClr val="5E5E5E"/>
+                </a:solidFill>
+                <a:latin typeface="Courier"/>
+              </a:rPr>
+              <a:t>=</a:t>
+            </a:r>
+            <a:r>
+              <a:rPr>
+                <a:solidFill>
+                  <a:srgbClr val="003B4F"/>
+                </a:solidFill>
+                <a:latin typeface="Courier"/>
+              </a:rPr>
+              <a:t> np.arange(</a:t>
+            </a:r>
+            <a:r>
+              <a:rPr>
+                <a:solidFill>
+                  <a:srgbClr val="AD0000"/>
+                </a:solidFill>
+                <a:latin typeface="Courier"/>
+              </a:rPr>
+              <a:t>0</a:t>
+            </a:r>
+            <a:r>
+              <a:rPr>
+                <a:solidFill>
+                  <a:srgbClr val="003B4F"/>
+                </a:solidFill>
+                <a:latin typeface="Courier"/>
+              </a:rPr>
+              <a:t>, </a:t>
+            </a:r>
+            <a:r>
+              <a:rPr>
+                <a:solidFill>
+                  <a:srgbClr val="AD0000"/>
+                </a:solidFill>
+                <a:latin typeface="Courier"/>
+              </a:rPr>
+              <a:t>2</a:t>
+            </a:r>
+            <a:r>
+              <a:rPr>
+                <a:solidFill>
+                  <a:srgbClr val="003B4F"/>
+                </a:solidFill>
+                <a:latin typeface="Courier"/>
+              </a:rPr>
+              <a:t>, </a:t>
+            </a:r>
+            <a:r>
+              <a:rPr>
+                <a:solidFill>
+                  <a:srgbClr val="AD0000"/>
+                </a:solidFill>
+                <a:latin typeface="Courier"/>
+              </a:rPr>
+              <a:t>0.01</a:t>
+            </a:r>
+            <a:r>
+              <a:rPr>
+                <a:solidFill>
+                  <a:srgbClr val="003B4F"/>
+                </a:solidFill>
+                <a:latin typeface="Courier"/>
+              </a:rPr>
+              <a:t>)</a:t>
+            </a:r>
+            <a:br/>
+            <a:r>
+              <a:rPr>
+                <a:solidFill>
+                  <a:srgbClr val="003B4F"/>
+                </a:solidFill>
+                <a:latin typeface="Courier"/>
+              </a:rPr>
+              <a:t>theta </a:t>
+            </a:r>
+            <a:r>
+              <a:rPr>
+                <a:solidFill>
+                  <a:srgbClr val="5E5E5E"/>
+                </a:solidFill>
+                <a:latin typeface="Courier"/>
+              </a:rPr>
+              <a:t>=</a:t>
+            </a:r>
+            <a:r>
+              <a:rPr>
+                <a:solidFill>
+                  <a:srgbClr val="003B4F"/>
+                </a:solidFill>
+                <a:latin typeface="Courier"/>
+              </a:rPr>
+              <a:t> </a:t>
+            </a:r>
+            <a:r>
+              <a:rPr>
+                <a:solidFill>
+                  <a:srgbClr val="AD0000"/>
+                </a:solidFill>
+                <a:latin typeface="Courier"/>
+              </a:rPr>
+              <a:t>2</a:t>
+            </a:r>
+            <a:r>
+              <a:rPr>
+                <a:solidFill>
+                  <a:srgbClr val="003B4F"/>
+                </a:solidFill>
+                <a:latin typeface="Courier"/>
+              </a:rPr>
+              <a:t> </a:t>
+            </a:r>
+            <a:r>
+              <a:rPr>
+                <a:solidFill>
+                  <a:srgbClr val="5E5E5E"/>
+                </a:solidFill>
+                <a:latin typeface="Courier"/>
+              </a:rPr>
+              <a:t>*</a:t>
+            </a:r>
+            <a:r>
+              <a:rPr>
+                <a:solidFill>
+                  <a:srgbClr val="003B4F"/>
+                </a:solidFill>
+                <a:latin typeface="Courier"/>
+              </a:rPr>
+              <a:t> np.pi </a:t>
+            </a:r>
+            <a:r>
+              <a:rPr>
+                <a:solidFill>
+                  <a:srgbClr val="5E5E5E"/>
+                </a:solidFill>
+                <a:latin typeface="Courier"/>
+              </a:rPr>
+              <a:t>*</a:t>
+            </a:r>
+            <a:r>
+              <a:rPr>
+                <a:solidFill>
+                  <a:srgbClr val="003B4F"/>
+                </a:solidFill>
+                <a:latin typeface="Courier"/>
+              </a:rPr>
+              <a:t> r</a:t>
+            </a:r>
+            <a:br/>
+            <a:r>
+              <a:rPr>
+                <a:solidFill>
+                  <a:srgbClr val="003B4F"/>
+                </a:solidFill>
+                <a:latin typeface="Courier"/>
+              </a:rPr>
+              <a:t>fig, ax </a:t>
+            </a:r>
+            <a:r>
+              <a:rPr>
+                <a:solidFill>
+                  <a:srgbClr val="5E5E5E"/>
+                </a:solidFill>
+                <a:latin typeface="Courier"/>
+              </a:rPr>
+              <a:t>=</a:t>
+            </a:r>
+            <a:r>
+              <a:rPr>
+                <a:solidFill>
+                  <a:srgbClr val="003B4F"/>
+                </a:solidFill>
+                <a:latin typeface="Courier"/>
+              </a:rPr>
+              <a:t> plt.subplots(subplot_kw</a:t>
+            </a:r>
+            <a:r>
+              <a:rPr>
+                <a:solidFill>
+                  <a:srgbClr val="5E5E5E"/>
+                </a:solidFill>
+                <a:latin typeface="Courier"/>
+              </a:rPr>
+              <a:t>=</a:t>
+            </a:r>
+            <a:r>
+              <a:rPr>
+                <a:solidFill>
+                  <a:srgbClr val="003B4F"/>
+                </a:solidFill>
+                <a:latin typeface="Courier"/>
+              </a:rPr>
+              <a:t>{</a:t>
+            </a:r>
+            <a:r>
+              <a:rPr>
+                <a:solidFill>
+                  <a:srgbClr val="20794D"/>
+                </a:solidFill>
+                <a:latin typeface="Courier"/>
+              </a:rPr>
+              <a:t>'projection'</a:t>
+            </a:r>
+            <a:r>
+              <a:rPr>
+                <a:solidFill>
+                  <a:srgbClr val="003B4F"/>
+                </a:solidFill>
+                <a:latin typeface="Courier"/>
+              </a:rPr>
+              <a:t>: </a:t>
+            </a:r>
+            <a:r>
+              <a:rPr>
+                <a:solidFill>
+                  <a:srgbClr val="20794D"/>
+                </a:solidFill>
+                <a:latin typeface="Courier"/>
+              </a:rPr>
+              <a:t>'polar'</a:t>
+            </a:r>
+            <a:r>
+              <a:rPr>
+                <a:solidFill>
+                  <a:srgbClr val="003B4F"/>
+                </a:solidFill>
+                <a:latin typeface="Courier"/>
+              </a:rPr>
+              <a:t>})</a:t>
+            </a:r>
+            <a:br/>
+            <a:r>
+              <a:rPr>
+                <a:solidFill>
+                  <a:srgbClr val="003B4F"/>
+                </a:solidFill>
+                <a:latin typeface="Courier"/>
+              </a:rPr>
+              <a:t>ax.plot(theta, r)</a:t>
+            </a:r>
+            <a:br/>
+            <a:r>
+              <a:rPr>
+                <a:solidFill>
+                  <a:srgbClr val="003B4F"/>
+                </a:solidFill>
+                <a:latin typeface="Courier"/>
+              </a:rPr>
+              <a:t>ax.set_rticks([</a:t>
+            </a:r>
+            <a:r>
+              <a:rPr>
+                <a:solidFill>
+                  <a:srgbClr val="AD0000"/>
+                </a:solidFill>
+                <a:latin typeface="Courier"/>
+              </a:rPr>
+              <a:t>0.5</a:t>
+            </a:r>
+            <a:r>
+              <a:rPr>
+                <a:solidFill>
+                  <a:srgbClr val="003B4F"/>
+                </a:solidFill>
+                <a:latin typeface="Courier"/>
+              </a:rPr>
+              <a:t>, </a:t>
+            </a:r>
+            <a:r>
+              <a:rPr>
+                <a:solidFill>
+                  <a:srgbClr val="AD0000"/>
+                </a:solidFill>
+                <a:latin typeface="Courier"/>
+              </a:rPr>
+              <a:t>1</a:t>
+            </a:r>
+            <a:r>
+              <a:rPr>
+                <a:solidFill>
+                  <a:srgbClr val="003B4F"/>
+                </a:solidFill>
+                <a:latin typeface="Courier"/>
+              </a:rPr>
+              <a:t>, </a:t>
+            </a:r>
+            <a:r>
+              <a:rPr>
+                <a:solidFill>
+                  <a:srgbClr val="AD0000"/>
+                </a:solidFill>
+                <a:latin typeface="Courier"/>
+              </a:rPr>
+              <a:t>1.5</a:t>
+            </a:r>
+            <a:r>
+              <a:rPr>
+                <a:solidFill>
+                  <a:srgbClr val="003B4F"/>
+                </a:solidFill>
+                <a:latin typeface="Courier"/>
+              </a:rPr>
+              <a:t>, </a:t>
+            </a:r>
+            <a:r>
+              <a:rPr>
+                <a:solidFill>
+                  <a:srgbClr val="AD0000"/>
+                </a:solidFill>
+                <a:latin typeface="Courier"/>
+              </a:rPr>
+              <a:t>2</a:t>
+            </a:r>
+            <a:r>
+              <a:rPr>
+                <a:solidFill>
+                  <a:srgbClr val="003B4F"/>
+                </a:solidFill>
+                <a:latin typeface="Courier"/>
+              </a:rPr>
+              <a:t>])</a:t>
+            </a:r>
+            <a:br/>
+            <a:r>
+              <a:rPr>
+                <a:solidFill>
+                  <a:srgbClr val="003B4F"/>
+                </a:solidFill>
+                <a:latin typeface="Courier"/>
+              </a:rPr>
+              <a:t>ax.grid(</a:t>
+            </a:r>
+            <a:r>
+              <a:rPr>
+                <a:solidFill>
+                  <a:srgbClr val="111111"/>
+                </a:solidFill>
+                <a:latin typeface="Courier"/>
+              </a:rPr>
+              <a:t>True</a:t>
+            </a:r>
+            <a:r>
+              <a:rPr>
+                <a:solidFill>
+                  <a:srgbClr val="003B4F"/>
+                </a:solidFill>
+                <a:latin typeface="Courier"/>
+              </a:rPr>
+              <a:t>)</a:t>
+            </a:r>
+            <a:br/>
+            <a:r>
+              <a:rPr>
+                <a:solidFill>
+                  <a:srgbClr val="003B4F"/>
+                </a:solidFill>
+                <a:latin typeface="Courier"/>
+              </a:rPr>
+              <a:t>plt.show()</a:t>
+            </a:r>
+          </a:p>
+        </p:txBody>
+      </p:sp>
+      <p:pic>
+        <p:nvPicPr>
+          <p:cNvPr descr="using-quarto-ppt_files/figure-pptx/cell-2-output-1.png" id="0" name="Picture 1"/>
+          <p:cNvPicPr>
+            <a:picLocks noGrp="1" noChangeAspect="1"/>
+          </p:cNvPicPr>
+          <p:nvPr/>
+        </p:nvPicPr>
+        <p:blipFill>
+          <a:blip r:embed="rId2"/>
+          <a:stretch>
+            <a:fillRect/>
+          </a:stretch>
+        </p:blipFill>
+        <p:spPr bwMode="auto">
+          <a:xfrm>
+            <a:off x="3048000" y="1689100"/>
+            <a:ext cx="3048000" cy="2984500"/>
+          </a:xfrm>
+          <a:prstGeom prst="rect">
+            <a:avLst/>
+          </a:prstGeom>
+          <a:noFill/>
+          <a:ln w="9525">
+            <a:noFill/>
+            <a:headEnd/>
+            <a:tailEnd/>
+          </a:ln>
+        </p:spPr>
+      </p:pic>
+    </p:spTree>
+  </p:cSld>
+</p:sld>
+</file>
+
+<file path=ppt/slides/slide11.xml><?xml version="1.0" encoding="utf-8"?>
+<p:sld xmlns:a="http://schemas.openxmlformats.org/drawingml/2006/main" xmlns:r="http://schemas.openxmlformats.org/officeDocument/2006/relationships" xmlns:p="http://schemas.openxmlformats.org/presentationml/2006/main">
+  <p:cSld>
+    <p:spTree>
+      <p:nvGrpSpPr>
+        <p:cNvPr id="1" name=""/>
+        <p:cNvGrpSpPr/>
+        <p:nvPr/>
+      </p:nvGrpSpPr>
+      <p:grpSpPr>
+        <a:xfrm>
+          <a:off x="0" y="0"/>
+          <a:ext cx="0" cy="0"/>
+          <a:chOff x="0" y="0"/>
+          <a:chExt cx="0" cy="0"/>
+        </a:xfrm>
+      </p:grpSpPr>
+      <p:sp>
+        <p:nvSpPr>
+          <p:cNvPr id="2" name="Title 1"/>
+          <p:cNvSpPr>
+            <a:spLocks noGrp="1"/>
+          </p:cNvSpPr>
+          <p:nvPr>
+            <p:ph type="title"/>
+          </p:nvPr>
+        </p:nvSpPr>
+        <p:spPr>
+          <a:xfrm>
+            <a:off x="722313" y="3305176"/>
+            <a:ext cx="7772400" cy="1021556"/>
+          </a:xfrm>
+        </p:spPr>
+        <p:txBody>
+          <a:bodyPr/>
+          <a:lstStyle/>
+          <a:p>
+            <a:pPr lvl="0" indent="0" marL="0">
+              <a:buNone/>
+            </a:pPr>
+            <a:r>
+              <a:rPr/>
+              <a:t>Presentations</a:t>
+            </a:r>
+          </a:p>
+        </p:txBody>
+      </p:sp>
+    </p:spTree>
+  </p:cSld>
+</p:sld>
+</file>
+
+<file path=ppt/slides/slide12.xml><?xml version="1.0" encoding="utf-8"?>
+<p:sld xmlns:a="http://schemas.openxmlformats.org/drawingml/2006/main" xmlns:r="http://schemas.openxmlformats.org/officeDocument/2006/relationships" xmlns:p="http://schemas.openxmlformats.org/presentationml/2006/main">
+  <p:cSld>
+    <p:spTree>
+      <p:nvGrpSpPr>
+        <p:cNvPr id="1" name=""/>
+        <p:cNvGrpSpPr/>
+        <p:nvPr/>
+      </p:nvGrpSpPr>
+      <p:grpSpPr>
+        <a:xfrm>
+          <a:off x="0" y="0"/>
+          <a:ext cx="0" cy="0"/>
+          <a:chOff x="0" y="0"/>
+          <a:chExt cx="0" cy="0"/>
+        </a:xfrm>
+      </p:grpSpPr>
+      <p:sp>
+        <p:nvSpPr>
+          <p:cNvPr id="2" name="Title 1"/>
+          <p:cNvSpPr>
+            <a:spLocks noGrp="1"/>
+          </p:cNvSpPr>
+          <p:nvPr>
+            <p:ph type="title"/>
+          </p:nvPr>
+        </p:nvSpPr>
+        <p:spPr/>
+        <p:txBody>
+          <a:bodyPr/>
+          <a:lstStyle/>
+          <a:p>
+            <a:pPr lvl="0" indent="0" marL="0">
+              <a:buNone/>
+            </a:pPr>
+            <a:r>
+              <a:rPr/>
+              <a:t>Things that you can add to a template</a:t>
+            </a:r>
+          </a:p>
+        </p:txBody>
+      </p:sp>
+      <p:sp>
+        <p:nvSpPr>
+          <p:cNvPr id="3" name="Content Placeholder 2"/>
+          <p:cNvSpPr>
+            <a:spLocks noGrp="1"/>
+          </p:cNvSpPr>
+          <p:nvPr>
+            <p:ph idx="1"/>
+          </p:nvPr>
+        </p:nvSpPr>
+        <p:spPr/>
+        <p:txBody>
+          <a:bodyPr/>
+          <a:lstStyle/>
+          <a:p>
+            <a:pPr lvl="0"/>
+            <a:r>
+              <a:rPr/>
+              <a:t>Title Slide</a:t>
+            </a:r>
+          </a:p>
+          <a:p>
+            <a:pPr lvl="0"/>
+            <a:r>
+              <a:rPr/>
+              <a:t>Title and Content</a:t>
+            </a:r>
+          </a:p>
+          <a:p>
+            <a:pPr lvl="0"/>
+            <a:r>
+              <a:rPr/>
+              <a:t>Section Header</a:t>
+            </a:r>
+          </a:p>
+          <a:p>
+            <a:pPr lvl="0"/>
+            <a:r>
+              <a:rPr/>
+              <a:t>Two Content</a:t>
+            </a:r>
+          </a:p>
+          <a:p>
+            <a:pPr lvl="0"/>
+            <a:r>
+              <a:rPr/>
+              <a:t>Comparison</a:t>
+            </a:r>
+          </a:p>
+          <a:p>
+            <a:pPr lvl="0"/>
+            <a:r>
+              <a:rPr/>
+              <a:t>Content with Caption</a:t>
+            </a:r>
+          </a:p>
+          <a:p>
+            <a:pPr lvl="0"/>
+            <a:r>
+              <a:rPr/>
+              <a:t>Blank</a:t>
+            </a:r>
+          </a:p>
+        </p:txBody>
+      </p:sp>
+    </p:spTree>
+  </p:cSld>
+</p:sld>
+</file>
+
+<file path=ppt/slides/slide13.xml><?xml version="1.0" encoding="utf-8"?>
+<p:sld xmlns:a="http://schemas.openxmlformats.org/drawingml/2006/main" xmlns:r="http://schemas.openxmlformats.org/officeDocument/2006/relationships" xmlns:p="http://schemas.openxmlformats.org/presentationml/2006/main">
+  <p:cSld>
+    <p:spTree>
+      <p:nvGrpSpPr>
+        <p:cNvPr id="1" name=""/>
+        <p:cNvGrpSpPr/>
+        <p:nvPr/>
+      </p:nvGrpSpPr>
+      <p:grpSpPr>
+        <a:xfrm>
+          <a:off x="0" y="0"/>
+          <a:ext cx="0" cy="0"/>
+          <a:chOff x="0" y="0"/>
+          <a:chExt cx="0" cy="0"/>
+        </a:xfrm>
+      </p:grpSpPr>
+      <p:sp>
+        <p:nvSpPr>
+          <p:cNvPr id="2" name="Title 1"/>
+          <p:cNvSpPr>
+            <a:spLocks noGrp="1"/>
+          </p:cNvSpPr>
+          <p:nvPr>
+            <p:ph type="title"/>
+          </p:nvPr>
+        </p:nvSpPr>
+        <p:spPr/>
+        <p:txBody>
+          <a:bodyPr/>
+          <a:lstStyle/>
+          <a:p>
+            <a:pPr lvl="0" indent="0" marL="0">
+              <a:buNone/>
+            </a:pPr>
+            <a:r>
+              <a:rPr/>
+              <a:t>Projects</a:t>
+            </a:r>
+          </a:p>
+        </p:txBody>
+      </p:sp>
+      <p:sp>
+        <p:nvSpPr>
+          <p:cNvPr id="3" name="Content Placeholder 2"/>
+          <p:cNvSpPr>
+            <a:spLocks noGrp="1"/>
+          </p:cNvSpPr>
+          <p:nvPr>
+            <p:ph idx="1"/>
+          </p:nvPr>
+        </p:nvSpPr>
+        <p:spPr/>
+        <p:txBody>
+          <a:bodyPr/>
+          <a:lstStyle/>
+          <a:p>
+            <a:pPr lvl="0" indent="0" marL="0">
+              <a:buNone/>
+            </a:pPr>
+            <a:r>
+              <a:rPr/>
+              <a:t>You can use Quarto to generate the whole shebang!</a:t>
+            </a:r>
+          </a:p>
+        </p:txBody>
+      </p:sp>
+    </p:spTree>
+  </p:cSld>
+</p:sld>
+</file>
+
+<file path=ppt/slides/slide14.xml><?xml version="1.0" encoding="utf-8"?>
+<p:sld xmlns:a="http://schemas.openxmlformats.org/drawingml/2006/main" xmlns:r="http://schemas.openxmlformats.org/officeDocument/2006/relationships" xmlns:p="http://schemas.openxmlformats.org/presentationml/2006/main">
+  <p:cSld>
+    <p:spTree>
+      <p:nvGrpSpPr>
+        <p:cNvPr id="1" name=""/>
+        <p:cNvGrpSpPr/>
+        <p:nvPr/>
+      </p:nvGrpSpPr>
+      <p:grpSpPr>
+        <a:xfrm>
+          <a:off x="0" y="0"/>
+          <a:ext cx="0" cy="0"/>
+          <a:chOff x="0" y="0"/>
+          <a:chExt cx="0" cy="0"/>
+        </a:xfrm>
+      </p:grpSpPr>
+      <p:sp>
+        <p:nvSpPr>
+          <p:cNvPr id="2" name="Title 1"/>
+          <p:cNvSpPr>
+            <a:spLocks noGrp="1"/>
+          </p:cNvSpPr>
+          <p:nvPr>
+            <p:ph type="title"/>
+          </p:nvPr>
+        </p:nvSpPr>
+        <p:spPr>
+          <a:xfrm>
+            <a:off x="722313" y="3305176"/>
+            <a:ext cx="7772400" cy="1021556"/>
+          </a:xfrm>
+        </p:spPr>
+        <p:txBody>
+          <a:bodyPr/>
+          <a:lstStyle/>
+          <a:p>
+            <a:pPr lvl="0" indent="0" marL="0">
+              <a:buNone/>
+            </a:pPr>
+            <a:r>
+              <a:rPr/>
+              <a:t>Appendix</a:t>
+            </a:r>
+          </a:p>
+        </p:txBody>
+      </p:sp>
+    </p:spTree>
+  </p:cSld>
+</p:sld>
+</file>
+
+<file path=ppt/slides/slide15.xml><?xml version="1.0" encoding="utf-8"?>
+<p:sld xmlns:a="http://schemas.openxmlformats.org/drawingml/2006/main" xmlns:r="http://schemas.openxmlformats.org/officeDocument/2006/relationships" xmlns:p="http://schemas.openxmlformats.org/presentationml/2006/main">
+  <p:cSld>
+    <p:spTree>
+      <p:nvGrpSpPr>
+        <p:cNvPr id="1" name=""/>
+        <p:cNvGrpSpPr/>
+        <p:nvPr/>
+      </p:nvGrpSpPr>
+      <p:grpSpPr>
+        <a:xfrm>
+          <a:off x="0" y="0"/>
+          <a:ext cx="0" cy="0"/>
+          <a:chOff x="0" y="0"/>
+          <a:chExt cx="0" cy="0"/>
+        </a:xfrm>
+      </p:grpSpPr>
+      <p:sp>
+        <p:nvSpPr>
+          <p:cNvPr id="9" name="Title 1">
+            <a:extLst>
+              <a:ext uri="{FF2B5EF4-FFF2-40B4-BE49-F238E27FC236}">
+                <a16:creationId xmlns:a16="http://schemas.microsoft.com/office/drawing/2014/main" id="{039B6DB2-D068-C680-F293-31EEF2D13404}"/>
+              </a:ext>
+            </a:extLst>
+          </p:cNvPr>
+          <p:cNvSpPr>
+            <a:spLocks noGrp="1"/>
+          </p:cNvSpPr>
+          <p:nvPr>
+            <p:ph type="title"/>
+          </p:nvPr>
+        </p:nvSpPr>
+        <p:spPr>
+          <a:xfrm>
+            <a:off x="457200" y="205979"/>
+            <a:ext cx="8229600" cy="857250"/>
+          </a:xfrm>
+        </p:spPr>
+        <p:txBody>
+          <a:bodyPr/>
+          <a:lstStyle/>
+          <a:p>
+            <a:pPr lvl="0" indent="0" marL="0">
+              <a:buNone/>
+            </a:pPr>
+            <a:r>
+              <a:rPr/>
+              <a:t>Test multiple images</a:t>
+            </a:r>
+          </a:p>
+        </p:txBody>
+      </p:sp>
+      <p:sp>
+        <p:nvSpPr>
+          <p:cNvPr id="4" name="Text Placeholder 3"/>
+          <p:cNvSpPr>
+            <a:spLocks noGrp="1"/>
+          </p:cNvSpPr>
+          <p:nvPr>
+            <p:ph idx="2" sz="half" type="body"/>
+          </p:nvPr>
+        </p:nvSpPr>
+        <p:spPr/>
+        <p:txBody>
+          <a:bodyPr/>
+          <a:lstStyle/>
+          <a:p>
+            <a:pPr lvl="0" indent="0" marL="0">
+              <a:buNone/>
+            </a:pPr>
+            <a:r>
+              <a:rPr/>
+              <a:t>This slide uses the “Caption plus stuff” template</a:t>
+            </a:r>
+          </a:p>
+        </p:txBody>
+      </p:sp>
+      <p:pic>
+        <p:nvPicPr>
+          <p:cNvPr descr="using-quarto-ppt_files/figure-pptx/cell-3-output-1.png" id="0" name="Picture 1"/>
+          <p:cNvPicPr>
+            <a:picLocks noGrp="1" noChangeAspect="1"/>
+          </p:cNvPicPr>
+          <p:nvPr/>
+        </p:nvPicPr>
+        <p:blipFill>
+          <a:blip r:embed="rId2"/>
+          <a:stretch>
+            <a:fillRect/>
+          </a:stretch>
+        </p:blipFill>
+        <p:spPr bwMode="auto">
+          <a:xfrm>
+            <a:off x="1790700" y="1689100"/>
+            <a:ext cx="5549900" cy="2984500"/>
+          </a:xfrm>
+          <a:prstGeom prst="rect">
+            <a:avLst/>
+          </a:prstGeom>
+          <a:noFill/>
+          <a:ln w="9525">
+            <a:noFill/>
+            <a:headEnd/>
+            <a:tailEnd/>
+          </a:ln>
+        </p:spPr>
+      </p:pic>
     </p:spTree>
   </p:cSld>
 </p:sld>
@@ -3535,7 +5071,12 @@
             <p:ph type="title"/>
           </p:nvPr>
         </p:nvSpPr>
-        <p:spPr/>
+        <p:spPr>
+          <a:xfrm>
+            <a:off x="722313" y="3305176"/>
+            <a:ext cx="7772400" cy="1021556"/>
+          </a:xfrm>
+        </p:spPr>
         <p:txBody>
           <a:bodyPr/>
           <a:lstStyle/>
@@ -3545,65 +5086,7 @@
             </a:pPr>
             <a:r>
               <a:rPr/>
-              <a:t>Quarto</a:t>
-            </a:r>
-          </a:p>
-        </p:txBody>
-      </p:sp>
-      <p:sp>
-        <p:nvSpPr>
-          <p:cNvPr id="3" name="Content Placeholder 2"/>
-          <p:cNvSpPr>
-            <a:spLocks noGrp="1"/>
-          </p:cNvSpPr>
-          <p:nvPr>
-            <p:ph idx="1"/>
-          </p:nvPr>
-        </p:nvSpPr>
-        <p:spPr/>
-        <p:txBody>
-          <a:bodyPr/>
-          <a:lstStyle/>
-          <a:p>
-            <a:pPr lvl="0" indent="0" marL="0">
-              <a:spcBef>
-                <a:spcPts val="3000"/>
-              </a:spcBef>
-              <a:buNone/>
-            </a:pPr>
-            <a:r>
-              <a:rPr b="1"/>
-              <a:t>Popular Science</a:t>
-            </a:r>
-          </a:p>
-          <a:p>
-            <a:pPr lvl="0" indent="0" marL="0">
-              <a:buNone/>
-            </a:pPr>
-            <a:r>
-              <a:rPr/>
-              <a:t>In 1997…</a:t>
-            </a:r>
-          </a:p>
-          <a:p>
-            <a:pPr lvl="0"/>
-            <a:r>
-              <a:rPr/>
-              <a:t>I watched the movie “Contact”</a:t>
-            </a:r>
-          </a:p>
-          <a:p>
-            <a:pPr lvl="0"/>
-            <a:r>
-              <a:rPr/>
-              <a:t>I read “Literate Programming”</a:t>
-            </a:r>
-          </a:p>
-          <a:p>
-            <a:pPr lvl="0"/>
-            <a:r>
-              <a:rPr/>
-              <a:t>I started working on a science museum</a:t>
+              <a:t>Why Quarto</a:t>
             </a:r>
           </a:p>
         </p:txBody>
@@ -3640,12 +5123,7 @@
             <p:ph type="title"/>
           </p:nvPr>
         </p:nvSpPr>
-        <p:spPr>
-          <a:xfrm>
-            <a:off x="457201" y="204787"/>
-            <a:ext cx="3008313" cy="871538"/>
-          </a:xfrm>
-        </p:spPr>
+        <p:spPr/>
         <p:txBody>
           <a:bodyPr/>
           <a:lstStyle/>
@@ -3655,509 +5133,14 @@
             </a:pPr>
             <a:r>
               <a:rPr/>
-              <a:t>Articles</a:t>
-            </a:r>
-          </a:p>
-        </p:txBody>
-      </p:sp>
-      <p:sp>
-        <p:nvSpPr>
-          <p:cNvPr id="4" name="Text Placeholder 3"/>
-          <p:cNvSpPr>
-            <a:spLocks noGrp="1"/>
-          </p:cNvSpPr>
-          <p:nvPr>
-            <p:ph idx="2" sz="half" type="body"/>
-          </p:nvPr>
-        </p:nvSpPr>
-        <p:spPr/>
-        <p:txBody>
-          <a:bodyPr/>
-          <a:lstStyle/>
-          <a:p>
-            <a:pPr lvl="0" indent="0" marL="0">
-              <a:spcBef>
-                <a:spcPts val="3000"/>
-              </a:spcBef>
-              <a:buNone/>
-            </a:pPr>
-            <a:r>
-              <a:rPr b="1"/>
-              <a:t>Using Quarto to write articles</a:t>
-            </a:r>
-          </a:p>
-          <a:p>
-            <a:pPr lvl="0" indent="0" marL="0">
-              <a:spcBef>
-                <a:spcPts val="3000"/>
-              </a:spcBef>
-              <a:buNone/>
-            </a:pPr>
-            <a:r>
-              <a:rPr b="1"/>
-              <a:t>What if I want to add code?</a:t>
-            </a:r>
-          </a:p>
-          <a:p>
-            <a:pPr lvl="0" indent="0">
-              <a:buNone/>
-            </a:pPr>
-            <a:r>
-              <a:rPr>
-                <a:solidFill>
-                  <a:srgbClr val="00769E"/>
-                </a:solidFill>
-                <a:latin typeface="Courier"/>
-              </a:rPr>
-              <a:t>import</a:t>
-            </a:r>
-            <a:r>
-              <a:rPr>
-                <a:solidFill>
-                  <a:srgbClr val="003B4F"/>
-                </a:solidFill>
-                <a:latin typeface="Courier"/>
-              </a:rPr>
-              <a:t> numpy </a:t>
-            </a:r>
-            <a:r>
-              <a:rPr>
-                <a:solidFill>
-                  <a:srgbClr val="00769E"/>
-                </a:solidFill>
-                <a:latin typeface="Courier"/>
-              </a:rPr>
-              <a:t>as</a:t>
-            </a:r>
-            <a:r>
-              <a:rPr>
-                <a:solidFill>
-                  <a:srgbClr val="003B4F"/>
-                </a:solidFill>
-                <a:latin typeface="Courier"/>
-              </a:rPr>
-              <a:t> np</a:t>
-            </a:r>
-            <a:br/>
-            <a:r>
-              <a:rPr>
-                <a:solidFill>
-                  <a:srgbClr val="00769E"/>
-                </a:solidFill>
-                <a:latin typeface="Courier"/>
-              </a:rPr>
-              <a:t>import</a:t>
-            </a:r>
-            <a:r>
-              <a:rPr>
-                <a:solidFill>
-                  <a:srgbClr val="003B4F"/>
-                </a:solidFill>
-                <a:latin typeface="Courier"/>
-              </a:rPr>
-              <a:t> matplotlib.pyplot </a:t>
-            </a:r>
-            <a:r>
-              <a:rPr>
-                <a:solidFill>
-                  <a:srgbClr val="00769E"/>
-                </a:solidFill>
-                <a:latin typeface="Courier"/>
-              </a:rPr>
-              <a:t>as</a:t>
-            </a:r>
-            <a:r>
-              <a:rPr>
-                <a:solidFill>
-                  <a:srgbClr val="003B4F"/>
-                </a:solidFill>
-                <a:latin typeface="Courier"/>
-              </a:rPr>
-              <a:t> plt</a:t>
-            </a:r>
-            <a:br/>
-            <a:br/>
-            <a:r>
-              <a:rPr>
-                <a:solidFill>
-                  <a:srgbClr val="003B4F"/>
-                </a:solidFill>
-                <a:latin typeface="Courier"/>
-              </a:rPr>
-              <a:t>r </a:t>
-            </a:r>
-            <a:r>
-              <a:rPr>
-                <a:solidFill>
-                  <a:srgbClr val="5E5E5E"/>
-                </a:solidFill>
-                <a:latin typeface="Courier"/>
-              </a:rPr>
-              <a:t>=</a:t>
-            </a:r>
-            <a:r>
-              <a:rPr>
-                <a:solidFill>
-                  <a:srgbClr val="003B4F"/>
-                </a:solidFill>
-                <a:latin typeface="Courier"/>
-              </a:rPr>
-              <a:t> np.arange(</a:t>
-            </a:r>
-            <a:r>
-              <a:rPr>
-                <a:solidFill>
-                  <a:srgbClr val="AD0000"/>
-                </a:solidFill>
-                <a:latin typeface="Courier"/>
-              </a:rPr>
-              <a:t>0</a:t>
-            </a:r>
-            <a:r>
-              <a:rPr>
-                <a:solidFill>
-                  <a:srgbClr val="003B4F"/>
-                </a:solidFill>
-                <a:latin typeface="Courier"/>
-              </a:rPr>
-              <a:t>, </a:t>
-            </a:r>
-            <a:r>
-              <a:rPr>
-                <a:solidFill>
-                  <a:srgbClr val="AD0000"/>
-                </a:solidFill>
-                <a:latin typeface="Courier"/>
-              </a:rPr>
-              <a:t>2</a:t>
-            </a:r>
-            <a:r>
-              <a:rPr>
-                <a:solidFill>
-                  <a:srgbClr val="003B4F"/>
-                </a:solidFill>
-                <a:latin typeface="Courier"/>
-              </a:rPr>
-              <a:t>, </a:t>
-            </a:r>
-            <a:r>
-              <a:rPr>
-                <a:solidFill>
-                  <a:srgbClr val="AD0000"/>
-                </a:solidFill>
-                <a:latin typeface="Courier"/>
-              </a:rPr>
-              <a:t>0.01</a:t>
-            </a:r>
-            <a:r>
-              <a:rPr>
-                <a:solidFill>
-                  <a:srgbClr val="003B4F"/>
-                </a:solidFill>
-                <a:latin typeface="Courier"/>
-              </a:rPr>
-              <a:t>)</a:t>
-            </a:r>
-            <a:br/>
-            <a:r>
-              <a:rPr>
-                <a:solidFill>
-                  <a:srgbClr val="003B4F"/>
-                </a:solidFill>
-                <a:latin typeface="Courier"/>
-              </a:rPr>
-              <a:t>theta </a:t>
-            </a:r>
-            <a:r>
-              <a:rPr>
-                <a:solidFill>
-                  <a:srgbClr val="5E5E5E"/>
-                </a:solidFill>
-                <a:latin typeface="Courier"/>
-              </a:rPr>
-              <a:t>=</a:t>
-            </a:r>
-            <a:r>
-              <a:rPr>
-                <a:solidFill>
-                  <a:srgbClr val="003B4F"/>
-                </a:solidFill>
-                <a:latin typeface="Courier"/>
-              </a:rPr>
-              <a:t> </a:t>
-            </a:r>
-            <a:r>
-              <a:rPr>
-                <a:solidFill>
-                  <a:srgbClr val="AD0000"/>
-                </a:solidFill>
-                <a:latin typeface="Courier"/>
-              </a:rPr>
-              <a:t>2</a:t>
-            </a:r>
-            <a:r>
-              <a:rPr>
-                <a:solidFill>
-                  <a:srgbClr val="003B4F"/>
-                </a:solidFill>
-                <a:latin typeface="Courier"/>
-              </a:rPr>
-              <a:t> </a:t>
-            </a:r>
-            <a:r>
-              <a:rPr>
-                <a:solidFill>
-                  <a:srgbClr val="5E5E5E"/>
-                </a:solidFill>
-                <a:latin typeface="Courier"/>
-              </a:rPr>
-              <a:t>*</a:t>
-            </a:r>
-            <a:r>
-              <a:rPr>
-                <a:solidFill>
-                  <a:srgbClr val="003B4F"/>
-                </a:solidFill>
-                <a:latin typeface="Courier"/>
-              </a:rPr>
-              <a:t> np.pi </a:t>
-            </a:r>
-            <a:r>
-              <a:rPr>
-                <a:solidFill>
-                  <a:srgbClr val="5E5E5E"/>
-                </a:solidFill>
-                <a:latin typeface="Courier"/>
-              </a:rPr>
-              <a:t>*</a:t>
-            </a:r>
-            <a:r>
-              <a:rPr>
-                <a:solidFill>
-                  <a:srgbClr val="003B4F"/>
-                </a:solidFill>
-                <a:latin typeface="Courier"/>
-              </a:rPr>
-              <a:t> r</a:t>
-            </a:r>
-            <a:br/>
-            <a:r>
-              <a:rPr>
-                <a:solidFill>
-                  <a:srgbClr val="003B4F"/>
-                </a:solidFill>
-                <a:latin typeface="Courier"/>
-              </a:rPr>
-              <a:t>fig, ax </a:t>
-            </a:r>
-            <a:r>
-              <a:rPr>
-                <a:solidFill>
-                  <a:srgbClr val="5E5E5E"/>
-                </a:solidFill>
-                <a:latin typeface="Courier"/>
-              </a:rPr>
-              <a:t>=</a:t>
-            </a:r>
-            <a:r>
-              <a:rPr>
-                <a:solidFill>
-                  <a:srgbClr val="003B4F"/>
-                </a:solidFill>
-                <a:latin typeface="Courier"/>
-              </a:rPr>
-              <a:t> plt.subplots(subplot_kw</a:t>
-            </a:r>
-            <a:r>
-              <a:rPr>
-                <a:solidFill>
-                  <a:srgbClr val="5E5E5E"/>
-                </a:solidFill>
-                <a:latin typeface="Courier"/>
-              </a:rPr>
-              <a:t>=</a:t>
-            </a:r>
-            <a:r>
-              <a:rPr>
-                <a:solidFill>
-                  <a:srgbClr val="003B4F"/>
-                </a:solidFill>
-                <a:latin typeface="Courier"/>
-              </a:rPr>
-              <a:t>{</a:t>
-            </a:r>
-            <a:r>
-              <a:rPr>
-                <a:solidFill>
-                  <a:srgbClr val="20794D"/>
-                </a:solidFill>
-                <a:latin typeface="Courier"/>
-              </a:rPr>
-              <a:t>'projection'</a:t>
-            </a:r>
-            <a:r>
-              <a:rPr>
-                <a:solidFill>
-                  <a:srgbClr val="003B4F"/>
-                </a:solidFill>
-                <a:latin typeface="Courier"/>
-              </a:rPr>
-              <a:t>: </a:t>
-            </a:r>
-            <a:r>
-              <a:rPr>
-                <a:solidFill>
-                  <a:srgbClr val="20794D"/>
-                </a:solidFill>
-                <a:latin typeface="Courier"/>
-              </a:rPr>
-              <a:t>'polar'</a:t>
-            </a:r>
-            <a:r>
-              <a:rPr>
-                <a:solidFill>
-                  <a:srgbClr val="003B4F"/>
-                </a:solidFill>
-                <a:latin typeface="Courier"/>
-              </a:rPr>
-              <a:t>})</a:t>
-            </a:r>
-            <a:br/>
-            <a:r>
-              <a:rPr>
-                <a:solidFill>
-                  <a:srgbClr val="003B4F"/>
-                </a:solidFill>
-                <a:latin typeface="Courier"/>
-              </a:rPr>
-              <a:t>ax.plot(theta, r)</a:t>
-            </a:r>
-            <a:br/>
-            <a:r>
-              <a:rPr>
-                <a:solidFill>
-                  <a:srgbClr val="003B4F"/>
-                </a:solidFill>
-                <a:latin typeface="Courier"/>
-              </a:rPr>
-              <a:t>ax.set_rticks([</a:t>
-            </a:r>
-            <a:r>
-              <a:rPr>
-                <a:solidFill>
-                  <a:srgbClr val="AD0000"/>
-                </a:solidFill>
-                <a:latin typeface="Courier"/>
-              </a:rPr>
-              <a:t>0.5</a:t>
-            </a:r>
-            <a:r>
-              <a:rPr>
-                <a:solidFill>
-                  <a:srgbClr val="003B4F"/>
-                </a:solidFill>
-                <a:latin typeface="Courier"/>
-              </a:rPr>
-              <a:t>, </a:t>
-            </a:r>
-            <a:r>
-              <a:rPr>
-                <a:solidFill>
-                  <a:srgbClr val="AD0000"/>
-                </a:solidFill>
-                <a:latin typeface="Courier"/>
-              </a:rPr>
-              <a:t>1</a:t>
-            </a:r>
-            <a:r>
-              <a:rPr>
-                <a:solidFill>
-                  <a:srgbClr val="003B4F"/>
-                </a:solidFill>
-                <a:latin typeface="Courier"/>
-              </a:rPr>
-              <a:t>, </a:t>
-            </a:r>
-            <a:r>
-              <a:rPr>
-                <a:solidFill>
-                  <a:srgbClr val="AD0000"/>
-                </a:solidFill>
-                <a:latin typeface="Courier"/>
-              </a:rPr>
-              <a:t>1.5</a:t>
-            </a:r>
-            <a:r>
-              <a:rPr>
-                <a:solidFill>
-                  <a:srgbClr val="003B4F"/>
-                </a:solidFill>
-                <a:latin typeface="Courier"/>
-              </a:rPr>
-              <a:t>, </a:t>
-            </a:r>
-            <a:r>
-              <a:rPr>
-                <a:solidFill>
-                  <a:srgbClr val="AD0000"/>
-                </a:solidFill>
-                <a:latin typeface="Courier"/>
-              </a:rPr>
-              <a:t>2</a:t>
-            </a:r>
-            <a:r>
-              <a:rPr>
-                <a:solidFill>
-                  <a:srgbClr val="003B4F"/>
-                </a:solidFill>
-                <a:latin typeface="Courier"/>
-              </a:rPr>
-              <a:t>])</a:t>
-            </a:r>
-            <a:br/>
-            <a:r>
-              <a:rPr>
-                <a:solidFill>
-                  <a:srgbClr val="003B4F"/>
-                </a:solidFill>
-                <a:latin typeface="Courier"/>
-              </a:rPr>
-              <a:t>ax.grid(</a:t>
-            </a:r>
-            <a:r>
-              <a:rPr>
-                <a:solidFill>
-                  <a:srgbClr val="111111"/>
-                </a:solidFill>
-                <a:latin typeface="Courier"/>
-              </a:rPr>
-              <a:t>True</a:t>
-            </a:r>
-            <a:r>
-              <a:rPr>
-                <a:solidFill>
-                  <a:srgbClr val="003B4F"/>
-                </a:solidFill>
-                <a:latin typeface="Courier"/>
-              </a:rPr>
-              <a:t>)</a:t>
-            </a:r>
-            <a:br/>
-            <a:r>
-              <a:rPr>
-                <a:solidFill>
-                  <a:srgbClr val="003B4F"/>
-                </a:solidFill>
-                <a:latin typeface="Courier"/>
-              </a:rPr>
-              <a:t>plt.show()</a:t>
+              <a:t>Quarto helps with the content value chain</a:t>
             </a:r>
           </a:p>
         </p:txBody>
       </p:sp>
       <p:pic>
         <p:nvPicPr>
-          <p:cNvPr descr="using-quarto-ppt_files/figure-pptx/cell-2-output-1.png" id="0" name="Picture 1"/>
+          <p:cNvPr descr="fig:  images/useful-output.jpg" id="0" name="Picture 1"/>
           <p:cNvPicPr>
             <a:picLocks noGrp="1" noChangeAspect="1"/>
           </p:cNvPicPr>
@@ -4171,8 +5154,8 @@
         </p:blipFill>
         <p:spPr bwMode="auto">
           <a:xfrm>
-            <a:off x="3860800" y="203200"/>
-            <a:ext cx="4508500" cy="4381500"/>
+            <a:off x="558800" y="1193800"/>
+            <a:ext cx="3835400" cy="2882900"/>
           </a:xfrm>
           <a:prstGeom prst="rect">
             <a:avLst/>
@@ -4185,8 +5168,539 @@
           </a:ln>
         </p:spPr>
       </p:pic>
+      <p:sp>
+        <p:nvSpPr>
+          <p:cNvPr id="1" name="TextBox 3"/>
+          <p:cNvSpPr txBox="1"/>
+          <p:nvPr/>
+        </p:nvSpPr>
+        <p:spPr>
+          <a:xfrm>
+            <a:off x="457200" y="4076700"/>
+            <a:ext cx="4038600" cy="508000"/>
+          </a:xfrm>
+          <a:prstGeom prst="rect">
+            <a:avLst/>
+          </a:prstGeom>
+          <a:noFill/>
+        </p:spPr>
+        <p:txBody>
+          <a:bodyPr/>
+          <a:lstStyle/>
+          <a:p>
+            <a:pPr lvl="0" indent="0" marL="0" algn="ctr">
+              <a:buNone/>
+            </a:pPr>
+            <a:r>
+              <a:rPr/>
+              <a:t>The content value chain from David Robinson’s (@drrob) Tweet</a:t>
+            </a:r>
+          </a:p>
+        </p:txBody>
+      </p:sp>
+      <p:sp>
+        <p:nvSpPr>
+          <p:cNvPr id="4" name="Content Placeholder 3"/>
+          <p:cNvSpPr>
+            <a:spLocks noGrp="1"/>
+          </p:cNvSpPr>
+          <p:nvPr>
+            <p:ph idx="2" sz="half"/>
+          </p:nvPr>
+        </p:nvSpPr>
+        <p:spPr/>
+        <p:txBody>
+          <a:bodyPr/>
+          <a:lstStyle/>
+          <a:p>
+            <a:pPr lvl="0"/>
+            <a:r>
+              <a:rPr/>
+              <a:t>Gets things out of my computer </a:t>
+            </a:r>
+            <a:r>
+              <a:rPr b="1"/>
+              <a:t>fast</a:t>
+            </a:r>
+          </a:p>
+          <a:p>
+            <a:pPr lvl="0"/>
+            <a:r>
+              <a:rPr/>
+              <a:t>Reproducible</a:t>
+            </a:r>
+          </a:p>
+          <a:p>
+            <a:pPr lvl="0"/>
+            <a:r>
+              <a:rPr/>
+              <a:t>Git-based collaboration</a:t>
+            </a:r>
+          </a:p>
+          <a:p>
+            <a:pPr lvl="0"/>
+            <a:r>
+              <a:rPr/>
+              <a:t>Write once, generate:</a:t>
+            </a:r>
+          </a:p>
+          <a:p>
+            <a:pPr lvl="1"/>
+            <a:r>
+              <a:rPr/>
+              <a:t>Code</a:t>
+            </a:r>
+          </a:p>
+          <a:p>
+            <a:pPr lvl="1"/>
+            <a:r>
+              <a:rPr/>
+              <a:t>Paper</a:t>
+            </a:r>
+          </a:p>
+          <a:p>
+            <a:pPr lvl="1"/>
+            <a:r>
+              <a:rPr/>
+              <a:t>PowerPoint</a:t>
+            </a:r>
+          </a:p>
+          <a:p>
+            <a:pPr lvl="1"/>
+            <a:r>
+              <a:rPr/>
+              <a:t>Site/documentation</a:t>
+            </a:r>
+          </a:p>
+        </p:txBody>
+      </p:sp>
     </p:spTree>
   </p:cSld>
+  <p:timing>
+    <p:tnLst>
+      <p:par>
+        <p:cTn id="1" dur="indefinite" restart="never" nodeType="tmRoot">
+          <p:childTnLst>
+            <p:seq concurrent="1" nextAc="seek">
+              <p:cTn id="2" dur="indefinite" nodeType="mainSeq">
+                <p:childTnLst>
+                  <p:par>
+                    <p:cTn id="3" fill="hold">
+                      <p:stCondLst>
+                        <p:cond delay="indefinite"/>
+                      </p:stCondLst>
+                      <p:childTnLst>
+                        <p:par>
+                          <p:cTn id="4" fill="hold">
+                            <p:stCondLst>
+                              <p:cond delay="0"/>
+                            </p:stCondLst>
+                            <p:childTnLst>
+                              <p:par>
+                                <p:cTn id="5" presetID="1" presetClass="entr" presetSubtype="0" fill="hold" grpId="0" nodeType="clickEffect">
+                                  <p:stCondLst>
+                                    <p:cond delay="0"/>
+                                  </p:stCondLst>
+                                  <p:childTnLst>
+                                    <p:set>
+                                      <p:cBhvr>
+                                        <p:cTn id="6" dur="1" fill="hold">
+                                          <p:stCondLst>
+                                            <p:cond delay="0"/>
+                                          </p:stCondLst>
+                                        </p:cTn>
+                                        <p:tgtEl>
+                                          <p:spTgt spid="4">
+                                            <p:txEl>
+                                              <p:pRg st="0" end="0"/>
+                                            </p:txEl>
+                                          </p:spTgt>
+                                        </p:tgtEl>
+                                        <p:attrNameLst>
+                                          <p:attrName>style.visibility</p:attrName>
+                                        </p:attrNameLst>
+                                      </p:cBhvr>
+                                      <p:to>
+                                        <p:strVal val="visible"/>
+                                      </p:to>
+                                    </p:set>
+                                  </p:childTnLst>
+                                </p:cTn>
+                              </p:par>
+                            </p:childTnLst>
+                          </p:cTn>
+                        </p:par>
+                      </p:childTnLst>
+                    </p:cTn>
+                  </p:par>
+                  <p:par>
+                    <p:cTn id="7" fill="hold">
+                      <p:stCondLst>
+                        <p:cond delay="indefinite"/>
+                      </p:stCondLst>
+                      <p:childTnLst>
+                        <p:par>
+                          <p:cTn id="8" fill="hold">
+                            <p:stCondLst>
+                              <p:cond delay="0"/>
+                            </p:stCondLst>
+                            <p:childTnLst>
+                              <p:par>
+                                <p:cTn id="9" presetID="1" presetClass="entr" presetSubtype="0" fill="hold" grpId="0" nodeType="clickEffect">
+                                  <p:stCondLst>
+                                    <p:cond delay="0"/>
+                                  </p:stCondLst>
+                                  <p:childTnLst>
+                                    <p:set>
+                                      <p:cBhvr>
+                                        <p:cTn id="10" dur="1" fill="hold">
+                                          <p:stCondLst>
+                                            <p:cond delay="0"/>
+                                          </p:stCondLst>
+                                        </p:cTn>
+                                        <p:tgtEl>
+                                          <p:spTgt spid="4">
+                                            <p:txEl>
+                                              <p:pRg st="1" end="1"/>
+                                            </p:txEl>
+                                          </p:spTgt>
+                                        </p:tgtEl>
+                                        <p:attrNameLst>
+                                          <p:attrName>style.visibility</p:attrName>
+                                        </p:attrNameLst>
+                                      </p:cBhvr>
+                                      <p:to>
+                                        <p:strVal val="visible"/>
+                                      </p:to>
+                                    </p:set>
+                                  </p:childTnLst>
+                                </p:cTn>
+                              </p:par>
+                            </p:childTnLst>
+                          </p:cTn>
+                        </p:par>
+                      </p:childTnLst>
+                    </p:cTn>
+                  </p:par>
+                  <p:par>
+                    <p:cTn id="11" fill="hold">
+                      <p:stCondLst>
+                        <p:cond delay="indefinite"/>
+                      </p:stCondLst>
+                      <p:childTnLst>
+                        <p:par>
+                          <p:cTn id="12" fill="hold">
+                            <p:stCondLst>
+                              <p:cond delay="0"/>
+                            </p:stCondLst>
+                            <p:childTnLst>
+                              <p:par>
+                                <p:cTn id="13" presetID="1" presetClass="entr" presetSubtype="0" fill="hold" grpId="0" nodeType="clickEffect">
+                                  <p:stCondLst>
+                                    <p:cond delay="0"/>
+                                  </p:stCondLst>
+                                  <p:childTnLst>
+                                    <p:set>
+                                      <p:cBhvr>
+                                        <p:cTn id="14" dur="1" fill="hold">
+                                          <p:stCondLst>
+                                            <p:cond delay="0"/>
+                                          </p:stCondLst>
+                                        </p:cTn>
+                                        <p:tgtEl>
+                                          <p:spTgt spid="4">
+                                            <p:txEl>
+                                              <p:pRg st="2" end="2"/>
+                                            </p:txEl>
+                                          </p:spTgt>
+                                        </p:tgtEl>
+                                        <p:attrNameLst>
+                                          <p:attrName>style.visibility</p:attrName>
+                                        </p:attrNameLst>
+                                      </p:cBhvr>
+                                      <p:to>
+                                        <p:strVal val="visible"/>
+                                      </p:to>
+                                    </p:set>
+                                  </p:childTnLst>
+                                </p:cTn>
+                              </p:par>
+                            </p:childTnLst>
+                          </p:cTn>
+                        </p:par>
+                      </p:childTnLst>
+                    </p:cTn>
+                  </p:par>
+                  <p:par>
+                    <p:cTn id="15" fill="hold">
+                      <p:stCondLst>
+                        <p:cond delay="indefinite"/>
+                      </p:stCondLst>
+                      <p:childTnLst>
+                        <p:par>
+                          <p:cTn id="16" fill="hold">
+                            <p:stCondLst>
+                              <p:cond delay="0"/>
+                            </p:stCondLst>
+                            <p:childTnLst>
+                              <p:par>
+                                <p:cTn id="17" presetID="1" presetClass="entr" presetSubtype="0" fill="hold" grpId="0" nodeType="clickEffect">
+                                  <p:stCondLst>
+                                    <p:cond delay="0"/>
+                                  </p:stCondLst>
+                                  <p:childTnLst>
+                                    <p:set>
+                                      <p:cBhvr>
+                                        <p:cTn id="18" dur="1" fill="hold">
+                                          <p:stCondLst>
+                                            <p:cond delay="0"/>
+                                          </p:stCondLst>
+                                        </p:cTn>
+                                        <p:tgtEl>
+                                          <p:spTgt spid="4">
+                                            <p:txEl>
+                                              <p:pRg st="3" end="3"/>
+                                            </p:txEl>
+                                          </p:spTgt>
+                                        </p:tgtEl>
+                                        <p:attrNameLst>
+                                          <p:attrName>style.visibility</p:attrName>
+                                        </p:attrNameLst>
+                                      </p:cBhvr>
+                                      <p:to>
+                                        <p:strVal val="visible"/>
+                                      </p:to>
+                                    </p:set>
+                                  </p:childTnLst>
+                                </p:cTn>
+                              </p:par>
+                            </p:childTnLst>
+                          </p:cTn>
+                        </p:par>
+                      </p:childTnLst>
+                    </p:cTn>
+                  </p:par>
+                  <p:par>
+                    <p:cTn id="19" fill="hold">
+                      <p:stCondLst>
+                        <p:cond delay="indefinite"/>
+                      </p:stCondLst>
+                      <p:childTnLst>
+                        <p:par>
+                          <p:cTn id="20" fill="hold">
+                            <p:stCondLst>
+                              <p:cond delay="0"/>
+                            </p:stCondLst>
+                            <p:childTnLst>
+                              <p:par>
+                                <p:cTn id="21" presetID="1" presetClass="entr" presetSubtype="0" fill="hold" grpId="0" nodeType="clickEffect">
+                                  <p:stCondLst>
+                                    <p:cond delay="0"/>
+                                  </p:stCondLst>
+                                  <p:childTnLst>
+                                    <p:set>
+                                      <p:cBhvr>
+                                        <p:cTn id="22" dur="1" fill="hold">
+                                          <p:stCondLst>
+                                            <p:cond delay="0"/>
+                                          </p:stCondLst>
+                                        </p:cTn>
+                                        <p:tgtEl>
+                                          <p:spTgt spid="4">
+                                            <p:txEl>
+                                              <p:pRg st="4" end="4"/>
+                                            </p:txEl>
+                                          </p:spTgt>
+                                        </p:tgtEl>
+                                        <p:attrNameLst>
+                                          <p:attrName>style.visibility</p:attrName>
+                                        </p:attrNameLst>
+                                      </p:cBhvr>
+                                      <p:to>
+                                        <p:strVal val="visible"/>
+                                      </p:to>
+                                    </p:set>
+                                  </p:childTnLst>
+                                </p:cTn>
+                              </p:par>
+                            </p:childTnLst>
+                          </p:cTn>
+                        </p:par>
+                      </p:childTnLst>
+                    </p:cTn>
+                  </p:par>
+                  <p:par>
+                    <p:cTn id="23" fill="hold">
+                      <p:stCondLst>
+                        <p:cond delay="indefinite"/>
+                      </p:stCondLst>
+                      <p:childTnLst>
+                        <p:par>
+                          <p:cTn id="24" fill="hold">
+                            <p:stCondLst>
+                              <p:cond delay="0"/>
+                            </p:stCondLst>
+                            <p:childTnLst>
+                              <p:par>
+                                <p:cTn id="25" presetID="1" presetClass="entr" presetSubtype="0" fill="hold" grpId="0" nodeType="clickEffect">
+                                  <p:stCondLst>
+                                    <p:cond delay="0"/>
+                                  </p:stCondLst>
+                                  <p:childTnLst>
+                                    <p:set>
+                                      <p:cBhvr>
+                                        <p:cTn id="26" dur="1" fill="hold">
+                                          <p:stCondLst>
+                                            <p:cond delay="0"/>
+                                          </p:stCondLst>
+                                        </p:cTn>
+                                        <p:tgtEl>
+                                          <p:spTgt spid="4">
+                                            <p:txEl>
+                                              <p:pRg st="5" end="5"/>
+                                            </p:txEl>
+                                          </p:spTgt>
+                                        </p:tgtEl>
+                                        <p:attrNameLst>
+                                          <p:attrName>style.visibility</p:attrName>
+                                        </p:attrNameLst>
+                                      </p:cBhvr>
+                                      <p:to>
+                                        <p:strVal val="visible"/>
+                                      </p:to>
+                                    </p:set>
+                                  </p:childTnLst>
+                                </p:cTn>
+                              </p:par>
+                            </p:childTnLst>
+                          </p:cTn>
+                        </p:par>
+                      </p:childTnLst>
+                    </p:cTn>
+                  </p:par>
+                  <p:par>
+                    <p:cTn id="27" fill="hold">
+                      <p:stCondLst>
+                        <p:cond delay="indefinite"/>
+                      </p:stCondLst>
+                      <p:childTnLst>
+                        <p:par>
+                          <p:cTn id="28" fill="hold">
+                            <p:stCondLst>
+                              <p:cond delay="0"/>
+                            </p:stCondLst>
+                            <p:childTnLst>
+                              <p:par>
+                                <p:cTn id="29" presetID="1" presetClass="entr" presetSubtype="0" fill="hold" grpId="0" nodeType="clickEffect">
+                                  <p:stCondLst>
+                                    <p:cond delay="0"/>
+                                  </p:stCondLst>
+                                  <p:childTnLst>
+                                    <p:set>
+                                      <p:cBhvr>
+                                        <p:cTn id="30" dur="1" fill="hold">
+                                          <p:stCondLst>
+                                            <p:cond delay="0"/>
+                                          </p:stCondLst>
+                                        </p:cTn>
+                                        <p:tgtEl>
+                                          <p:spTgt spid="4">
+                                            <p:txEl>
+                                              <p:pRg st="6" end="6"/>
+                                            </p:txEl>
+                                          </p:spTgt>
+                                        </p:tgtEl>
+                                        <p:attrNameLst>
+                                          <p:attrName>style.visibility</p:attrName>
+                                        </p:attrNameLst>
+                                      </p:cBhvr>
+                                      <p:to>
+                                        <p:strVal val="visible"/>
+                                      </p:to>
+                                    </p:set>
+                                  </p:childTnLst>
+                                </p:cTn>
+                              </p:par>
+                            </p:childTnLst>
+                          </p:cTn>
+                        </p:par>
+                      </p:childTnLst>
+                    </p:cTn>
+                  </p:par>
+                  <p:par>
+                    <p:cTn id="31" fill="hold">
+                      <p:stCondLst>
+                        <p:cond delay="indefinite"/>
+                      </p:stCondLst>
+                      <p:childTnLst>
+                        <p:par>
+                          <p:cTn id="32" fill="hold">
+                            <p:stCondLst>
+                              <p:cond delay="0"/>
+                            </p:stCondLst>
+                            <p:childTnLst>
+                              <p:par>
+                                <p:cTn id="33" presetID="1" presetClass="entr" presetSubtype="0" fill="hold" grpId="0" nodeType="clickEffect">
+                                  <p:stCondLst>
+                                    <p:cond delay="0"/>
+                                  </p:stCondLst>
+                                  <p:childTnLst>
+                                    <p:set>
+                                      <p:cBhvr>
+                                        <p:cTn id="34" dur="1" fill="hold">
+                                          <p:stCondLst>
+                                            <p:cond delay="0"/>
+                                          </p:stCondLst>
+                                        </p:cTn>
+                                        <p:tgtEl>
+                                          <p:spTgt spid="4">
+                                            <p:txEl>
+                                              <p:pRg st="7" end="7"/>
+                                            </p:txEl>
+                                          </p:spTgt>
+                                        </p:tgtEl>
+                                        <p:attrNameLst>
+                                          <p:attrName>style.visibility</p:attrName>
+                                        </p:attrNameLst>
+                                      </p:cBhvr>
+                                      <p:to>
+                                        <p:strVal val="visible"/>
+                                      </p:to>
+                                    </p:set>
+                                  </p:childTnLst>
+                                </p:cTn>
+                              </p:par>
+                            </p:childTnLst>
+                          </p:cTn>
+                        </p:par>
+                      </p:childTnLst>
+                    </p:cTn>
+                  </p:par>
+                </p:childTnLst>
+              </p:cTn>
+              <p:prevCondLst>
+                <p:cond evt="onPrev" delay="0">
+                  <p:tgtEl>
+                    <p:sldTgt/>
+                  </p:tgtEl>
+                </p:cond>
+              </p:prevCondLst>
+              <p:nextCondLst>
+                <p:cond evt="onNext" delay="0">
+                  <p:tgtEl>
+                    <p:sldTgt/>
+                  </p:tgtEl>
+                </p:cond>
+              </p:nextCondLst>
+            </p:seq>
+          </p:childTnLst>
+        </p:cTn>
+      </p:par>
+    </p:tnLst>
+    <p:bldLst>
+      <p:bldP spid="4" grpId="0" uiExpand="1" build="p"/>
+    </p:bldLst>
+  </p:timing>
 </p:sld>
 </file>
 
@@ -4227,7 +5741,7 @@
             </a:pPr>
             <a:r>
               <a:rPr/>
-              <a:t>Presentations</a:t>
+              <a:t>Also… the population project</a:t>
             </a:r>
           </a:p>
         </p:txBody>
@@ -4239,7 +5753,7 @@
             <a:spLocks noGrp="1"/>
           </p:cNvSpPr>
           <p:nvPr>
-            <p:ph idx="1"/>
+            <p:ph idx="1" sz="half"/>
           </p:nvPr>
         </p:nvSpPr>
         <p:spPr/>
@@ -4255,56 +5769,100 @@
             </a:pPr>
             <a:r>
               <a:rPr b="1"/>
-              <a:t>Things that you can add to a template</a:t>
+              <a:t>Goals and questions</a:t>
+            </a:r>
+          </a:p>
+          <a:p>
+            <a:pPr lvl="0" indent="0" marL="0">
+              <a:buNone/>
+            </a:pPr>
+            <a:r>
+              <a:rPr/>
+              <a:t>Explore the consequences of the decline in population predicted to start at around 2100 for the world, but earlier in developed nations.</a:t>
             </a:r>
           </a:p>
           <a:p>
             <a:pPr lvl="0"/>
             <a:r>
               <a:rPr/>
-              <a:t>Title Slide</a:t>
+              <a:t>What are the economic impacts?</a:t>
             </a:r>
           </a:p>
           <a:p>
             <a:pPr lvl="0"/>
             <a:r>
               <a:rPr/>
-              <a:t>Title and Content</a:t>
+              <a:t>What should governments do?</a:t>
+            </a:r>
+          </a:p>
+        </p:txBody>
+      </p:sp>
+      <p:sp>
+        <p:nvSpPr>
+          <p:cNvPr id="4" name="Content Placeholder 3"/>
+          <p:cNvSpPr>
+            <a:spLocks noGrp="1"/>
+          </p:cNvSpPr>
+          <p:nvPr>
+            <p:ph idx="2" sz="half"/>
+          </p:nvPr>
+        </p:nvSpPr>
+        <p:spPr/>
+        <p:txBody>
+          <a:bodyPr/>
+          <a:lstStyle/>
+          <a:p>
+            <a:pPr lvl="0" indent="0" marL="0">
+              <a:spcBef>
+                <a:spcPts val="3000"/>
+              </a:spcBef>
+              <a:buNone/>
+            </a:pPr>
+            <a:r>
+              <a:rPr b="1"/>
+              <a:t>Challenges</a:t>
             </a:r>
           </a:p>
           <a:p>
             <a:pPr lvl="0"/>
             <a:r>
               <a:rPr/>
-              <a:t>Section Header</a:t>
+              <a:t>Unknown collaborators at the start</a:t>
             </a:r>
           </a:p>
           <a:p>
             <a:pPr lvl="0"/>
             <a:r>
               <a:rPr/>
-              <a:t>Two Content</a:t>
+              <a:t>Need to go “wide” rather than “deep”</a:t>
             </a:r>
           </a:p>
           <a:p>
             <a:pPr lvl="0"/>
             <a:r>
               <a:rPr/>
-              <a:t>Comparison</a:t>
+              <a:t>May need to pivot fast</a:t>
             </a:r>
           </a:p>
           <a:p>
             <a:pPr lvl="0"/>
             <a:r>
               <a:rPr/>
-              <a:t>Content with Caption</a:t>
+              <a:t>May need to generate data on demand</a:t>
+            </a:r>
+          </a:p>
+          <a:p>
+            <a:pPr lvl="1"/>
+            <a:r>
+              <a:rPr/>
+              <a:t>Show graphs for country X, Y and Z</a:t>
             </a:r>
           </a:p>
           <a:p>
             <a:pPr lvl="0"/>
             <a:r>
               <a:rPr/>
-              <a:t>Blank</a:t>
+              <a:t>Generate code, paper, PowerPoint</a:t>
             </a:r>
           </a:p>
         </p:txBody>
@@ -4351,7 +5909,7 @@
             </a:pPr>
             <a:r>
               <a:rPr/>
-              <a:t>Projects</a:t>
+              <a:t>In the last 20 years, I tried many tools…</a:t>
             </a:r>
           </a:p>
         </p:txBody>
@@ -4363,6 +5921,254 @@
             <a:spLocks noGrp="1"/>
           </p:cNvSpPr>
           <p:nvPr>
+            <p:ph idx="1" sz="half"/>
+          </p:nvPr>
+        </p:nvSpPr>
+        <p:spPr/>
+        <p:txBody>
+          <a:bodyPr/>
+          <a:lstStyle/>
+          <a:p>
+            <a:pPr lvl="0" indent="0" marL="0">
+              <a:spcBef>
+                <a:spcPts val="3000"/>
+              </a:spcBef>
+              <a:buNone/>
+            </a:pPr>
+            <a:r>
+              <a:rPr b="1"/>
+              <a:t>LaTeX</a:t>
+            </a:r>
+          </a:p>
+          <a:p>
+            <a:pPr lvl="0"/>
+            <a:r>
+              <a:rPr/>
+              <a:t>Great for PDFs… Ok, Beamer!</a:t>
+            </a:r>
+          </a:p>
+          <a:p>
+            <a:pPr lvl="0"/>
+            <a:r>
+              <a:rPr/>
+              <a:t>Website generation is not great</a:t>
+            </a:r>
+          </a:p>
+          <a:p>
+            <a:pPr lvl="0"/>
+            <a:r>
+              <a:rPr/>
+              <a:t>I even know how to write code!</a:t>
+            </a:r>
+          </a:p>
+          <a:p>
+            <a:pPr lvl="1"/>
+            <a:r>
+              <a:rPr>
+                <a:latin typeface="Courier"/>
+              </a:rPr>
+              <a:t>\usepackage{ifthen}</a:t>
+            </a:r>
+          </a:p>
+          <a:p>
+            <a:pPr lvl="1"/>
+            <a:r>
+              <a:rPr>
+                <a:latin typeface="Courier"/>
+              </a:rPr>
+              <a:t>@for</a:t>
+            </a:r>
+            <a:r>
+              <a:rPr/>
+              <a:t>, </a:t>
+            </a:r>
+            <a:r>
+              <a:rPr>
+                <a:latin typeface="Courier"/>
+              </a:rPr>
+              <a:t>@while</a:t>
+            </a:r>
+          </a:p>
+          <a:p>
+            <a:pPr lvl="0" indent="0" marL="0">
+              <a:spcBef>
+                <a:spcPts val="3000"/>
+              </a:spcBef>
+              <a:buNone/>
+            </a:pPr>
+            <a:r>
+              <a:rPr b="1"/>
+              <a:t>Word/PPT</a:t>
+            </a:r>
+          </a:p>
+          <a:p>
+            <a:pPr lvl="0"/>
+            <a:r>
+              <a:rPr/>
+              <a:t>Hard to collaborate before O365</a:t>
+            </a:r>
+          </a:p>
+          <a:p>
+            <a:pPr lvl="0"/>
+            <a:r>
+              <a:rPr/>
+              <a:t>Hard to reproduce / auto-generate</a:t>
+            </a:r>
+          </a:p>
+        </p:txBody>
+      </p:sp>
+      <p:sp>
+        <p:nvSpPr>
+          <p:cNvPr id="4" name="Content Placeholder 3"/>
+          <p:cNvSpPr>
+            <a:spLocks noGrp="1"/>
+          </p:cNvSpPr>
+          <p:nvPr>
+            <p:ph idx="2" sz="half"/>
+          </p:nvPr>
+        </p:nvSpPr>
+        <p:spPr/>
+        <p:txBody>
+          <a:bodyPr/>
+          <a:lstStyle/>
+          <a:p>
+            <a:pPr lvl="0" indent="0" marL="0">
+              <a:spcBef>
+                <a:spcPts val="3000"/>
+              </a:spcBef>
+              <a:buNone/>
+            </a:pPr>
+            <a:r>
+              <a:rPr b="1"/>
+              <a:t>Jekyll</a:t>
+            </a:r>
+          </a:p>
+          <a:p>
+            <a:pPr lvl="0"/>
+            <a:r>
+              <a:rPr/>
+              <a:t>Great for sites</a:t>
+            </a:r>
+          </a:p>
+          <a:p>
+            <a:pPr lvl="0"/>
+            <a:r>
+              <a:rPr/>
+              <a:t>Not great for PPT, papers</a:t>
+            </a:r>
+          </a:p>
+          <a:p>
+            <a:pPr lvl="0" indent="0" marL="0">
+              <a:spcBef>
+                <a:spcPts val="3000"/>
+              </a:spcBef>
+              <a:buNone/>
+            </a:pPr>
+            <a:r>
+              <a:rPr b="1"/>
+              <a:t>RMarkdown</a:t>
+            </a:r>
+          </a:p>
+          <a:p>
+            <a:pPr lvl="0"/>
+            <a:r>
+              <a:rPr/>
+              <a:t>Great PDFs</a:t>
+            </a:r>
+          </a:p>
+          <a:p>
+            <a:pPr lvl="0"/>
+            <a:r>
+              <a:rPr/>
+              <a:t>Mostly good presentations</a:t>
+            </a:r>
+          </a:p>
+          <a:p>
+            <a:pPr lvl="0"/>
+            <a:r>
+              <a:rPr/>
+              <a:t>Hugo and </a:t>
+            </a:r>
+            <a:r>
+              <a:rPr>
+                <a:latin typeface="Courier"/>
+              </a:rPr>
+              <a:t>blogdown</a:t>
+            </a:r>
+            <a:r>
+              <a:rPr/>
+              <a:t> work well</a:t>
+            </a:r>
+          </a:p>
+          <a:p>
+            <a:pPr lvl="0"/>
+            <a:r>
+              <a:rPr/>
+              <a:t>Need to learn </a:t>
+            </a:r>
+            <a:r>
+              <a:rPr>
+                <a:latin typeface="Courier"/>
+              </a:rPr>
+              <a:t>R</a:t>
+            </a:r>
+          </a:p>
+        </p:txBody>
+      </p:sp>
+    </p:spTree>
+  </p:cSld>
+</p:sld>
+</file>
+
+<file path=ppt/slides/slide6.xml><?xml version="1.0" encoding="utf-8"?>
+<p:sld xmlns:a="http://schemas.openxmlformats.org/drawingml/2006/main" xmlns:r="http://schemas.openxmlformats.org/officeDocument/2006/relationships" xmlns:p="http://schemas.openxmlformats.org/presentationml/2006/main">
+  <p:cSld>
+    <p:spTree>
+      <p:nvGrpSpPr>
+        <p:cNvPr id="1" name=""/>
+        <p:cNvGrpSpPr/>
+        <p:nvPr/>
+      </p:nvGrpSpPr>
+      <p:grpSpPr>
+        <a:xfrm>
+          <a:off x="0" y="0"/>
+          <a:ext cx="0" cy="0"/>
+          <a:chOff x="0" y="0"/>
+          <a:chExt cx="0" cy="0"/>
+        </a:xfrm>
+      </p:grpSpPr>
+      <p:sp>
+        <p:nvSpPr>
+          <p:cNvPr id="2" name="Title 1"/>
+          <p:cNvSpPr>
+            <a:spLocks noGrp="1"/>
+          </p:cNvSpPr>
+          <p:nvPr>
+            <p:ph type="title"/>
+          </p:nvPr>
+        </p:nvSpPr>
+        <p:spPr/>
+        <p:txBody>
+          <a:bodyPr/>
+          <a:lstStyle/>
+          <a:p>
+            <a:pPr lvl="0" indent="0" marL="0">
+              <a:buNone/>
+            </a:pPr>
+            <a:r>
+              <a:rPr/>
+              <a:t>Quarto</a:t>
+            </a:r>
+          </a:p>
+        </p:txBody>
+      </p:sp>
+      <p:sp>
+        <p:nvSpPr>
+          <p:cNvPr id="3" name="Content Placeholder 2"/>
+          <p:cNvSpPr>
+            <a:spLocks noGrp="1"/>
+          </p:cNvSpPr>
+          <p:nvPr>
             <p:ph idx="1"/>
           </p:nvPr>
         </p:nvSpPr>
@@ -4376,7 +6182,364 @@
             </a:pPr>
             <a:r>
               <a:rPr/>
-              <a:t>You can use Quarto to generate the whole shebang!</a:t>
+              <a:t>Quarto is </a:t>
+            </a:r>
+            <a:r>
+              <a:rPr>
+                <a:latin typeface="Courier"/>
+              </a:rPr>
+              <a:t>pandoc</a:t>
+            </a:r>
+            <a:r>
+              <a:rPr/>
+              <a:t> on steroids, and solves a lot of problems.</a:t>
+            </a:r>
+          </a:p>
+        </p:txBody>
+      </p:sp>
+    </p:spTree>
+  </p:cSld>
+</p:sld>
+</file>
+
+<file path=ppt/slides/slide7.xml><?xml version="1.0" encoding="utf-8"?>
+<p:sld xmlns:a="http://schemas.openxmlformats.org/drawingml/2006/main" xmlns:r="http://schemas.openxmlformats.org/officeDocument/2006/relationships" xmlns:p="http://schemas.openxmlformats.org/presentationml/2006/main">
+  <p:cSld>
+    <p:spTree>
+      <p:nvGrpSpPr>
+        <p:cNvPr id="1" name=""/>
+        <p:cNvGrpSpPr/>
+        <p:nvPr/>
+      </p:nvGrpSpPr>
+      <p:grpSpPr>
+        <a:xfrm>
+          <a:off x="0" y="0"/>
+          <a:ext cx="0" cy="0"/>
+          <a:chOff x="0" y="0"/>
+          <a:chExt cx="0" cy="0"/>
+        </a:xfrm>
+      </p:grpSpPr>
+      <p:sp>
+        <p:nvSpPr>
+          <p:cNvPr id="3" name="Content Placeholder 2"/>
+          <p:cNvSpPr>
+            <a:spLocks noGrp="1"/>
+          </p:cNvSpPr>
+          <p:nvPr>
+            <p:ph idx="1" sz="half"/>
+          </p:nvPr>
+        </p:nvSpPr>
+        <p:spPr/>
+        <p:txBody>
+          <a:bodyPr/>
+          <a:lstStyle/>
+          <a:p>
+            <a:pPr lvl="0" indent="0" marL="0">
+              <a:spcBef>
+                <a:spcPts val="3000"/>
+              </a:spcBef>
+              <a:buNone/>
+            </a:pPr>
+            <a:r>
+              <a:rPr b="1"/>
+              <a:t>LaTeX</a:t>
+            </a:r>
+          </a:p>
+          <a:p>
+            <a:pPr lvl="0"/>
+            <a:r>
+              <a:rPr/>
+              <a:t>Great for PDFs… Ok, Beamer!</a:t>
+            </a:r>
+          </a:p>
+          <a:p>
+            <a:pPr lvl="0"/>
+            <a:r>
+              <a:rPr/>
+              <a:t>Website generation is not great</a:t>
+            </a:r>
+          </a:p>
+          <a:p>
+            <a:pPr lvl="0"/>
+            <a:r>
+              <a:rPr/>
+              <a:t>I even know how to write code!</a:t>
+            </a:r>
+          </a:p>
+          <a:p>
+            <a:pPr lvl="1"/>
+            <a:r>
+              <a:rPr>
+                <a:latin typeface="Courier"/>
+              </a:rPr>
+              <a:t>\usepackage{ifthen}</a:t>
+            </a:r>
+          </a:p>
+          <a:p>
+            <a:pPr lvl="1"/>
+            <a:r>
+              <a:rPr>
+                <a:latin typeface="Courier"/>
+              </a:rPr>
+              <a:t>@for</a:t>
+            </a:r>
+            <a:r>
+              <a:rPr/>
+              <a:t>, </a:t>
+            </a:r>
+            <a:r>
+              <a:rPr>
+                <a:latin typeface="Courier"/>
+              </a:rPr>
+              <a:t>@while</a:t>
+            </a:r>
+          </a:p>
+          <a:p>
+            <a:pPr lvl="0" indent="0" marL="0">
+              <a:spcBef>
+                <a:spcPts val="3000"/>
+              </a:spcBef>
+              <a:buNone/>
+            </a:pPr>
+            <a:r>
+              <a:rPr b="1"/>
+              <a:t>Word/PPT</a:t>
+            </a:r>
+          </a:p>
+          <a:p>
+            <a:pPr lvl="0"/>
+            <a:r>
+              <a:rPr/>
+              <a:t>Hard to collaborate before O365</a:t>
+            </a:r>
+          </a:p>
+          <a:p>
+            <a:pPr lvl="0"/>
+            <a:r>
+              <a:rPr/>
+              <a:t>Hard to reproduce / auto-generate</a:t>
+            </a:r>
+          </a:p>
+        </p:txBody>
+      </p:sp>
+      <p:sp>
+        <p:nvSpPr>
+          <p:cNvPr id="4" name="Content Placeholder 3"/>
+          <p:cNvSpPr>
+            <a:spLocks noGrp="1"/>
+          </p:cNvSpPr>
+          <p:nvPr>
+            <p:ph idx="2" sz="half"/>
+          </p:nvPr>
+        </p:nvSpPr>
+        <p:spPr/>
+        <p:txBody>
+          <a:bodyPr/>
+          <a:lstStyle/>
+          <a:p>
+            <a:pPr lvl="0" indent="0" marL="0">
+              <a:spcBef>
+                <a:spcPts val="3000"/>
+              </a:spcBef>
+              <a:buNone/>
+            </a:pPr>
+            <a:r>
+              <a:rPr b="1"/>
+              <a:t>Jekyll</a:t>
+            </a:r>
+          </a:p>
+          <a:p>
+            <a:pPr lvl="0"/>
+            <a:r>
+              <a:rPr/>
+              <a:t>Great for sites</a:t>
+            </a:r>
+          </a:p>
+          <a:p>
+            <a:pPr lvl="0"/>
+            <a:r>
+              <a:rPr/>
+              <a:t>Not great for PPT, papers</a:t>
+            </a:r>
+          </a:p>
+          <a:p>
+            <a:pPr lvl="0" indent="0" marL="0">
+              <a:spcBef>
+                <a:spcPts val="3000"/>
+              </a:spcBef>
+              <a:buNone/>
+            </a:pPr>
+            <a:r>
+              <a:rPr b="1"/>
+              <a:t>RMarkdown</a:t>
+            </a:r>
+          </a:p>
+          <a:p>
+            <a:pPr lvl="0"/>
+            <a:r>
+              <a:rPr/>
+              <a:t>Great PDFs</a:t>
+            </a:r>
+          </a:p>
+          <a:p>
+            <a:pPr lvl="0"/>
+            <a:r>
+              <a:rPr/>
+              <a:t>Mostly good presentations</a:t>
+            </a:r>
+          </a:p>
+          <a:p>
+            <a:pPr lvl="0"/>
+            <a:r>
+              <a:rPr/>
+              <a:t>Hugo and </a:t>
+            </a:r>
+            <a:r>
+              <a:rPr>
+                <a:latin typeface="Courier"/>
+              </a:rPr>
+              <a:t>blogdown</a:t>
+            </a:r>
+            <a:r>
+              <a:rPr/>
+              <a:t> work well</a:t>
+            </a:r>
+          </a:p>
+          <a:p>
+            <a:pPr lvl="0"/>
+            <a:r>
+              <a:rPr/>
+              <a:t>Need to learn </a:t>
+            </a:r>
+            <a:r>
+              <a:rPr>
+                <a:latin typeface="Courier"/>
+              </a:rPr>
+              <a:t>R</a:t>
+            </a:r>
+          </a:p>
+        </p:txBody>
+      </p:sp>
+    </p:spTree>
+  </p:cSld>
+</p:sld>
+</file>
+
+<file path=ppt/slides/slide8.xml><?xml version="1.0" encoding="utf-8"?>
+<p:sld xmlns:a="http://schemas.openxmlformats.org/drawingml/2006/main" xmlns:r="http://schemas.openxmlformats.org/officeDocument/2006/relationships" xmlns:p="http://schemas.openxmlformats.org/presentationml/2006/main">
+  <p:cSld>
+    <p:spTree>
+      <p:nvGrpSpPr>
+        <p:cNvPr id="1" name=""/>
+        <p:cNvGrpSpPr/>
+        <p:nvPr/>
+      </p:nvGrpSpPr>
+      <p:grpSpPr>
+        <a:xfrm>
+          <a:off x="0" y="0"/>
+          <a:ext cx="0" cy="0"/>
+          <a:chOff x="0" y="0"/>
+          <a:chExt cx="0" cy="0"/>
+        </a:xfrm>
+      </p:grpSpPr>
+      <p:sp>
+        <p:nvSpPr>
+          <p:cNvPr id="2" name="Title 1"/>
+          <p:cNvSpPr>
+            <a:spLocks noGrp="1"/>
+          </p:cNvSpPr>
+          <p:nvPr>
+            <p:ph type="title"/>
+          </p:nvPr>
+        </p:nvSpPr>
+        <p:spPr>
+          <a:xfrm>
+            <a:off x="722313" y="3305176"/>
+            <a:ext cx="7772400" cy="1021556"/>
+          </a:xfrm>
+        </p:spPr>
+        <p:txBody>
+          <a:bodyPr/>
+          <a:lstStyle/>
+          <a:p>
+            <a:pPr lvl="0" indent="0" marL="0">
+              <a:buNone/>
+            </a:pPr>
+            <a:r>
+              <a:rPr/>
+              <a:t>Articles</a:t>
+            </a:r>
+          </a:p>
+        </p:txBody>
+      </p:sp>
+    </p:spTree>
+  </p:cSld>
+</p:sld>
+</file>
+
+<file path=ppt/slides/slide9.xml><?xml version="1.0" encoding="utf-8"?>
+<p:sld xmlns:a="http://schemas.openxmlformats.org/drawingml/2006/main" xmlns:r="http://schemas.openxmlformats.org/officeDocument/2006/relationships" xmlns:p="http://schemas.openxmlformats.org/presentationml/2006/main">
+  <p:cSld>
+    <p:spTree>
+      <p:nvGrpSpPr>
+        <p:cNvPr id="1" name=""/>
+        <p:cNvGrpSpPr/>
+        <p:nvPr/>
+      </p:nvGrpSpPr>
+      <p:grpSpPr>
+        <a:xfrm>
+          <a:off x="0" y="0"/>
+          <a:ext cx="0" cy="0"/>
+          <a:chOff x="0" y="0"/>
+          <a:chExt cx="0" cy="0"/>
+        </a:xfrm>
+      </p:grpSpPr>
+      <p:sp>
+        <p:nvSpPr>
+          <p:cNvPr id="2" name="Title 1"/>
+          <p:cNvSpPr>
+            <a:spLocks noGrp="1"/>
+          </p:cNvSpPr>
+          <p:nvPr>
+            <p:ph type="title"/>
+          </p:nvPr>
+        </p:nvSpPr>
+        <p:spPr/>
+        <p:txBody>
+          <a:bodyPr/>
+          <a:lstStyle/>
+          <a:p>
+            <a:pPr lvl="0" indent="0" marL="0">
+              <a:buNone/>
+            </a:pPr>
+            <a:r>
+              <a:rPr/>
+              <a:t>Using Quarto to write articles</a:t>
+            </a:r>
+          </a:p>
+        </p:txBody>
+      </p:sp>
+      <p:sp>
+        <p:nvSpPr>
+          <p:cNvPr id="3" name="Content Placeholder 2"/>
+          <p:cNvSpPr>
+            <a:spLocks noGrp="1"/>
+          </p:cNvSpPr>
+          <p:nvPr>
+            <p:ph idx="1"/>
+          </p:nvPr>
+        </p:nvSpPr>
+        <p:spPr/>
+        <p:txBody>
+          <a:bodyPr/>
+          <a:lstStyle/>
+          <a:p>
+            <a:pPr lvl="0" indent="0" marL="0">
+              <a:buNone/>
+            </a:pPr>
+            <a:r>
+              <a:rPr/>
+              <a:t>Blah bleh blih</a:t>
             </a:r>
           </a:p>
         </p:txBody>
@@ -4723,7 +6886,7 @@
         <a:srgbClr val="E7E6E6"/>
       </a:lt2>
       <a:accent1>
-        <a:srgbClr val="5B9BD5"/>
+        <a:srgbClr val="4472C4"/>
       </a:accent1>
       <a:accent2>
         <a:srgbClr val="ED7D31"/>
@@ -4735,7 +6898,7 @@
         <a:srgbClr val="FFC000"/>
       </a:accent4>
       <a:accent5>
-        <a:srgbClr val="4472C4"/>
+        <a:srgbClr val="5B9BD5"/>
       </a:accent5>
       <a:accent6>
         <a:srgbClr val="70AD47"/>
@@ -4752,9 +6915,9 @@
         <a:latin typeface="Calibri Light" panose="020F0302020204030204"/>
         <a:ea typeface=""/>
         <a:cs typeface=""/>
-        <a:font script="Jpan" typeface="ＭＳ Ｐゴシック"/>
+        <a:font script="Jpan" typeface="游ゴシック Light"/>
         <a:font script="Hang" typeface="맑은 고딕"/>
-        <a:font script="Hans" typeface="宋体"/>
+        <a:font script="Hans" typeface="等线 Light"/>
         <a:font script="Hant" typeface="新細明體"/>
         <a:font script="Arab" typeface="Times New Roman"/>
         <a:font script="Hebr" typeface="Times New Roman"/>
@@ -4782,14 +6945,31 @@
         <a:font script="Viet" typeface="Times New Roman"/>
         <a:font script="Uigh" typeface="Microsoft Uighur"/>
         <a:font script="Geor" typeface="Sylfaen"/>
+        <a:font script="Armn" typeface="Arial"/>
+        <a:font script="Bugi" typeface="Leelawadee UI"/>
+        <a:font script="Bopo" typeface="Microsoft JhengHei"/>
+        <a:font script="Java" typeface="Javanese Text"/>
+        <a:font script="Lisu" typeface="Segoe UI"/>
+        <a:font script="Mymr" typeface="Myanmar Text"/>
+        <a:font script="Nkoo" typeface="Ebrima"/>
+        <a:font script="Olck" typeface="Nirmala UI"/>
+        <a:font script="Osma" typeface="Ebrima"/>
+        <a:font script="Phag" typeface="Phagspa"/>
+        <a:font script="Syrn" typeface="Estrangelo Edessa"/>
+        <a:font script="Syrj" typeface="Estrangelo Edessa"/>
+        <a:font script="Syre" typeface="Estrangelo Edessa"/>
+        <a:font script="Sora" typeface="Nirmala UI"/>
+        <a:font script="Tale" typeface="Microsoft Tai Le"/>
+        <a:font script="Talu" typeface="Microsoft New Tai Lue"/>
+        <a:font script="Tfng" typeface="Ebrima"/>
       </a:majorFont>
       <a:minorFont>
         <a:latin typeface="Calibri" panose="020F0502020204030204"/>
         <a:ea typeface=""/>
         <a:cs typeface=""/>
-        <a:font script="Jpan" typeface="ＭＳ Ｐゴシック"/>
+        <a:font script="Jpan" typeface="游ゴシック"/>
         <a:font script="Hang" typeface="맑은 고딕"/>
-        <a:font script="Hans" typeface="宋体"/>
+        <a:font script="Hans" typeface="等线"/>
         <a:font script="Hant" typeface="新細明體"/>
         <a:font script="Arab" typeface="Arial"/>
         <a:font script="Hebr" typeface="Arial"/>
@@ -4817,6 +6997,23 @@
         <a:font script="Viet" typeface="Arial"/>
         <a:font script="Uigh" typeface="Microsoft Uighur"/>
         <a:font script="Geor" typeface="Sylfaen"/>
+        <a:font script="Armn" typeface="Arial"/>
+        <a:font script="Bugi" typeface="Leelawadee UI"/>
+        <a:font script="Bopo" typeface="Microsoft JhengHei"/>
+        <a:font script="Java" typeface="Javanese Text"/>
+        <a:font script="Lisu" typeface="Segoe UI"/>
+        <a:font script="Mymr" typeface="Myanmar Text"/>
+        <a:font script="Nkoo" typeface="Ebrima"/>
+        <a:font script="Olck" typeface="Nirmala UI"/>
+        <a:font script="Osma" typeface="Ebrima"/>
+        <a:font script="Phag" typeface="Phagspa"/>
+        <a:font script="Syrn" typeface="Estrangelo Edessa"/>
+        <a:font script="Syrj" typeface="Estrangelo Edessa"/>
+        <a:font script="Syre" typeface="Estrangelo Edessa"/>
+        <a:font script="Sora" typeface="Nirmala UI"/>
+        <a:font script="Tale" typeface="Microsoft Tai Le"/>
+        <a:font script="Talu" typeface="Microsoft New Tai Lue"/>
+        <a:font script="Tfng" typeface="Ebrima"/>
       </a:minorFont>
     </a:fontScheme>
     <a:fmtScheme name="Office">

--- a/docs/using-quarto-ppt.pptx
+++ b/docs/using-quarto-ppt.pptx
@@ -20,6 +20,11 @@
     <p:sldId id="268" r:id="rId14"/>
     <p:sldId id="269" r:id="rId15"/>
     <p:sldId id="270" r:id="rId16"/>
+    <p:sldId id="271" r:id="rId17"/>
+    <p:sldId id="272" r:id="rId18"/>
+    <p:sldId id="273" r:id="rId19"/>
+    <p:sldId id="274" r:id="rId20"/>
+    <p:sldId id="275" r:id="rId21"/>
   </p:sldIdLst>
   <p:sldSz cx="9144000" cy="5143500" type="screen16x9"/>
   <p:notesSz cx="6858000" cy="9144000"/>
@@ -4103,13 +4108,7 @@
       </p:grpSpPr>
       <p:sp>
         <p:nvSpPr>
-          <p:cNvPr id="9" name="Title 1">
-            <a:extLst>
-              <a:ext uri="{FF2B5EF4-FFF2-40B4-BE49-F238E27FC236}">
-                <a16:creationId xmlns:a16="http://schemas.microsoft.com/office/drawing/2014/main" id="{039B6DB2-D068-C680-F293-31EEF2D13404}"/>
-              </a:ext>
-            </a:extLst>
-          </p:cNvPr>
+          <p:cNvPr id="2" name="Title 1"/>
           <p:cNvSpPr>
             <a:spLocks noGrp="1"/>
           </p:cNvSpPr>
@@ -4117,12 +4116,7 @@
             <p:ph type="title"/>
           </p:nvPr>
         </p:nvSpPr>
-        <p:spPr>
-          <a:xfrm>
-            <a:off x="457200" y="205979"/>
-            <a:ext cx="8229600" cy="857250"/>
-          </a:xfrm>
-        </p:spPr>
+        <p:spPr/>
         <p:txBody>
           <a:bodyPr/>
           <a:lstStyle/>
@@ -4132,19 +4126,19 @@
             </a:pPr>
             <a:r>
               <a:rPr/>
-              <a:t>What if I want to add code?</a:t>
-            </a:r>
-          </a:p>
-        </p:txBody>
-      </p:sp>
-      <p:sp>
-        <p:nvSpPr>
-          <p:cNvPr id="4" name="Text Placeholder 3"/>
-          <p:cNvSpPr>
-            <a:spLocks noGrp="1"/>
-          </p:cNvSpPr>
-          <p:nvPr>
-            <p:ph idx="2" sz="half" type="body"/>
+              <a:t>The basics</a:t>
+            </a:r>
+          </a:p>
+        </p:txBody>
+      </p:sp>
+      <p:sp>
+        <p:nvSpPr>
+          <p:cNvPr id="3" name="Content Placeholder 2"/>
+          <p:cNvSpPr>
+            <a:spLocks noGrp="1"/>
+          </p:cNvSpPr>
+          <p:nvPr>
+            <p:ph idx="1" sz="half"/>
           </p:nvPr>
         </p:nvSpPr>
         <p:spPr/>
@@ -4152,465 +4146,102 @@
           <a:bodyPr/>
           <a:lstStyle/>
           <a:p>
-            <a:pPr lvl="0" indent="0">
+            <a:pPr lvl="0" indent="0" marL="0">
               <a:buNone/>
             </a:pPr>
             <a:r>
+              <a:rPr/>
+              <a:t>Whether you use Quarto from </a:t>
+            </a:r>
+            <a:r>
               <a:rPr>
-                <a:solidFill>
-                  <a:srgbClr val="00769E"/>
-                </a:solidFill>
                 <a:latin typeface="Courier"/>
               </a:rPr>
-              <a:t>import</a:t>
+              <a:t>.qmd</a:t>
+            </a:r>
+            <a:r>
+              <a:rPr/>
+              <a:t>, </a:t>
             </a:r>
             <a:r>
               <a:rPr>
-                <a:solidFill>
-                  <a:srgbClr val="003B4F"/>
-                </a:solidFill>
                 <a:latin typeface="Courier"/>
               </a:rPr>
-              <a:t> numpy </a:t>
+              <a:t>.ipynb</a:t>
+            </a:r>
+            <a:r>
+              <a:rPr/>
+              <a:t>, or </a:t>
             </a:r>
             <a:r>
               <a:rPr>
-                <a:solidFill>
-                  <a:srgbClr val="00769E"/>
-                </a:solidFill>
                 <a:latin typeface="Courier"/>
               </a:rPr>
-              <a:t>as</a:t>
+              <a:t>.Rmd</a:t>
+            </a:r>
+            <a:r>
+              <a:rPr/>
+              <a:t> files, you always start with a YAML front-matter file.</a:t>
+            </a:r>
+          </a:p>
+          <a:p>
+            <a:pPr lvl="0" indent="0" marL="0">
+              <a:buNone/>
+            </a:pPr>
+            <a:r>
+              <a:rPr/>
+              <a:t>The YAML configuration determines what’s the output format of your document. A few popular output options are </a:t>
             </a:r>
             <a:r>
               <a:rPr>
-                <a:solidFill>
-                  <a:srgbClr val="003B4F"/>
-                </a:solidFill>
                 <a:latin typeface="Courier"/>
               </a:rPr>
-              <a:t> np</a:t>
-            </a:r>
-            <a:br/>
+              <a:t>html</a:t>
+            </a:r>
+            <a:r>
+              <a:rPr/>
+              <a:t>, </a:t>
+            </a:r>
             <a:r>
               <a:rPr>
-                <a:solidFill>
-                  <a:srgbClr val="00769E"/>
-                </a:solidFill>
                 <a:latin typeface="Courier"/>
               </a:rPr>
-              <a:t>import</a:t>
+              <a:t>pptx</a:t>
+            </a:r>
+            <a:r>
+              <a:rPr/>
+              <a:t>, </a:t>
             </a:r>
             <a:r>
               <a:rPr>
-                <a:solidFill>
-                  <a:srgbClr val="003B4F"/>
-                </a:solidFill>
                 <a:latin typeface="Courier"/>
               </a:rPr>
-              <a:t> matplotlib.pyplot </a:t>
+              <a:t>docx</a:t>
+            </a:r>
+            <a:r>
+              <a:rPr/>
+              <a:t>, and </a:t>
             </a:r>
             <a:r>
               <a:rPr>
-                <a:solidFill>
-                  <a:srgbClr val="00769E"/>
-                </a:solidFill>
                 <a:latin typeface="Courier"/>
               </a:rPr>
-              <a:t>as</a:t>
-            </a:r>
-            <a:r>
-              <a:rPr>
-                <a:solidFill>
-                  <a:srgbClr val="003B4F"/>
-                </a:solidFill>
-                <a:latin typeface="Courier"/>
-              </a:rPr>
-              <a:t> plt</a:t>
-            </a:r>
-            <a:br/>
-            <a:br/>
-            <a:r>
-              <a:rPr>
-                <a:solidFill>
-                  <a:srgbClr val="003B4F"/>
-                </a:solidFill>
-                <a:latin typeface="Courier"/>
-              </a:rPr>
-              <a:t>r </a:t>
-            </a:r>
-            <a:r>
-              <a:rPr>
-                <a:solidFill>
-                  <a:srgbClr val="5E5E5E"/>
-                </a:solidFill>
-                <a:latin typeface="Courier"/>
-              </a:rPr>
-              <a:t>=</a:t>
-            </a:r>
-            <a:r>
-              <a:rPr>
-                <a:solidFill>
-                  <a:srgbClr val="003B4F"/>
-                </a:solidFill>
-                <a:latin typeface="Courier"/>
-              </a:rPr>
-              <a:t> np.arange(</a:t>
-            </a:r>
-            <a:r>
-              <a:rPr>
-                <a:solidFill>
-                  <a:srgbClr val="AD0000"/>
-                </a:solidFill>
-                <a:latin typeface="Courier"/>
-              </a:rPr>
-              <a:t>0</a:t>
-            </a:r>
-            <a:r>
-              <a:rPr>
-                <a:solidFill>
-                  <a:srgbClr val="003B4F"/>
-                </a:solidFill>
-                <a:latin typeface="Courier"/>
-              </a:rPr>
-              <a:t>, </a:t>
-            </a:r>
-            <a:r>
-              <a:rPr>
-                <a:solidFill>
-                  <a:srgbClr val="AD0000"/>
-                </a:solidFill>
-                <a:latin typeface="Courier"/>
-              </a:rPr>
-              <a:t>2</a:t>
-            </a:r>
-            <a:r>
-              <a:rPr>
-                <a:solidFill>
-                  <a:srgbClr val="003B4F"/>
-                </a:solidFill>
-                <a:latin typeface="Courier"/>
-              </a:rPr>
-              <a:t>, </a:t>
-            </a:r>
-            <a:r>
-              <a:rPr>
-                <a:solidFill>
-                  <a:srgbClr val="AD0000"/>
-                </a:solidFill>
-                <a:latin typeface="Courier"/>
-              </a:rPr>
-              <a:t>0.01</a:t>
-            </a:r>
-            <a:r>
-              <a:rPr>
-                <a:solidFill>
-                  <a:srgbClr val="003B4F"/>
-                </a:solidFill>
-                <a:latin typeface="Courier"/>
-              </a:rPr>
-              <a:t>)</a:t>
-            </a:r>
-            <a:br/>
-            <a:r>
-              <a:rPr>
-                <a:solidFill>
-                  <a:srgbClr val="003B4F"/>
-                </a:solidFill>
-                <a:latin typeface="Courier"/>
-              </a:rPr>
-              <a:t>theta </a:t>
-            </a:r>
-            <a:r>
-              <a:rPr>
-                <a:solidFill>
-                  <a:srgbClr val="5E5E5E"/>
-                </a:solidFill>
-                <a:latin typeface="Courier"/>
-              </a:rPr>
-              <a:t>=</a:t>
-            </a:r>
-            <a:r>
-              <a:rPr>
-                <a:solidFill>
-                  <a:srgbClr val="003B4F"/>
-                </a:solidFill>
-                <a:latin typeface="Courier"/>
-              </a:rPr>
-              <a:t> </a:t>
-            </a:r>
-            <a:r>
-              <a:rPr>
-                <a:solidFill>
-                  <a:srgbClr val="AD0000"/>
-                </a:solidFill>
-                <a:latin typeface="Courier"/>
-              </a:rPr>
-              <a:t>2</a:t>
-            </a:r>
-            <a:r>
-              <a:rPr>
-                <a:solidFill>
-                  <a:srgbClr val="003B4F"/>
-                </a:solidFill>
-                <a:latin typeface="Courier"/>
-              </a:rPr>
-              <a:t> </a:t>
-            </a:r>
-            <a:r>
-              <a:rPr>
-                <a:solidFill>
-                  <a:srgbClr val="5E5E5E"/>
-                </a:solidFill>
-                <a:latin typeface="Courier"/>
-              </a:rPr>
-              <a:t>*</a:t>
-            </a:r>
-            <a:r>
-              <a:rPr>
-                <a:solidFill>
-                  <a:srgbClr val="003B4F"/>
-                </a:solidFill>
-                <a:latin typeface="Courier"/>
-              </a:rPr>
-              <a:t> np.pi </a:t>
-            </a:r>
-            <a:r>
-              <a:rPr>
-                <a:solidFill>
-                  <a:srgbClr val="5E5E5E"/>
-                </a:solidFill>
-                <a:latin typeface="Courier"/>
-              </a:rPr>
-              <a:t>*</a:t>
-            </a:r>
-            <a:r>
-              <a:rPr>
-                <a:solidFill>
-                  <a:srgbClr val="003B4F"/>
-                </a:solidFill>
-                <a:latin typeface="Courier"/>
-              </a:rPr>
-              <a:t> r</a:t>
-            </a:r>
-            <a:br/>
-            <a:r>
-              <a:rPr>
-                <a:solidFill>
-                  <a:srgbClr val="003B4F"/>
-                </a:solidFill>
-                <a:latin typeface="Courier"/>
-              </a:rPr>
-              <a:t>fig, ax </a:t>
-            </a:r>
-            <a:r>
-              <a:rPr>
-                <a:solidFill>
-                  <a:srgbClr val="5E5E5E"/>
-                </a:solidFill>
-                <a:latin typeface="Courier"/>
-              </a:rPr>
-              <a:t>=</a:t>
-            </a:r>
-            <a:r>
-              <a:rPr>
-                <a:solidFill>
-                  <a:srgbClr val="003B4F"/>
-                </a:solidFill>
-                <a:latin typeface="Courier"/>
-              </a:rPr>
-              <a:t> plt.subplots(subplot_kw</a:t>
-            </a:r>
-            <a:r>
-              <a:rPr>
-                <a:solidFill>
-                  <a:srgbClr val="5E5E5E"/>
-                </a:solidFill>
-                <a:latin typeface="Courier"/>
-              </a:rPr>
-              <a:t>=</a:t>
-            </a:r>
-            <a:r>
-              <a:rPr>
-                <a:solidFill>
-                  <a:srgbClr val="003B4F"/>
-                </a:solidFill>
-                <a:latin typeface="Courier"/>
-              </a:rPr>
-              <a:t>{</a:t>
-            </a:r>
-            <a:r>
-              <a:rPr>
-                <a:solidFill>
-                  <a:srgbClr val="20794D"/>
-                </a:solidFill>
-                <a:latin typeface="Courier"/>
-              </a:rPr>
-              <a:t>'projection'</a:t>
-            </a:r>
-            <a:r>
-              <a:rPr>
-                <a:solidFill>
-                  <a:srgbClr val="003B4F"/>
-                </a:solidFill>
-                <a:latin typeface="Courier"/>
-              </a:rPr>
-              <a:t>: </a:t>
-            </a:r>
-            <a:r>
-              <a:rPr>
-                <a:solidFill>
-                  <a:srgbClr val="20794D"/>
-                </a:solidFill>
-                <a:latin typeface="Courier"/>
-              </a:rPr>
-              <a:t>'polar'</a:t>
-            </a:r>
-            <a:r>
-              <a:rPr>
-                <a:solidFill>
-                  <a:srgbClr val="003B4F"/>
-                </a:solidFill>
-                <a:latin typeface="Courier"/>
-              </a:rPr>
-              <a:t>})</a:t>
-            </a:r>
-            <a:br/>
-            <a:r>
-              <a:rPr>
-                <a:solidFill>
-                  <a:srgbClr val="003B4F"/>
-                </a:solidFill>
-                <a:latin typeface="Courier"/>
-              </a:rPr>
-              <a:t>ax.plot(theta, r)</a:t>
-            </a:r>
-            <a:br/>
-            <a:r>
-              <a:rPr>
-                <a:solidFill>
-                  <a:srgbClr val="003B4F"/>
-                </a:solidFill>
-                <a:latin typeface="Courier"/>
-              </a:rPr>
-              <a:t>ax.set_rticks([</a:t>
-            </a:r>
-            <a:r>
-              <a:rPr>
-                <a:solidFill>
-                  <a:srgbClr val="AD0000"/>
-                </a:solidFill>
-                <a:latin typeface="Courier"/>
-              </a:rPr>
-              <a:t>0.5</a:t>
-            </a:r>
-            <a:r>
-              <a:rPr>
-                <a:solidFill>
-                  <a:srgbClr val="003B4F"/>
-                </a:solidFill>
-                <a:latin typeface="Courier"/>
-              </a:rPr>
-              <a:t>, </a:t>
-            </a:r>
-            <a:r>
-              <a:rPr>
-                <a:solidFill>
-                  <a:srgbClr val="AD0000"/>
-                </a:solidFill>
-                <a:latin typeface="Courier"/>
-              </a:rPr>
-              <a:t>1</a:t>
-            </a:r>
-            <a:r>
-              <a:rPr>
-                <a:solidFill>
-                  <a:srgbClr val="003B4F"/>
-                </a:solidFill>
-                <a:latin typeface="Courier"/>
-              </a:rPr>
-              <a:t>, </a:t>
-            </a:r>
-            <a:r>
-              <a:rPr>
-                <a:solidFill>
-                  <a:srgbClr val="AD0000"/>
-                </a:solidFill>
-                <a:latin typeface="Courier"/>
-              </a:rPr>
-              <a:t>1.5</a:t>
-            </a:r>
-            <a:r>
-              <a:rPr>
-                <a:solidFill>
-                  <a:srgbClr val="003B4F"/>
-                </a:solidFill>
-                <a:latin typeface="Courier"/>
-              </a:rPr>
-              <a:t>, </a:t>
-            </a:r>
-            <a:r>
-              <a:rPr>
-                <a:solidFill>
-                  <a:srgbClr val="AD0000"/>
-                </a:solidFill>
-                <a:latin typeface="Courier"/>
-              </a:rPr>
-              <a:t>2</a:t>
-            </a:r>
-            <a:r>
-              <a:rPr>
-                <a:solidFill>
-                  <a:srgbClr val="003B4F"/>
-                </a:solidFill>
-                <a:latin typeface="Courier"/>
-              </a:rPr>
-              <a:t>])</a:t>
-            </a:r>
-            <a:br/>
-            <a:r>
-              <a:rPr>
-                <a:solidFill>
-                  <a:srgbClr val="003B4F"/>
-                </a:solidFill>
-                <a:latin typeface="Courier"/>
-              </a:rPr>
-              <a:t>ax.grid(</a:t>
-            </a:r>
-            <a:r>
-              <a:rPr>
-                <a:solidFill>
-                  <a:srgbClr val="111111"/>
-                </a:solidFill>
-                <a:latin typeface="Courier"/>
-              </a:rPr>
-              <a:t>True</a:t>
-            </a:r>
-            <a:r>
-              <a:rPr>
-                <a:solidFill>
-                  <a:srgbClr val="003B4F"/>
-                </a:solidFill>
-                <a:latin typeface="Courier"/>
-              </a:rPr>
-              <a:t>)</a:t>
-            </a:r>
-            <a:br/>
-            <a:r>
-              <a:rPr>
-                <a:solidFill>
-                  <a:srgbClr val="003B4F"/>
-                </a:solidFill>
-                <a:latin typeface="Courier"/>
-              </a:rPr>
-              <a:t>plt.show()</a:t>
+              <a:t>pdf</a:t>
+            </a:r>
+            <a:r>
+              <a:rPr/>
+              <a:t>. </a:t>
+            </a:r>
+            <a:r>
+              <a:rPr b="1"/>
+              <a:t>You can use a single source file to generate multiple output types.</a:t>
             </a:r>
           </a:p>
         </p:txBody>
       </p:sp>
       <p:pic>
         <p:nvPicPr>
-          <p:cNvPr descr="using-quarto-ppt_files/figure-pptx/cell-2-output-1.png" id="0" name="Picture 1"/>
+          <p:cNvPr descr="fig:  images/yaml-front-matter.png" id="0" name="Picture 1"/>
           <p:cNvPicPr>
             <a:picLocks noGrp="1" noChangeAspect="1"/>
           </p:cNvPicPr>
@@ -4624,8 +4255,8 @@
         </p:blipFill>
         <p:spPr bwMode="auto">
           <a:xfrm>
-            <a:off x="3048000" y="1689100"/>
-            <a:ext cx="3048000" cy="2984500"/>
+            <a:off x="4648200" y="1778000"/>
+            <a:ext cx="4038600" cy="1714500"/>
           </a:xfrm>
           <a:prstGeom prst="rect">
             <a:avLst/>
@@ -4638,6 +4269,36 @@
           </a:ln>
         </p:spPr>
       </p:pic>
+      <p:sp>
+        <p:nvSpPr>
+          <p:cNvPr id="1" name="TextBox 3"/>
+          <p:cNvSpPr txBox="1"/>
+          <p:nvPr/>
+        </p:nvSpPr>
+        <p:spPr>
+          <a:xfrm>
+            <a:off x="4648200" y="4076700"/>
+            <a:ext cx="4038600" cy="508000"/>
+          </a:xfrm>
+          <a:prstGeom prst="rect">
+            <a:avLst/>
+          </a:prstGeom>
+          <a:noFill/>
+        </p:spPr>
+        <p:txBody>
+          <a:bodyPr/>
+          <a:lstStyle/>
+          <a:p>
+            <a:pPr lvl="0" indent="0" marL="0" algn="ctr">
+              <a:buNone/>
+            </a:pPr>
+            <a:r>
+              <a:rPr/>
+              <a:t>YAML</a:t>
+            </a:r>
+          </a:p>
+        </p:txBody>
+      </p:sp>
     </p:spTree>
   </p:cSld>
 </p:sld>
@@ -4662,7 +4323,13 @@
       </p:grpSpPr>
       <p:sp>
         <p:nvSpPr>
-          <p:cNvPr id="2" name="Title 1"/>
+          <p:cNvPr id="9" name="Title 1">
+            <a:extLst>
+              <a:ext uri="{FF2B5EF4-FFF2-40B4-BE49-F238E27FC236}">
+                <a16:creationId xmlns:a16="http://schemas.microsoft.com/office/drawing/2014/main" id="{039B6DB2-D068-C680-F293-31EEF2D13404}"/>
+              </a:ext>
+            </a:extLst>
+          </p:cNvPr>
           <p:cNvSpPr>
             <a:spLocks noGrp="1"/>
           </p:cNvSpPr>
@@ -4672,8 +4339,8 @@
         </p:nvSpPr>
         <p:spPr>
           <a:xfrm>
-            <a:off x="722313" y="3305176"/>
-            <a:ext cx="7772400" cy="1021556"/>
+            <a:off x="457200" y="205979"/>
+            <a:ext cx="8229600" cy="857250"/>
           </a:xfrm>
         </p:spPr>
         <p:txBody>
@@ -4685,11 +4352,512 @@
             </a:pPr>
             <a:r>
               <a:rPr/>
-              <a:t>Presentations</a:t>
-            </a:r>
-          </a:p>
-        </p:txBody>
-      </p:sp>
+              <a:t>What if I want to add code?</a:t>
+            </a:r>
+          </a:p>
+        </p:txBody>
+      </p:sp>
+      <p:sp>
+        <p:nvSpPr>
+          <p:cNvPr id="4" name="Text Placeholder 3"/>
+          <p:cNvSpPr>
+            <a:spLocks noGrp="1"/>
+          </p:cNvSpPr>
+          <p:nvPr>
+            <p:ph idx="2" sz="half" type="body"/>
+          </p:nvPr>
+        </p:nvSpPr>
+        <p:spPr/>
+        <p:txBody>
+          <a:bodyPr/>
+          <a:lstStyle/>
+          <a:p>
+            <a:pPr lvl="0" indent="0">
+              <a:buNone/>
+            </a:pPr>
+            <a:r>
+              <a:rPr>
+                <a:solidFill>
+                  <a:srgbClr val="00769E"/>
+                </a:solidFill>
+                <a:latin typeface="Courier"/>
+              </a:rPr>
+              <a:t>import</a:t>
+            </a:r>
+            <a:r>
+              <a:rPr>
+                <a:solidFill>
+                  <a:srgbClr val="003B4F"/>
+                </a:solidFill>
+                <a:latin typeface="Courier"/>
+              </a:rPr>
+              <a:t> numpy </a:t>
+            </a:r>
+            <a:r>
+              <a:rPr>
+                <a:solidFill>
+                  <a:srgbClr val="00769E"/>
+                </a:solidFill>
+                <a:latin typeface="Courier"/>
+              </a:rPr>
+              <a:t>as</a:t>
+            </a:r>
+            <a:r>
+              <a:rPr>
+                <a:solidFill>
+                  <a:srgbClr val="003B4F"/>
+                </a:solidFill>
+                <a:latin typeface="Courier"/>
+              </a:rPr>
+              <a:t> np</a:t>
+            </a:r>
+            <a:br/>
+            <a:r>
+              <a:rPr>
+                <a:solidFill>
+                  <a:srgbClr val="00769E"/>
+                </a:solidFill>
+                <a:latin typeface="Courier"/>
+              </a:rPr>
+              <a:t>import</a:t>
+            </a:r>
+            <a:r>
+              <a:rPr>
+                <a:solidFill>
+                  <a:srgbClr val="003B4F"/>
+                </a:solidFill>
+                <a:latin typeface="Courier"/>
+              </a:rPr>
+              <a:t> matplotlib.pyplot </a:t>
+            </a:r>
+            <a:r>
+              <a:rPr>
+                <a:solidFill>
+                  <a:srgbClr val="00769E"/>
+                </a:solidFill>
+                <a:latin typeface="Courier"/>
+              </a:rPr>
+              <a:t>as</a:t>
+            </a:r>
+            <a:r>
+              <a:rPr>
+                <a:solidFill>
+                  <a:srgbClr val="003B4F"/>
+                </a:solidFill>
+                <a:latin typeface="Courier"/>
+              </a:rPr>
+              <a:t> plt</a:t>
+            </a:r>
+            <a:br/>
+            <a:br/>
+            <a:r>
+              <a:rPr>
+                <a:solidFill>
+                  <a:srgbClr val="003B4F"/>
+                </a:solidFill>
+                <a:latin typeface="Courier"/>
+              </a:rPr>
+              <a:t>r </a:t>
+            </a:r>
+            <a:r>
+              <a:rPr>
+                <a:solidFill>
+                  <a:srgbClr val="5E5E5E"/>
+                </a:solidFill>
+                <a:latin typeface="Courier"/>
+              </a:rPr>
+              <a:t>=</a:t>
+            </a:r>
+            <a:r>
+              <a:rPr>
+                <a:solidFill>
+                  <a:srgbClr val="003B4F"/>
+                </a:solidFill>
+                <a:latin typeface="Courier"/>
+              </a:rPr>
+              <a:t> np.arange(</a:t>
+            </a:r>
+            <a:r>
+              <a:rPr>
+                <a:solidFill>
+                  <a:srgbClr val="AD0000"/>
+                </a:solidFill>
+                <a:latin typeface="Courier"/>
+              </a:rPr>
+              <a:t>0</a:t>
+            </a:r>
+            <a:r>
+              <a:rPr>
+                <a:solidFill>
+                  <a:srgbClr val="003B4F"/>
+                </a:solidFill>
+                <a:latin typeface="Courier"/>
+              </a:rPr>
+              <a:t>, </a:t>
+            </a:r>
+            <a:r>
+              <a:rPr>
+                <a:solidFill>
+                  <a:srgbClr val="AD0000"/>
+                </a:solidFill>
+                <a:latin typeface="Courier"/>
+              </a:rPr>
+              <a:t>2</a:t>
+            </a:r>
+            <a:r>
+              <a:rPr>
+                <a:solidFill>
+                  <a:srgbClr val="003B4F"/>
+                </a:solidFill>
+                <a:latin typeface="Courier"/>
+              </a:rPr>
+              <a:t>, </a:t>
+            </a:r>
+            <a:r>
+              <a:rPr>
+                <a:solidFill>
+                  <a:srgbClr val="AD0000"/>
+                </a:solidFill>
+                <a:latin typeface="Courier"/>
+              </a:rPr>
+              <a:t>0.01</a:t>
+            </a:r>
+            <a:r>
+              <a:rPr>
+                <a:solidFill>
+                  <a:srgbClr val="003B4F"/>
+                </a:solidFill>
+                <a:latin typeface="Courier"/>
+              </a:rPr>
+              <a:t>)</a:t>
+            </a:r>
+            <a:br/>
+            <a:r>
+              <a:rPr>
+                <a:solidFill>
+                  <a:srgbClr val="003B4F"/>
+                </a:solidFill>
+                <a:latin typeface="Courier"/>
+              </a:rPr>
+              <a:t>theta </a:t>
+            </a:r>
+            <a:r>
+              <a:rPr>
+                <a:solidFill>
+                  <a:srgbClr val="5E5E5E"/>
+                </a:solidFill>
+                <a:latin typeface="Courier"/>
+              </a:rPr>
+              <a:t>=</a:t>
+            </a:r>
+            <a:r>
+              <a:rPr>
+                <a:solidFill>
+                  <a:srgbClr val="003B4F"/>
+                </a:solidFill>
+                <a:latin typeface="Courier"/>
+              </a:rPr>
+              <a:t> </a:t>
+            </a:r>
+            <a:r>
+              <a:rPr>
+                <a:solidFill>
+                  <a:srgbClr val="AD0000"/>
+                </a:solidFill>
+                <a:latin typeface="Courier"/>
+              </a:rPr>
+              <a:t>2</a:t>
+            </a:r>
+            <a:r>
+              <a:rPr>
+                <a:solidFill>
+                  <a:srgbClr val="003B4F"/>
+                </a:solidFill>
+                <a:latin typeface="Courier"/>
+              </a:rPr>
+              <a:t> </a:t>
+            </a:r>
+            <a:r>
+              <a:rPr>
+                <a:solidFill>
+                  <a:srgbClr val="5E5E5E"/>
+                </a:solidFill>
+                <a:latin typeface="Courier"/>
+              </a:rPr>
+              <a:t>*</a:t>
+            </a:r>
+            <a:r>
+              <a:rPr>
+                <a:solidFill>
+                  <a:srgbClr val="003B4F"/>
+                </a:solidFill>
+                <a:latin typeface="Courier"/>
+              </a:rPr>
+              <a:t> np.pi </a:t>
+            </a:r>
+            <a:r>
+              <a:rPr>
+                <a:solidFill>
+                  <a:srgbClr val="5E5E5E"/>
+                </a:solidFill>
+                <a:latin typeface="Courier"/>
+              </a:rPr>
+              <a:t>*</a:t>
+            </a:r>
+            <a:r>
+              <a:rPr>
+                <a:solidFill>
+                  <a:srgbClr val="003B4F"/>
+                </a:solidFill>
+                <a:latin typeface="Courier"/>
+              </a:rPr>
+              <a:t> r</a:t>
+            </a:r>
+            <a:br/>
+            <a:r>
+              <a:rPr>
+                <a:solidFill>
+                  <a:srgbClr val="003B4F"/>
+                </a:solidFill>
+                <a:latin typeface="Courier"/>
+              </a:rPr>
+              <a:t>fig, ax </a:t>
+            </a:r>
+            <a:r>
+              <a:rPr>
+                <a:solidFill>
+                  <a:srgbClr val="5E5E5E"/>
+                </a:solidFill>
+                <a:latin typeface="Courier"/>
+              </a:rPr>
+              <a:t>=</a:t>
+            </a:r>
+            <a:r>
+              <a:rPr>
+                <a:solidFill>
+                  <a:srgbClr val="003B4F"/>
+                </a:solidFill>
+                <a:latin typeface="Courier"/>
+              </a:rPr>
+              <a:t> plt.subplots(subplot_kw</a:t>
+            </a:r>
+            <a:r>
+              <a:rPr>
+                <a:solidFill>
+                  <a:srgbClr val="5E5E5E"/>
+                </a:solidFill>
+                <a:latin typeface="Courier"/>
+              </a:rPr>
+              <a:t>=</a:t>
+            </a:r>
+            <a:r>
+              <a:rPr>
+                <a:solidFill>
+                  <a:srgbClr val="003B4F"/>
+                </a:solidFill>
+                <a:latin typeface="Courier"/>
+              </a:rPr>
+              <a:t>{</a:t>
+            </a:r>
+            <a:r>
+              <a:rPr>
+                <a:solidFill>
+                  <a:srgbClr val="20794D"/>
+                </a:solidFill>
+                <a:latin typeface="Courier"/>
+              </a:rPr>
+              <a:t>'projection'</a:t>
+            </a:r>
+            <a:r>
+              <a:rPr>
+                <a:solidFill>
+                  <a:srgbClr val="003B4F"/>
+                </a:solidFill>
+                <a:latin typeface="Courier"/>
+              </a:rPr>
+              <a:t>: </a:t>
+            </a:r>
+            <a:r>
+              <a:rPr>
+                <a:solidFill>
+                  <a:srgbClr val="20794D"/>
+                </a:solidFill>
+                <a:latin typeface="Courier"/>
+              </a:rPr>
+              <a:t>'polar'</a:t>
+            </a:r>
+            <a:r>
+              <a:rPr>
+                <a:solidFill>
+                  <a:srgbClr val="003B4F"/>
+                </a:solidFill>
+                <a:latin typeface="Courier"/>
+              </a:rPr>
+              <a:t>})</a:t>
+            </a:r>
+            <a:br/>
+            <a:r>
+              <a:rPr>
+                <a:solidFill>
+                  <a:srgbClr val="003B4F"/>
+                </a:solidFill>
+                <a:latin typeface="Courier"/>
+              </a:rPr>
+              <a:t>ax.plot(theta, r)</a:t>
+            </a:r>
+            <a:br/>
+            <a:r>
+              <a:rPr>
+                <a:solidFill>
+                  <a:srgbClr val="003B4F"/>
+                </a:solidFill>
+                <a:latin typeface="Courier"/>
+              </a:rPr>
+              <a:t>ax.set_rticks([</a:t>
+            </a:r>
+            <a:r>
+              <a:rPr>
+                <a:solidFill>
+                  <a:srgbClr val="AD0000"/>
+                </a:solidFill>
+                <a:latin typeface="Courier"/>
+              </a:rPr>
+              <a:t>0.5</a:t>
+            </a:r>
+            <a:r>
+              <a:rPr>
+                <a:solidFill>
+                  <a:srgbClr val="003B4F"/>
+                </a:solidFill>
+                <a:latin typeface="Courier"/>
+              </a:rPr>
+              <a:t>, </a:t>
+            </a:r>
+            <a:r>
+              <a:rPr>
+                <a:solidFill>
+                  <a:srgbClr val="AD0000"/>
+                </a:solidFill>
+                <a:latin typeface="Courier"/>
+              </a:rPr>
+              <a:t>1</a:t>
+            </a:r>
+            <a:r>
+              <a:rPr>
+                <a:solidFill>
+                  <a:srgbClr val="003B4F"/>
+                </a:solidFill>
+                <a:latin typeface="Courier"/>
+              </a:rPr>
+              <a:t>, </a:t>
+            </a:r>
+            <a:r>
+              <a:rPr>
+                <a:solidFill>
+                  <a:srgbClr val="AD0000"/>
+                </a:solidFill>
+                <a:latin typeface="Courier"/>
+              </a:rPr>
+              <a:t>1.5</a:t>
+            </a:r>
+            <a:r>
+              <a:rPr>
+                <a:solidFill>
+                  <a:srgbClr val="003B4F"/>
+                </a:solidFill>
+                <a:latin typeface="Courier"/>
+              </a:rPr>
+              <a:t>, </a:t>
+            </a:r>
+            <a:r>
+              <a:rPr>
+                <a:solidFill>
+                  <a:srgbClr val="AD0000"/>
+                </a:solidFill>
+                <a:latin typeface="Courier"/>
+              </a:rPr>
+              <a:t>2</a:t>
+            </a:r>
+            <a:r>
+              <a:rPr>
+                <a:solidFill>
+                  <a:srgbClr val="003B4F"/>
+                </a:solidFill>
+                <a:latin typeface="Courier"/>
+              </a:rPr>
+              <a:t>])</a:t>
+            </a:r>
+            <a:br/>
+            <a:r>
+              <a:rPr>
+                <a:solidFill>
+                  <a:srgbClr val="003B4F"/>
+                </a:solidFill>
+                <a:latin typeface="Courier"/>
+              </a:rPr>
+              <a:t>ax.grid(</a:t>
+            </a:r>
+            <a:r>
+              <a:rPr>
+                <a:solidFill>
+                  <a:srgbClr val="111111"/>
+                </a:solidFill>
+                <a:latin typeface="Courier"/>
+              </a:rPr>
+              <a:t>True</a:t>
+            </a:r>
+            <a:r>
+              <a:rPr>
+                <a:solidFill>
+                  <a:srgbClr val="003B4F"/>
+                </a:solidFill>
+                <a:latin typeface="Courier"/>
+              </a:rPr>
+              <a:t>)</a:t>
+            </a:r>
+            <a:br/>
+            <a:r>
+              <a:rPr>
+                <a:solidFill>
+                  <a:srgbClr val="003B4F"/>
+                </a:solidFill>
+                <a:latin typeface="Courier"/>
+              </a:rPr>
+              <a:t>plt.show()</a:t>
+            </a:r>
+          </a:p>
+        </p:txBody>
+      </p:sp>
+      <p:pic>
+        <p:nvPicPr>
+          <p:cNvPr descr="using-quarto-ppt_files/figure-pptx/cell-2-output-1.png" id="0" name="Picture 1"/>
+          <p:cNvPicPr>
+            <a:picLocks noGrp="1" noChangeAspect="1"/>
+          </p:cNvPicPr>
+          <p:nvPr/>
+        </p:nvPicPr>
+        <p:blipFill>
+          <a:blip r:embed="rId2"/>
+          <a:stretch>
+            <a:fillRect/>
+          </a:stretch>
+        </p:blipFill>
+        <p:spPr bwMode="auto">
+          <a:xfrm>
+            <a:off x="3035300" y="1689100"/>
+            <a:ext cx="3073400" cy="2984500"/>
+          </a:xfrm>
+          <a:prstGeom prst="rect">
+            <a:avLst/>
+          </a:prstGeom>
+          <a:noFill/>
+          <a:ln w="9525">
+            <a:noFill/>
+            <a:headEnd/>
+            <a:tailEnd/>
+          </a:ln>
+        </p:spPr>
+      </p:pic>
     </p:spTree>
   </p:cSld>
 </p:sld>
@@ -4722,7 +4890,12 @@
             <p:ph type="title"/>
           </p:nvPr>
         </p:nvSpPr>
-        <p:spPr/>
+        <p:spPr>
+          <a:xfrm>
+            <a:off x="722313" y="3305176"/>
+            <a:ext cx="7772400" cy="1021556"/>
+          </a:xfrm>
+        </p:spPr>
         <p:txBody>
           <a:bodyPr/>
           <a:lstStyle/>
@@ -4732,72 +4905,7 @@
             </a:pPr>
             <a:r>
               <a:rPr/>
-              <a:t>Things that you can add to a template</a:t>
-            </a:r>
-          </a:p>
-        </p:txBody>
-      </p:sp>
-      <p:sp>
-        <p:nvSpPr>
-          <p:cNvPr id="3" name="Content Placeholder 2"/>
-          <p:cNvSpPr>
-            <a:spLocks noGrp="1"/>
-          </p:cNvSpPr>
-          <p:nvPr>
-            <p:ph idx="1"/>
-          </p:nvPr>
-        </p:nvSpPr>
-        <p:spPr/>
-        <p:txBody>
-          <a:bodyPr/>
-          <a:lstStyle/>
-          <a:p>
-            <a:pPr lvl="0"/>
-            <a:r>
-              <a:rPr/>
-              <a:t>Title Slide</a:t>
-            </a:r>
-          </a:p>
-          <a:p>
-            <a:pPr lvl="0"/>
-            <a:r>
-              <a:rPr/>
-              <a:t>Title and Content</a:t>
-            </a:r>
-          </a:p>
-          <a:p>
-            <a:pPr lvl="0"/>
-            <a:r>
-              <a:rPr/>
-              <a:t>Section Header</a:t>
-            </a:r>
-          </a:p>
-          <a:p>
-            <a:pPr lvl="0"/>
-            <a:r>
-              <a:rPr/>
-              <a:t>Two Content</a:t>
-            </a:r>
-          </a:p>
-          <a:p>
-            <a:pPr lvl="0"/>
-            <a:r>
-              <a:rPr/>
-              <a:t>Comparison</a:t>
-            </a:r>
-          </a:p>
-          <a:p>
-            <a:pPr lvl="0"/>
-            <a:r>
-              <a:rPr/>
-              <a:t>Content with Caption</a:t>
-            </a:r>
-          </a:p>
-          <a:p>
-            <a:pPr lvl="0"/>
-            <a:r>
-              <a:rPr/>
-              <a:t>Blank</a:t>
+              <a:t>Presentations</a:t>
             </a:r>
           </a:p>
         </p:txBody>
@@ -4844,7 +4952,7 @@
             </a:pPr>
             <a:r>
               <a:rPr/>
-              <a:t>Projects</a:t>
+              <a:t>Things that you can add to a template</a:t>
             </a:r>
           </a:p>
         </p:txBody>
@@ -4864,12 +4972,52 @@
           <a:bodyPr/>
           <a:lstStyle/>
           <a:p>
-            <a:pPr lvl="0" indent="0" marL="0">
-              <a:buNone/>
-            </a:pPr>
-            <a:r>
-              <a:rPr/>
-              <a:t>You can use Quarto to generate the whole shebang!</a:t>
+            <a:pPr lvl="0"/>
+            <a:r>
+              <a:rPr/>
+              <a:t>Title Slide</a:t>
+            </a:r>
+          </a:p>
+          <a:p>
+            <a:pPr lvl="0"/>
+            <a:r>
+              <a:rPr/>
+              <a:t>Title and Content</a:t>
+            </a:r>
+          </a:p>
+          <a:p>
+            <a:pPr lvl="0"/>
+            <a:r>
+              <a:rPr/>
+              <a:t>Section Header</a:t>
+            </a:r>
+          </a:p>
+          <a:p>
+            <a:pPr lvl="0"/>
+            <a:r>
+              <a:rPr/>
+              <a:t>Two Content</a:t>
+            </a:r>
+          </a:p>
+          <a:p>
+            <a:pPr lvl="0"/>
+            <a:r>
+              <a:rPr/>
+              <a:t>Comparison</a:t>
+            </a:r>
+          </a:p>
+          <a:p>
+            <a:pPr lvl="0"/>
+            <a:r>
+              <a:rPr/>
+              <a:t>Content with Caption</a:t>
+            </a:r>
+          </a:p>
+          <a:p>
+            <a:pPr lvl="0"/>
+            <a:r>
+              <a:rPr/>
+              <a:t>Blank</a:t>
             </a:r>
           </a:p>
         </p:txBody>
@@ -4906,12 +5054,7 @@
             <p:ph type="title"/>
           </p:nvPr>
         </p:nvSpPr>
-        <p:spPr>
-          <a:xfrm>
-            <a:off x="722313" y="3305176"/>
-            <a:ext cx="7772400" cy="1021556"/>
-          </a:xfrm>
-        </p:spPr>
+        <p:spPr/>
         <p:txBody>
           <a:bodyPr/>
           <a:lstStyle/>
@@ -4921,7 +5064,7 @@
             </a:pPr>
             <a:r>
               <a:rPr/>
-              <a:t>Appendix</a:t>
+              <a:t>Dependency ratios around the world</a:t>
             </a:r>
           </a:p>
         </p:txBody>
@@ -4950,6 +5093,177 @@
       </p:grpSpPr>
       <p:sp>
         <p:nvSpPr>
+          <p:cNvPr id="2" name="Title 1"/>
+          <p:cNvSpPr>
+            <a:spLocks noGrp="1"/>
+          </p:cNvSpPr>
+          <p:nvPr>
+            <p:ph type="title"/>
+          </p:nvPr>
+        </p:nvSpPr>
+        <p:spPr/>
+        <p:txBody>
+          <a:bodyPr/>
+          <a:lstStyle/>
+          <a:p>
+            <a:pPr lvl="0" indent="0" marL="0">
+              <a:buNone/>
+            </a:pPr>
+            <a:r>
+              <a:rPr/>
+              <a:t>Population pyramids around the world</a:t>
+            </a:r>
+          </a:p>
+        </p:txBody>
+      </p:sp>
+    </p:spTree>
+  </p:cSld>
+</p:sld>
+</file>
+
+<file path=ppt/slides/slide16.xml><?xml version="1.0" encoding="utf-8"?>
+<p:sld xmlns:a="http://schemas.openxmlformats.org/drawingml/2006/main" xmlns:r="http://schemas.openxmlformats.org/officeDocument/2006/relationships" xmlns:p="http://schemas.openxmlformats.org/presentationml/2006/main">
+  <p:cSld>
+    <p:spTree>
+      <p:nvGrpSpPr>
+        <p:cNvPr id="1" name=""/>
+        <p:cNvGrpSpPr/>
+        <p:nvPr/>
+      </p:nvGrpSpPr>
+      <p:grpSpPr>
+        <a:xfrm>
+          <a:off x="0" y="0"/>
+          <a:ext cx="0" cy="0"/>
+          <a:chOff x="0" y="0"/>
+          <a:chExt cx="0" cy="0"/>
+        </a:xfrm>
+      </p:grpSpPr>
+      <p:sp>
+        <p:nvSpPr>
+          <p:cNvPr id="2" name="Title 1"/>
+          <p:cNvSpPr>
+            <a:spLocks noGrp="1"/>
+          </p:cNvSpPr>
+          <p:nvPr>
+            <p:ph type="title"/>
+          </p:nvPr>
+        </p:nvSpPr>
+        <p:spPr/>
+        <p:txBody>
+          <a:bodyPr/>
+          <a:lstStyle/>
+          <a:p>
+            <a:pPr lvl="0" indent="0" marL="0">
+              <a:buNone/>
+            </a:pPr>
+            <a:r>
+              <a:rPr/>
+              <a:t>Projects</a:t>
+            </a:r>
+          </a:p>
+        </p:txBody>
+      </p:sp>
+      <p:sp>
+        <p:nvSpPr>
+          <p:cNvPr id="3" name="Content Placeholder 2"/>
+          <p:cNvSpPr>
+            <a:spLocks noGrp="1"/>
+          </p:cNvSpPr>
+          <p:nvPr>
+            <p:ph idx="1"/>
+          </p:nvPr>
+        </p:nvSpPr>
+        <p:spPr/>
+        <p:txBody>
+          <a:bodyPr/>
+          <a:lstStyle/>
+          <a:p>
+            <a:pPr lvl="0" indent="0" marL="0">
+              <a:buNone/>
+            </a:pPr>
+            <a:r>
+              <a:rPr/>
+              <a:t>You can use Quarto to generate the whole shebang!</a:t>
+            </a:r>
+          </a:p>
+        </p:txBody>
+      </p:sp>
+    </p:spTree>
+  </p:cSld>
+</p:sld>
+</file>
+
+<file path=ppt/slides/slide17.xml><?xml version="1.0" encoding="utf-8"?>
+<p:sld xmlns:a="http://schemas.openxmlformats.org/drawingml/2006/main" xmlns:r="http://schemas.openxmlformats.org/officeDocument/2006/relationships" xmlns:p="http://schemas.openxmlformats.org/presentationml/2006/main">
+  <p:cSld>
+    <p:spTree>
+      <p:nvGrpSpPr>
+        <p:cNvPr id="1" name=""/>
+        <p:cNvGrpSpPr/>
+        <p:nvPr/>
+      </p:nvGrpSpPr>
+      <p:grpSpPr>
+        <a:xfrm>
+          <a:off x="0" y="0"/>
+          <a:ext cx="0" cy="0"/>
+          <a:chOff x="0" y="0"/>
+          <a:chExt cx="0" cy="0"/>
+        </a:xfrm>
+      </p:grpSpPr>
+      <p:sp>
+        <p:nvSpPr>
+          <p:cNvPr id="2" name="Title 1"/>
+          <p:cNvSpPr>
+            <a:spLocks noGrp="1"/>
+          </p:cNvSpPr>
+          <p:nvPr>
+            <p:ph type="title"/>
+          </p:nvPr>
+        </p:nvSpPr>
+        <p:spPr>
+          <a:xfrm>
+            <a:off x="722313" y="3305176"/>
+            <a:ext cx="7772400" cy="1021556"/>
+          </a:xfrm>
+        </p:spPr>
+        <p:txBody>
+          <a:bodyPr/>
+          <a:lstStyle/>
+          <a:p>
+            <a:pPr lvl="0" indent="0" marL="0">
+              <a:buNone/>
+            </a:pPr>
+            <a:r>
+              <a:rPr/>
+              <a:t>Appendix</a:t>
+            </a:r>
+          </a:p>
+        </p:txBody>
+      </p:sp>
+    </p:spTree>
+  </p:cSld>
+</p:sld>
+</file>
+
+<file path=ppt/slides/slide18.xml><?xml version="1.0" encoding="utf-8"?>
+<p:sld xmlns:a="http://schemas.openxmlformats.org/drawingml/2006/main" xmlns:r="http://schemas.openxmlformats.org/officeDocument/2006/relationships" xmlns:p="http://schemas.openxmlformats.org/presentationml/2006/main">
+  <p:cSld>
+    <p:spTree>
+      <p:nvGrpSpPr>
+        <p:cNvPr id="1" name=""/>
+        <p:cNvGrpSpPr/>
+        <p:nvPr/>
+      </p:nvGrpSpPr>
+      <p:grpSpPr>
+        <a:xfrm>
+          <a:off x="0" y="0"/>
+          <a:ext cx="0" cy="0"/>
+          <a:chOff x="0" y="0"/>
+          <a:chExt cx="0" cy="0"/>
+        </a:xfrm>
+      </p:grpSpPr>
+      <p:sp>
+        <p:nvSpPr>
           <p:cNvPr id="9" name="Title 1">
             <a:extLst>
               <a:ext uri="{FF2B5EF4-FFF2-40B4-BE49-F238E27FC236}">
@@ -5011,7 +5325,7 @@
       </p:sp>
       <p:pic>
         <p:nvPicPr>
-          <p:cNvPr descr="using-quarto-ppt_files/figure-pptx/cell-3-output-1.png" id="0" name="Picture 1"/>
+          <p:cNvPr descr="using-quarto-ppt_files/figure-pptx/cell-5-output-1.png" id="0" name="Picture 1"/>
           <p:cNvPicPr>
             <a:picLocks noGrp="1" noChangeAspect="1"/>
           </p:cNvPicPr>
@@ -5025,8 +5339,8 @@
         </p:blipFill>
         <p:spPr bwMode="auto">
           <a:xfrm>
-            <a:off x="1790700" y="1689100"/>
-            <a:ext cx="5549900" cy="2984500"/>
+            <a:off x="2387600" y="1689100"/>
+            <a:ext cx="4381500" cy="2984500"/>
           </a:xfrm>
           <a:prstGeom prst="rect">
             <a:avLst/>
@@ -5039,6 +5353,74 @@
           </a:ln>
         </p:spPr>
       </p:pic>
+    </p:spTree>
+  </p:cSld>
+</p:sld>
+</file>
+
+<file path=ppt/slides/slide19.xml><?xml version="1.0" encoding="utf-8"?>
+<p:sld xmlns:a="http://schemas.openxmlformats.org/drawingml/2006/main" xmlns:r="http://schemas.openxmlformats.org/officeDocument/2006/relationships" xmlns:p="http://schemas.openxmlformats.org/presentationml/2006/main">
+  <p:cSld>
+    <p:spTree>
+      <p:nvGrpSpPr>
+        <p:cNvPr id="1" name=""/>
+        <p:cNvGrpSpPr/>
+        <p:nvPr/>
+      </p:nvGrpSpPr>
+      <p:grpSpPr>
+        <a:xfrm>
+          <a:off x="0" y="0"/>
+          <a:ext cx="0" cy="0"/>
+          <a:chOff x="0" y="0"/>
+          <a:chExt cx="0" cy="0"/>
+        </a:xfrm>
+      </p:grpSpPr>
+      <p:sp>
+        <p:nvSpPr>
+          <p:cNvPr id="2" name="Title 1"/>
+          <p:cNvSpPr>
+            <a:spLocks noGrp="1"/>
+          </p:cNvSpPr>
+          <p:nvPr>
+            <p:ph type="title"/>
+          </p:nvPr>
+        </p:nvSpPr>
+        <p:spPr/>
+        <p:txBody>
+          <a:bodyPr/>
+          <a:lstStyle/>
+          <a:p>
+            <a:pPr lvl="0" indent="0" marL="0">
+              <a:buNone/>
+            </a:pPr>
+            <a:r>
+              <a:rPr/>
+              <a:t>Mermaid Diagram 1</a:t>
+            </a:r>
+          </a:p>
+        </p:txBody>
+      </p:sp>
+      <p:sp>
+        <p:nvSpPr>
+          <p:cNvPr id="3" name="Content Placeholder 2"/>
+          <p:cNvSpPr>
+            <a:spLocks noGrp="1"/>
+          </p:cNvSpPr>
+          <p:nvPr>
+            <p:ph idx="1"/>
+          </p:nvPr>
+        </p:nvSpPr>
+        <p:spPr/>
+        <p:txBody>
+          <a:bodyPr/>
+          <a:lstStyle/>
+          <a:p>
+            <a:pPr lvl="0" indent="0" marL="0">
+              <a:buNone/>
+            </a:pPr>
+          </a:p>
+        </p:txBody>
+      </p:sp>
     </p:spTree>
   </p:cSld>
 </p:sld>
@@ -5088,6 +5470,91 @@
               <a:rPr/>
               <a:t>Why Quarto</a:t>
             </a:r>
+          </a:p>
+        </p:txBody>
+      </p:sp>
+    </p:spTree>
+  </p:cSld>
+</p:sld>
+</file>
+
+<file path=ppt/slides/slide20.xml><?xml version="1.0" encoding="utf-8"?>
+<p:sld xmlns:a="http://schemas.openxmlformats.org/drawingml/2006/main" xmlns:r="http://schemas.openxmlformats.org/officeDocument/2006/relationships" xmlns:p="http://schemas.openxmlformats.org/presentationml/2006/main">
+  <p:cSld>
+    <p:spTree>
+      <p:nvGrpSpPr>
+        <p:cNvPr id="1" name=""/>
+        <p:cNvGrpSpPr/>
+        <p:nvPr/>
+      </p:nvGrpSpPr>
+      <p:grpSpPr>
+        <a:xfrm>
+          <a:off x="0" y="0"/>
+          <a:ext cx="0" cy="0"/>
+          <a:chOff x="0" y="0"/>
+          <a:chExt cx="0" cy="0"/>
+        </a:xfrm>
+      </p:grpSpPr>
+      <p:sp>
+        <p:nvSpPr>
+          <p:cNvPr id="2" name="Title 1"/>
+          <p:cNvSpPr>
+            <a:spLocks noGrp="1"/>
+          </p:cNvSpPr>
+          <p:nvPr>
+            <p:ph type="title"/>
+          </p:nvPr>
+        </p:nvSpPr>
+        <p:spPr/>
+        <p:txBody>
+          <a:bodyPr/>
+          <a:lstStyle/>
+          <a:p>
+            <a:pPr lvl="0" indent="0" marL="0">
+              <a:buNone/>
+            </a:pPr>
+            <a:r>
+              <a:rPr/>
+              <a:t>Mermaid Diagram 2</a:t>
+            </a:r>
+          </a:p>
+        </p:txBody>
+      </p:sp>
+      <p:sp>
+        <p:nvSpPr>
+          <p:cNvPr id="3" name="Content Placeholder 2"/>
+          <p:cNvSpPr>
+            <a:spLocks noGrp="1"/>
+          </p:cNvSpPr>
+          <p:nvPr>
+            <p:ph idx="1"/>
+          </p:nvPr>
+        </p:nvSpPr>
+        <p:spPr/>
+        <p:txBody>
+          <a:bodyPr/>
+          <a:lstStyle/>
+          <a:p>
+            <a:pPr lvl="0" indent="0" marL="0">
+              <a:buNone/>
+            </a:pPr>
+          </a:p>
+          <a:p>
+            <a:pPr lvl="0" indent="0" marL="0">
+              <a:spcBef>
+                <a:spcPts val="3000"/>
+              </a:spcBef>
+              <a:buNone/>
+            </a:pPr>
+            <a:r>
+              <a:rPr b="1"/>
+              <a:t>Mermaid Diagram 3</a:t>
+            </a:r>
+          </a:p>
+          <a:p>
+            <a:pPr lvl="0" indent="0" marL="0">
+              <a:buNone/>
+            </a:pPr>
           </a:p>
         </p:txBody>
       </p:sp>
@@ -5216,11 +5683,11 @@
             <a:pPr lvl="0"/>
             <a:r>
               <a:rPr/>
-              <a:t>Gets things out of my computer </a:t>
+              <a:t>Move content out of my computer </a:t>
             </a:r>
             <a:r>
               <a:rPr b="1"/>
-              <a:t>fast</a:t>
+              <a:t>as fast as possible</a:t>
             </a:r>
           </a:p>
           <a:p>
@@ -5820,7 +6287,7 @@
             </a:pPr>
             <a:r>
               <a:rPr b="1"/>
-              <a:t>Challenges</a:t>
+              <a:t>Population project challenges</a:t>
             </a:r>
           </a:p>
           <a:p>
@@ -6139,7 +6606,13 @@
       </p:grpSpPr>
       <p:sp>
         <p:nvSpPr>
-          <p:cNvPr id="2" name="Title 1"/>
+          <p:cNvPr id="9" name="Title 1">
+            <a:extLst>
+              <a:ext uri="{FF2B5EF4-FFF2-40B4-BE49-F238E27FC236}">
+                <a16:creationId xmlns:a16="http://schemas.microsoft.com/office/drawing/2014/main" id="{039B6DB2-D068-C680-F293-31EEF2D13404}"/>
+              </a:ext>
+            </a:extLst>
+          </p:cNvPr>
           <p:cNvSpPr>
             <a:spLocks noGrp="1"/>
           </p:cNvSpPr>
@@ -6147,6 +6620,36 @@
             <p:ph type="title"/>
           </p:nvPr>
         </p:nvSpPr>
+        <p:spPr>
+          <a:xfrm>
+            <a:off x="457200" y="205979"/>
+            <a:ext cx="8229600" cy="857250"/>
+          </a:xfrm>
+        </p:spPr>
+        <p:txBody>
+          <a:bodyPr/>
+          <a:lstStyle/>
+          <a:p>
+            <a:pPr lvl="0" indent="0" marL="0">
+              <a:buNone/>
+            </a:pPr>
+            <a:r>
+              <a:rPr/>
+              <a:t>The content pipeline for .ipynb</a:t>
+            </a:r>
+          </a:p>
+        </p:txBody>
+      </p:sp>
+      <p:sp>
+        <p:nvSpPr>
+          <p:cNvPr id="4" name="Text Placeholder 3"/>
+          <p:cNvSpPr>
+            <a:spLocks noGrp="1"/>
+          </p:cNvSpPr>
+          <p:nvPr>
+            <p:ph idx="2" sz="half" type="body"/>
+          </p:nvPr>
+        </p:nvSpPr>
         <p:spPr/>
         <p:txBody>
           <a:bodyPr/>
@@ -6157,42 +6660,88 @@
             </a:pPr>
             <a:r>
               <a:rPr/>
-              <a:t>Quarto</a:t>
-            </a:r>
-          </a:p>
-        </p:txBody>
-      </p:sp>
-      <p:sp>
-        <p:nvSpPr>
-          <p:cNvPr id="3" name="Content Placeholder 2"/>
-          <p:cNvSpPr>
-            <a:spLocks noGrp="1"/>
-          </p:cNvSpPr>
-          <p:nvPr>
-            <p:ph idx="1"/>
-          </p:nvPr>
-        </p:nvSpPr>
-        <p:spPr/>
-        <p:txBody>
-          <a:bodyPr/>
-          <a:lstStyle/>
-          <a:p>
-            <a:pPr lvl="0" indent="0" marL="0">
-              <a:buNone/>
-            </a:pPr>
-            <a:r>
-              <a:rPr/>
-              <a:t>Quarto is </a:t>
+              <a:t>About </a:t>
             </a:r>
             <a:r>
               <a:rPr>
+                <a:hlinkClick r:id="rId2"/>
+              </a:rPr>
+              <a:t>75% of data scientists</a:t>
+            </a:r>
+            <a:r>
+              <a:rPr/>
+              <a:t> use Python through Jupyter notebooks, and one can use </a:t>
+            </a:r>
+            <a:r>
+              <a:rPr>
+                <a:hlinkClick r:id="rId3"/>
                 <a:latin typeface="Courier"/>
               </a:rPr>
               <a:t>pandoc</a:t>
             </a:r>
             <a:r>
               <a:rPr/>
-              <a:t> on steroids, and solves a lot of problems.</a:t>
+              <a:t> to generate papers and PowerPoint, but it can be complicated.</a:t>
+            </a:r>
+          </a:p>
+        </p:txBody>
+      </p:sp>
+      <p:pic>
+        <p:nvPicPr>
+          <p:cNvPr descr="fig:  images/mermaid1.png" id="0" name="Picture 1"/>
+          <p:cNvPicPr>
+            <a:picLocks noGrp="1" noChangeAspect="1"/>
+          </p:cNvPicPr>
+          <p:nvPr/>
+        </p:nvPicPr>
+        <p:blipFill>
+          <a:blip r:embed="rId4"/>
+          <a:stretch>
+            <a:fillRect/>
+          </a:stretch>
+        </p:blipFill>
+        <p:spPr bwMode="auto">
+          <a:xfrm>
+            <a:off x="2667000" y="1689100"/>
+            <a:ext cx="3810000" cy="2476500"/>
+          </a:xfrm>
+          <a:prstGeom prst="rect">
+            <a:avLst/>
+          </a:prstGeom>
+          <a:noFill/>
+          <a:ln w="9525">
+            <a:noFill/>
+            <a:headEnd/>
+            <a:tailEnd/>
+          </a:ln>
+        </p:spPr>
+      </p:pic>
+      <p:sp>
+        <p:nvSpPr>
+          <p:cNvPr id="1" name="TextBox 3"/>
+          <p:cNvSpPr txBox="1"/>
+          <p:nvPr/>
+        </p:nvSpPr>
+        <p:spPr>
+          <a:xfrm>
+            <a:off x="457200" y="4165600"/>
+            <a:ext cx="8229600" cy="508000"/>
+          </a:xfrm>
+          <a:prstGeom prst="rect">
+            <a:avLst/>
+          </a:prstGeom>
+          <a:noFill/>
+        </p:spPr>
+        <p:txBody>
+          <a:bodyPr/>
+          <a:lstStyle/>
+          <a:p>
+            <a:pPr lvl="0" indent="0" marL="0" algn="ctr">
+              <a:buNone/>
+            </a:pPr>
+            <a:r>
+              <a:rPr/>
+              <a:t>Processing ipynb</a:t>
             </a:r>
           </a:p>
         </p:txBody>
@@ -6221,12 +6770,48 @@
       </p:grpSpPr>
       <p:sp>
         <p:nvSpPr>
-          <p:cNvPr id="3" name="Content Placeholder 2"/>
-          <p:cNvSpPr>
-            <a:spLocks noGrp="1"/>
-          </p:cNvSpPr>
-          <p:nvPr>
-            <p:ph idx="1" sz="half"/>
+          <p:cNvPr id="9" name="Title 1">
+            <a:extLst>
+              <a:ext uri="{FF2B5EF4-FFF2-40B4-BE49-F238E27FC236}">
+                <a16:creationId xmlns:a16="http://schemas.microsoft.com/office/drawing/2014/main" id="{039B6DB2-D068-C680-F293-31EEF2D13404}"/>
+              </a:ext>
+            </a:extLst>
+          </p:cNvPr>
+          <p:cNvSpPr>
+            <a:spLocks noGrp="1"/>
+          </p:cNvSpPr>
+          <p:nvPr>
+            <p:ph type="title"/>
+          </p:nvPr>
+        </p:nvSpPr>
+        <p:spPr>
+          <a:xfrm>
+            <a:off x="457200" y="205979"/>
+            <a:ext cx="8229600" cy="857250"/>
+          </a:xfrm>
+        </p:spPr>
+        <p:txBody>
+          <a:bodyPr/>
+          <a:lstStyle/>
+          <a:p>
+            <a:pPr lvl="0" indent="0" marL="0">
+              <a:buNone/>
+            </a:pPr>
+            <a:r>
+              <a:rPr/>
+              <a:t>Quarto for Python, in a nutshell</a:t>
+            </a:r>
+          </a:p>
+        </p:txBody>
+      </p:sp>
+      <p:sp>
+        <p:nvSpPr>
+          <p:cNvPr id="4" name="Text Placeholder 3"/>
+          <p:cNvSpPr>
+            <a:spLocks noGrp="1"/>
+          </p:cNvSpPr>
+          <p:nvPr>
+            <p:ph idx="2" sz="half" type="body"/>
           </p:nvPr>
         </p:nvSpPr>
         <p:spPr/>
@@ -6235,187 +6820,101 @@
           <a:lstStyle/>
           <a:p>
             <a:pPr lvl="0" indent="0" marL="0">
-              <a:spcBef>
-                <a:spcPts val="3000"/>
-              </a:spcBef>
               <a:buNone/>
             </a:pPr>
             <a:r>
-              <a:rPr b="1"/>
-              <a:t>LaTeX</a:t>
-            </a:r>
-          </a:p>
-          <a:p>
-            <a:pPr lvl="0"/>
-            <a:r>
-              <a:rPr/>
-              <a:t>Great for PDFs… Ok, Beamer!</a:t>
-            </a:r>
-          </a:p>
-          <a:p>
-            <a:pPr lvl="0"/>
-            <a:r>
-              <a:rPr/>
-              <a:t>Website generation is not great</a:t>
-            </a:r>
-          </a:p>
-          <a:p>
-            <a:pPr lvl="0"/>
-            <a:r>
-              <a:rPr/>
-              <a:t>I even know how to write code!</a:t>
-            </a:r>
-          </a:p>
-          <a:p>
-            <a:pPr lvl="1"/>
+              <a:rPr/>
+              <a:t>In Quarto’s </a:t>
+            </a:r>
             <a:r>
               <a:rPr>
                 <a:latin typeface="Courier"/>
               </a:rPr>
-              <a:t>\usepackage{ifthen}</a:t>
-            </a:r>
-          </a:p>
-          <a:p>
-            <a:pPr lvl="1"/>
+              <a:t>.qmd</a:t>
+            </a:r>
+            <a:r>
+              <a:rPr/>
+              <a:t> files, you write Markdown and code, just like </a:t>
+            </a:r>
             <a:r>
               <a:rPr>
                 <a:latin typeface="Courier"/>
               </a:rPr>
-              <a:t>@for</a:t>
-            </a:r>
-            <a:r>
-              <a:rPr/>
-              <a:t>, </a:t>
+              <a:t>.ipynb</a:t>
+            </a:r>
+            <a:r>
+              <a:rPr/>
+              <a:t>. Add some </a:t>
             </a:r>
             <a:r>
               <a:rPr>
                 <a:latin typeface="Courier"/>
               </a:rPr>
-              <a:t>@while</a:t>
-            </a:r>
-          </a:p>
-          <a:p>
-            <a:pPr lvl="0" indent="0" marL="0">
-              <a:spcBef>
-                <a:spcPts val="3000"/>
-              </a:spcBef>
+              <a:t>YAML</a:t>
+            </a:r>
+            <a:r>
+              <a:rPr/>
+              <a:t> configuration and Quarto does the intermediate steps. It integrates well with VSCode and Jupyter.</a:t>
+            </a:r>
+          </a:p>
+        </p:txBody>
+      </p:sp>
+      <p:pic>
+        <p:nvPicPr>
+          <p:cNvPr descr="fig:  images/mermaid2-quarto-nutshell.png" id="0" name="Picture 1"/>
+          <p:cNvPicPr>
+            <a:picLocks noGrp="1" noChangeAspect="1"/>
+          </p:cNvPicPr>
+          <p:nvPr/>
+        </p:nvPicPr>
+        <p:blipFill>
+          <a:blip r:embed="rId2"/>
+          <a:stretch>
+            <a:fillRect/>
+          </a:stretch>
+        </p:blipFill>
+        <p:spPr bwMode="auto">
+          <a:xfrm>
+            <a:off x="2425700" y="1689100"/>
+            <a:ext cx="4279900" cy="2476500"/>
+          </a:xfrm>
+          <a:prstGeom prst="rect">
+            <a:avLst/>
+          </a:prstGeom>
+          <a:noFill/>
+          <a:ln w="9525">
+            <a:noFill/>
+            <a:headEnd/>
+            <a:tailEnd/>
+          </a:ln>
+        </p:spPr>
+      </p:pic>
+      <p:sp>
+        <p:nvSpPr>
+          <p:cNvPr id="1" name="TextBox 3"/>
+          <p:cNvSpPr txBox="1"/>
+          <p:nvPr/>
+        </p:nvSpPr>
+        <p:spPr>
+          <a:xfrm>
+            <a:off x="457200" y="4165600"/>
+            <a:ext cx="8229600" cy="508000"/>
+          </a:xfrm>
+          <a:prstGeom prst="rect">
+            <a:avLst/>
+          </a:prstGeom>
+          <a:noFill/>
+        </p:spPr>
+        <p:txBody>
+          <a:bodyPr/>
+          <a:lstStyle/>
+          <a:p>
+            <a:pPr lvl="0" indent="0" marL="0" algn="ctr">
               <a:buNone/>
             </a:pPr>
             <a:r>
-              <a:rPr b="1"/>
-              <a:t>Word/PPT</a:t>
-            </a:r>
-          </a:p>
-          <a:p>
-            <a:pPr lvl="0"/>
-            <a:r>
-              <a:rPr/>
-              <a:t>Hard to collaborate before O365</a:t>
-            </a:r>
-          </a:p>
-          <a:p>
-            <a:pPr lvl="0"/>
-            <a:r>
-              <a:rPr/>
-              <a:t>Hard to reproduce / auto-generate</a:t>
-            </a:r>
-          </a:p>
-        </p:txBody>
-      </p:sp>
-      <p:sp>
-        <p:nvSpPr>
-          <p:cNvPr id="4" name="Content Placeholder 3"/>
-          <p:cNvSpPr>
-            <a:spLocks noGrp="1"/>
-          </p:cNvSpPr>
-          <p:nvPr>
-            <p:ph idx="2" sz="half"/>
-          </p:nvPr>
-        </p:nvSpPr>
-        <p:spPr/>
-        <p:txBody>
-          <a:bodyPr/>
-          <a:lstStyle/>
-          <a:p>
-            <a:pPr lvl="0" indent="0" marL="0">
-              <a:spcBef>
-                <a:spcPts val="3000"/>
-              </a:spcBef>
-              <a:buNone/>
-            </a:pPr>
-            <a:r>
-              <a:rPr b="1"/>
-              <a:t>Jekyll</a:t>
-            </a:r>
-          </a:p>
-          <a:p>
-            <a:pPr lvl="0"/>
-            <a:r>
-              <a:rPr/>
-              <a:t>Great for sites</a:t>
-            </a:r>
-          </a:p>
-          <a:p>
-            <a:pPr lvl="0"/>
-            <a:r>
-              <a:rPr/>
-              <a:t>Not great for PPT, papers</a:t>
-            </a:r>
-          </a:p>
-          <a:p>
-            <a:pPr lvl="0" indent="0" marL="0">
-              <a:spcBef>
-                <a:spcPts val="3000"/>
-              </a:spcBef>
-              <a:buNone/>
-            </a:pPr>
-            <a:r>
-              <a:rPr b="1"/>
-              <a:t>RMarkdown</a:t>
-            </a:r>
-          </a:p>
-          <a:p>
-            <a:pPr lvl="0"/>
-            <a:r>
-              <a:rPr/>
-              <a:t>Great PDFs</a:t>
-            </a:r>
-          </a:p>
-          <a:p>
-            <a:pPr lvl="0"/>
-            <a:r>
-              <a:rPr/>
-              <a:t>Mostly good presentations</a:t>
-            </a:r>
-          </a:p>
-          <a:p>
-            <a:pPr lvl="0"/>
-            <a:r>
-              <a:rPr/>
-              <a:t>Hugo and </a:t>
-            </a:r>
-            <a:r>
-              <a:rPr>
-                <a:latin typeface="Courier"/>
-              </a:rPr>
-              <a:t>blogdown</a:t>
-            </a:r>
-            <a:r>
-              <a:rPr/>
-              <a:t> work well</a:t>
-            </a:r>
-          </a:p>
-          <a:p>
-            <a:pPr lvl="0"/>
-            <a:r>
-              <a:rPr/>
-              <a:t>Need to learn </a:t>
-            </a:r>
-            <a:r>
-              <a:rPr>
-                <a:latin typeface="Courier"/>
-              </a:rPr>
-              <a:t>R</a:t>
+              <a:rPr/>
+              <a:t>Quarto using Python</a:t>
             </a:r>
           </a:p>
         </p:txBody>
@@ -6444,7 +6943,13 @@
       </p:grpSpPr>
       <p:sp>
         <p:nvSpPr>
-          <p:cNvPr id="2" name="Title 1"/>
+          <p:cNvPr id="9" name="Title 1">
+            <a:extLst>
+              <a:ext uri="{FF2B5EF4-FFF2-40B4-BE49-F238E27FC236}">
+                <a16:creationId xmlns:a16="http://schemas.microsoft.com/office/drawing/2014/main" id="{039B6DB2-D068-C680-F293-31EEF2D13404}"/>
+              </a:ext>
+            </a:extLst>
+          </p:cNvPr>
           <p:cNvSpPr>
             <a:spLocks noGrp="1"/>
           </p:cNvSpPr>
@@ -6454,8 +6959,8 @@
         </p:nvSpPr>
         <p:spPr>
           <a:xfrm>
-            <a:off x="722313" y="3305176"/>
-            <a:ext cx="7772400" cy="1021556"/>
+            <a:off x="457200" y="205979"/>
+            <a:ext cx="8229600" cy="857250"/>
           </a:xfrm>
         </p:spPr>
         <p:txBody>
@@ -6467,7 +6972,92 @@
             </a:pPr>
             <a:r>
               <a:rPr/>
-              <a:t>Articles</a:t>
+              <a:t>But wait, there’s more!</a:t>
+            </a:r>
+          </a:p>
+        </p:txBody>
+      </p:sp>
+      <p:sp>
+        <p:nvSpPr>
+          <p:cNvPr id="4" name="Text Placeholder 3"/>
+          <p:cNvSpPr>
+            <a:spLocks noGrp="1"/>
+          </p:cNvSpPr>
+          <p:nvPr>
+            <p:ph idx="2" sz="half" type="body"/>
+          </p:nvPr>
+        </p:nvSpPr>
+        <p:spPr/>
+        <p:txBody>
+          <a:bodyPr/>
+          <a:lstStyle/>
+          <a:p>
+            <a:pPr lvl="0" indent="0" marL="0">
+              <a:buNone/>
+            </a:pPr>
+            <a:r>
+              <a:rPr/>
+              <a:t>Quarto can easily run pre-scripts and post-scripts. I frequenly use this to pre-process data and to automatically publish output to git repositories.</a:t>
+            </a:r>
+          </a:p>
+        </p:txBody>
+      </p:sp>
+      <p:pic>
+        <p:nvPicPr>
+          <p:cNvPr descr="fig:  images/mermaid2-quarto-scripts.png" id="0" name="Picture 1"/>
+          <p:cNvPicPr>
+            <a:picLocks noGrp="1" noChangeAspect="1"/>
+          </p:cNvPicPr>
+          <p:nvPr/>
+        </p:nvPicPr>
+        <p:blipFill>
+          <a:blip r:embed="rId2"/>
+          <a:stretch>
+            <a:fillRect/>
+          </a:stretch>
+        </p:blipFill>
+        <p:spPr bwMode="auto">
+          <a:xfrm>
+            <a:off x="1625600" y="1689100"/>
+            <a:ext cx="5892800" cy="2476500"/>
+          </a:xfrm>
+          <a:prstGeom prst="rect">
+            <a:avLst/>
+          </a:prstGeom>
+          <a:noFill/>
+          <a:ln w="9525">
+            <a:noFill/>
+            <a:headEnd/>
+            <a:tailEnd/>
+          </a:ln>
+        </p:spPr>
+      </p:pic>
+      <p:sp>
+        <p:nvSpPr>
+          <p:cNvPr id="1" name="TextBox 3"/>
+          <p:cNvSpPr txBox="1"/>
+          <p:nvPr/>
+        </p:nvSpPr>
+        <p:spPr>
+          <a:xfrm>
+            <a:off x="457200" y="4165600"/>
+            <a:ext cx="8229600" cy="508000"/>
+          </a:xfrm>
+          <a:prstGeom prst="rect">
+            <a:avLst/>
+          </a:prstGeom>
+          <a:noFill/>
+        </p:spPr>
+        <p:txBody>
+          <a:bodyPr/>
+          <a:lstStyle/>
+          <a:p>
+            <a:pPr lvl="0" indent="0" marL="0" algn="ctr">
+              <a:buNone/>
+            </a:pPr>
+            <a:r>
+              <a:rPr/>
+              <a:t>Scripts</a:t>
             </a:r>
           </a:p>
         </p:txBody>
@@ -6504,7 +7094,12 @@
             <p:ph type="title"/>
           </p:nvPr>
         </p:nvSpPr>
-        <p:spPr/>
+        <p:spPr>
+          <a:xfrm>
+            <a:off x="722313" y="3305176"/>
+            <a:ext cx="7772400" cy="1021556"/>
+          </a:xfrm>
+        </p:spPr>
         <p:txBody>
           <a:bodyPr/>
           <a:lstStyle/>
@@ -6514,32 +7109,7 @@
             </a:pPr>
             <a:r>
               <a:rPr/>
-              <a:t>Using Quarto to write articles</a:t>
-            </a:r>
-          </a:p>
-        </p:txBody>
-      </p:sp>
-      <p:sp>
-        <p:nvSpPr>
-          <p:cNvPr id="3" name="Content Placeholder 2"/>
-          <p:cNvSpPr>
-            <a:spLocks noGrp="1"/>
-          </p:cNvSpPr>
-          <p:nvPr>
-            <p:ph idx="1"/>
-          </p:nvPr>
-        </p:nvSpPr>
-        <p:spPr/>
-        <p:txBody>
-          <a:bodyPr/>
-          <a:lstStyle/>
-          <a:p>
-            <a:pPr lvl="0" indent="0" marL="0">
-              <a:buNone/>
-            </a:pPr>
-            <a:r>
-              <a:rPr/>
-              <a:t>Blah bleh blih</a:t>
+              <a:t>Using Quarto</a:t>
             </a:r>
           </a:p>
         </p:txBody>
